--- a/ETL2/sprint review du projet.pptx
+++ b/ETL2/sprint review du projet.pptx
@@ -2,37 +2,33 @@
 <file path=ppt/presentation.xml><?xml version="1.0" encoding="utf-8"?>
 <p:presentation xmlns:a="http://schemas.openxmlformats.org/drawingml/2006/main" xmlns:r="http://schemas.openxmlformats.org/officeDocument/2006/relationships" xmlns:p="http://schemas.openxmlformats.org/presentationml/2006/main" saveSubsetFonts="1">
   <p:sldMasterIdLst>
-    <p:sldMasterId id="2147483804" r:id="rId1"/>
+    <p:sldMasterId id="2147483822" r:id="rId1"/>
   </p:sldMasterIdLst>
   <p:notesMasterIdLst>
-    <p:notesMasterId r:id="rId27"/>
+    <p:notesMasterId r:id="rId23"/>
   </p:notesMasterIdLst>
   <p:sldIdLst>
     <p:sldId id="256" r:id="rId2"/>
     <p:sldId id="257" r:id="rId3"/>
-    <p:sldId id="258" r:id="rId4"/>
-    <p:sldId id="259" r:id="rId5"/>
-    <p:sldId id="260" r:id="rId6"/>
-    <p:sldId id="261" r:id="rId7"/>
-    <p:sldId id="268" r:id="rId8"/>
-    <p:sldId id="269" r:id="rId9"/>
-    <p:sldId id="282" r:id="rId10"/>
-    <p:sldId id="262" r:id="rId11"/>
-    <p:sldId id="266" r:id="rId12"/>
-    <p:sldId id="267" r:id="rId13"/>
-    <p:sldId id="270" r:id="rId14"/>
-    <p:sldId id="271" r:id="rId15"/>
-    <p:sldId id="272" r:id="rId16"/>
-    <p:sldId id="274" r:id="rId17"/>
-    <p:sldId id="273" r:id="rId18"/>
-    <p:sldId id="283" r:id="rId19"/>
-    <p:sldId id="281" r:id="rId20"/>
-    <p:sldId id="275" r:id="rId21"/>
-    <p:sldId id="276" r:id="rId22"/>
-    <p:sldId id="277" r:id="rId23"/>
-    <p:sldId id="278" r:id="rId24"/>
-    <p:sldId id="279" r:id="rId25"/>
-    <p:sldId id="280" r:id="rId26"/>
+    <p:sldId id="268" r:id="rId4"/>
+    <p:sldId id="269" r:id="rId5"/>
+    <p:sldId id="282" r:id="rId6"/>
+    <p:sldId id="262" r:id="rId7"/>
+    <p:sldId id="266" r:id="rId8"/>
+    <p:sldId id="267" r:id="rId9"/>
+    <p:sldId id="270" r:id="rId10"/>
+    <p:sldId id="271" r:id="rId11"/>
+    <p:sldId id="272" r:id="rId12"/>
+    <p:sldId id="274" r:id="rId13"/>
+    <p:sldId id="273" r:id="rId14"/>
+    <p:sldId id="283" r:id="rId15"/>
+    <p:sldId id="281" r:id="rId16"/>
+    <p:sldId id="275" r:id="rId17"/>
+    <p:sldId id="276" r:id="rId18"/>
+    <p:sldId id="277" r:id="rId19"/>
+    <p:sldId id="278" r:id="rId20"/>
+    <p:sldId id="279" r:id="rId21"/>
+    <p:sldId id="280" r:id="rId22"/>
   </p:sldIdLst>
   <p:sldSz cx="12192000" cy="6858000"/>
   <p:notesSz cx="6858000" cy="9144000"/>
@@ -232,7 +228,7 @@
           <a:p>
             <a:fld id="{940A4682-0669-47D5-9489-EB98657C9F32}" type="datetimeFigureOut">
               <a:rPr lang="fr-FR" smtClean="0"/>
-              <a:t>20/12/2022</a:t>
+              <a:t>22/12/2022</a:t>
             </a:fld>
             <a:endParaRPr lang="fr-FR"/>
           </a:p>
@@ -619,354 +615,6 @@
 </p:notes>
 </file>
 
-<file path=ppt/notesSlides/notesSlide10.xml><?xml version="1.0" encoding="utf-8"?>
-<p:notes xmlns:a="http://schemas.openxmlformats.org/drawingml/2006/main" xmlns:r="http://schemas.openxmlformats.org/officeDocument/2006/relationships" xmlns:p="http://schemas.openxmlformats.org/presentationml/2006/main">
-  <p:cSld>
-    <p:spTree>
-      <p:nvGrpSpPr>
-        <p:cNvPr id="1" name=""/>
-        <p:cNvGrpSpPr/>
-        <p:nvPr/>
-      </p:nvGrpSpPr>
-      <p:grpSpPr>
-        <a:xfrm>
-          <a:off x="0" y="0"/>
-          <a:ext cx="0" cy="0"/>
-          <a:chOff x="0" y="0"/>
-          <a:chExt cx="0" cy="0"/>
-        </a:xfrm>
-      </p:grpSpPr>
-      <p:sp>
-        <p:nvSpPr>
-          <p:cNvPr id="2" name="Espace réservé de l'image des diapositives 1"/>
-          <p:cNvSpPr>
-            <a:spLocks noGrp="1" noRot="1" noChangeAspect="1"/>
-          </p:cNvSpPr>
-          <p:nvPr>
-            <p:ph type="sldImg"/>
-          </p:nvPr>
-        </p:nvSpPr>
-        <p:spPr/>
-      </p:sp>
-      <p:sp>
-        <p:nvSpPr>
-          <p:cNvPr id="3" name="Espace réservé des notes 2"/>
-          <p:cNvSpPr>
-            <a:spLocks noGrp="1"/>
-          </p:cNvSpPr>
-          <p:nvPr>
-            <p:ph type="body" idx="1"/>
-          </p:nvPr>
-        </p:nvSpPr>
-        <p:spPr/>
-        <p:txBody>
-          <a:bodyPr/>
-          <a:lstStyle/>
-          <a:p>
-            <a:r>
-              <a:rPr lang="fr-FR" dirty="0"/>
-              <a:t>Pour la base de donnée c’est PostgreSQL qui a été choisi, car il permet une grande flexibilité. </a:t>
-            </a:r>
-          </a:p>
-        </p:txBody>
-      </p:sp>
-      <p:sp>
-        <p:nvSpPr>
-          <p:cNvPr id="4" name="Espace réservé du numéro de diapositive 3"/>
-          <p:cNvSpPr>
-            <a:spLocks noGrp="1"/>
-          </p:cNvSpPr>
-          <p:nvPr>
-            <p:ph type="sldNum" sz="quarter" idx="5"/>
-          </p:nvPr>
-        </p:nvSpPr>
-        <p:spPr/>
-        <p:txBody>
-          <a:bodyPr/>
-          <a:lstStyle/>
-          <a:p>
-            <a:fld id="{8CDE1A44-3419-40F7-8341-5F59D25883B6}" type="slidenum">
-              <a:rPr lang="fr-FR" smtClean="0"/>
-              <a:t>12</a:t>
-            </a:fld>
-            <a:endParaRPr lang="fr-FR"/>
-          </a:p>
-        </p:txBody>
-      </p:sp>
-    </p:spTree>
-    <p:extLst>
-      <p:ext uri="{BB962C8B-B14F-4D97-AF65-F5344CB8AC3E}">
-        <p14:creationId xmlns:p14="http://schemas.microsoft.com/office/powerpoint/2010/main" val="1704701709"/>
-      </p:ext>
-    </p:extLst>
-  </p:cSld>
-  <p:clrMapOvr>
-    <a:masterClrMapping/>
-  </p:clrMapOvr>
-</p:notes>
-</file>
-
-<file path=ppt/notesSlides/notesSlide11.xml><?xml version="1.0" encoding="utf-8"?>
-<p:notes xmlns:a="http://schemas.openxmlformats.org/drawingml/2006/main" xmlns:r="http://schemas.openxmlformats.org/officeDocument/2006/relationships" xmlns:p="http://schemas.openxmlformats.org/presentationml/2006/main">
-  <p:cSld>
-    <p:spTree>
-      <p:nvGrpSpPr>
-        <p:cNvPr id="1" name=""/>
-        <p:cNvGrpSpPr/>
-        <p:nvPr/>
-      </p:nvGrpSpPr>
-      <p:grpSpPr>
-        <a:xfrm>
-          <a:off x="0" y="0"/>
-          <a:ext cx="0" cy="0"/>
-          <a:chOff x="0" y="0"/>
-          <a:chExt cx="0" cy="0"/>
-        </a:xfrm>
-      </p:grpSpPr>
-      <p:sp>
-        <p:nvSpPr>
-          <p:cNvPr id="2" name="Espace réservé de l'image des diapositives 1"/>
-          <p:cNvSpPr>
-            <a:spLocks noGrp="1" noRot="1" noChangeAspect="1"/>
-          </p:cNvSpPr>
-          <p:nvPr>
-            <p:ph type="sldImg"/>
-          </p:nvPr>
-        </p:nvSpPr>
-        <p:spPr/>
-      </p:sp>
-      <p:sp>
-        <p:nvSpPr>
-          <p:cNvPr id="3" name="Espace réservé des notes 2"/>
-          <p:cNvSpPr>
-            <a:spLocks noGrp="1"/>
-          </p:cNvSpPr>
-          <p:nvPr>
-            <p:ph type="body" idx="1"/>
-          </p:nvPr>
-        </p:nvSpPr>
-        <p:spPr/>
-        <p:txBody>
-          <a:bodyPr/>
-          <a:lstStyle/>
-          <a:p>
-            <a:r>
-              <a:rPr lang="fr-FR" dirty="0"/>
-              <a:t>Démonstration des avancés des étapes </a:t>
-            </a:r>
-          </a:p>
-        </p:txBody>
-      </p:sp>
-      <p:sp>
-        <p:nvSpPr>
-          <p:cNvPr id="4" name="Espace réservé du numéro de diapositive 3"/>
-          <p:cNvSpPr>
-            <a:spLocks noGrp="1"/>
-          </p:cNvSpPr>
-          <p:nvPr>
-            <p:ph type="sldNum" sz="quarter" idx="5"/>
-          </p:nvPr>
-        </p:nvSpPr>
-        <p:spPr/>
-        <p:txBody>
-          <a:bodyPr/>
-          <a:lstStyle/>
-          <a:p>
-            <a:fld id="{8CDE1A44-3419-40F7-8341-5F59D25883B6}" type="slidenum">
-              <a:rPr lang="fr-FR" smtClean="0"/>
-              <a:t>22</a:t>
-            </a:fld>
-            <a:endParaRPr lang="fr-FR"/>
-          </a:p>
-        </p:txBody>
-      </p:sp>
-    </p:spTree>
-    <p:extLst>
-      <p:ext uri="{BB962C8B-B14F-4D97-AF65-F5344CB8AC3E}">
-        <p14:creationId xmlns:p14="http://schemas.microsoft.com/office/powerpoint/2010/main" val="2146990291"/>
-      </p:ext>
-    </p:extLst>
-  </p:cSld>
-  <p:clrMapOvr>
-    <a:masterClrMapping/>
-  </p:clrMapOvr>
-</p:notes>
-</file>
-
-<file path=ppt/notesSlides/notesSlide12.xml><?xml version="1.0" encoding="utf-8"?>
-<p:notes xmlns:a="http://schemas.openxmlformats.org/drawingml/2006/main" xmlns:r="http://schemas.openxmlformats.org/officeDocument/2006/relationships" xmlns:p="http://schemas.openxmlformats.org/presentationml/2006/main">
-  <p:cSld>
-    <p:spTree>
-      <p:nvGrpSpPr>
-        <p:cNvPr id="1" name=""/>
-        <p:cNvGrpSpPr/>
-        <p:nvPr/>
-      </p:nvGrpSpPr>
-      <p:grpSpPr>
-        <a:xfrm>
-          <a:off x="0" y="0"/>
-          <a:ext cx="0" cy="0"/>
-          <a:chOff x="0" y="0"/>
-          <a:chExt cx="0" cy="0"/>
-        </a:xfrm>
-      </p:grpSpPr>
-      <p:sp>
-        <p:nvSpPr>
-          <p:cNvPr id="2" name="Espace réservé de l'image des diapositives 1"/>
-          <p:cNvSpPr>
-            <a:spLocks noGrp="1" noRot="1" noChangeAspect="1"/>
-          </p:cNvSpPr>
-          <p:nvPr>
-            <p:ph type="sldImg"/>
-          </p:nvPr>
-        </p:nvSpPr>
-        <p:spPr/>
-      </p:sp>
-      <p:sp>
-        <p:nvSpPr>
-          <p:cNvPr id="3" name="Espace réservé des notes 2"/>
-          <p:cNvSpPr>
-            <a:spLocks noGrp="1"/>
-          </p:cNvSpPr>
-          <p:nvPr>
-            <p:ph type="body" idx="1"/>
-          </p:nvPr>
-        </p:nvSpPr>
-        <p:spPr/>
-        <p:txBody>
-          <a:bodyPr/>
-          <a:lstStyle/>
-          <a:p>
-            <a:r>
-              <a:rPr lang="fr-FR" dirty="0"/>
-              <a:t>Démonstration des avancés des étapes </a:t>
-            </a:r>
-          </a:p>
-        </p:txBody>
-      </p:sp>
-      <p:sp>
-        <p:nvSpPr>
-          <p:cNvPr id="4" name="Espace réservé du numéro de diapositive 3"/>
-          <p:cNvSpPr>
-            <a:spLocks noGrp="1"/>
-          </p:cNvSpPr>
-          <p:nvPr>
-            <p:ph type="sldNum" sz="quarter" idx="5"/>
-          </p:nvPr>
-        </p:nvSpPr>
-        <p:spPr/>
-        <p:txBody>
-          <a:bodyPr/>
-          <a:lstStyle/>
-          <a:p>
-            <a:fld id="{8CDE1A44-3419-40F7-8341-5F59D25883B6}" type="slidenum">
-              <a:rPr lang="fr-FR" smtClean="0"/>
-              <a:t>23</a:t>
-            </a:fld>
-            <a:endParaRPr lang="fr-FR"/>
-          </a:p>
-        </p:txBody>
-      </p:sp>
-    </p:spTree>
-    <p:extLst>
-      <p:ext uri="{BB962C8B-B14F-4D97-AF65-F5344CB8AC3E}">
-        <p14:creationId xmlns:p14="http://schemas.microsoft.com/office/powerpoint/2010/main" val="2949657352"/>
-      </p:ext>
-    </p:extLst>
-  </p:cSld>
-  <p:clrMapOvr>
-    <a:masterClrMapping/>
-  </p:clrMapOvr>
-</p:notes>
-</file>
-
-<file path=ppt/notesSlides/notesSlide13.xml><?xml version="1.0" encoding="utf-8"?>
-<p:notes xmlns:a="http://schemas.openxmlformats.org/drawingml/2006/main" xmlns:r="http://schemas.openxmlformats.org/officeDocument/2006/relationships" xmlns:p="http://schemas.openxmlformats.org/presentationml/2006/main">
-  <p:cSld>
-    <p:spTree>
-      <p:nvGrpSpPr>
-        <p:cNvPr id="1" name=""/>
-        <p:cNvGrpSpPr/>
-        <p:nvPr/>
-      </p:nvGrpSpPr>
-      <p:grpSpPr>
-        <a:xfrm>
-          <a:off x="0" y="0"/>
-          <a:ext cx="0" cy="0"/>
-          <a:chOff x="0" y="0"/>
-          <a:chExt cx="0" cy="0"/>
-        </a:xfrm>
-      </p:grpSpPr>
-      <p:sp>
-        <p:nvSpPr>
-          <p:cNvPr id="2" name="Espace réservé de l'image des diapositives 1"/>
-          <p:cNvSpPr>
-            <a:spLocks noGrp="1" noRot="1" noChangeAspect="1"/>
-          </p:cNvSpPr>
-          <p:nvPr>
-            <p:ph type="sldImg"/>
-          </p:nvPr>
-        </p:nvSpPr>
-        <p:spPr/>
-      </p:sp>
-      <p:sp>
-        <p:nvSpPr>
-          <p:cNvPr id="3" name="Espace réservé des notes 2"/>
-          <p:cNvSpPr>
-            <a:spLocks noGrp="1"/>
-          </p:cNvSpPr>
-          <p:nvPr>
-            <p:ph type="body" idx="1"/>
-          </p:nvPr>
-        </p:nvSpPr>
-        <p:spPr/>
-        <p:txBody>
-          <a:bodyPr/>
-          <a:lstStyle/>
-          <a:p>
-            <a:r>
-              <a:rPr lang="fr-FR" dirty="0"/>
-              <a:t>Démonstration des avancés des étapes </a:t>
-            </a:r>
-          </a:p>
-        </p:txBody>
-      </p:sp>
-      <p:sp>
-        <p:nvSpPr>
-          <p:cNvPr id="4" name="Espace réservé du numéro de diapositive 3"/>
-          <p:cNvSpPr>
-            <a:spLocks noGrp="1"/>
-          </p:cNvSpPr>
-          <p:nvPr>
-            <p:ph type="sldNum" sz="quarter" idx="5"/>
-          </p:nvPr>
-        </p:nvSpPr>
-        <p:spPr/>
-        <p:txBody>
-          <a:bodyPr/>
-          <a:lstStyle/>
-          <a:p>
-            <a:fld id="{8CDE1A44-3419-40F7-8341-5F59D25883B6}" type="slidenum">
-              <a:rPr lang="fr-FR" smtClean="0"/>
-              <a:t>24</a:t>
-            </a:fld>
-            <a:endParaRPr lang="fr-FR"/>
-          </a:p>
-        </p:txBody>
-      </p:sp>
-    </p:spTree>
-    <p:extLst>
-      <p:ext uri="{BB962C8B-B14F-4D97-AF65-F5344CB8AC3E}">
-        <p14:creationId xmlns:p14="http://schemas.microsoft.com/office/powerpoint/2010/main" val="308123352"/>
-      </p:ext>
-    </p:extLst>
-  </p:cSld>
-  <p:clrMapOvr>
-    <a:masterClrMapping/>
-  </p:clrMapOvr>
-</p:notes>
-</file>
-
 <file path=ppt/notesSlides/notesSlide2.xml><?xml version="1.0" encoding="utf-8"?>
 <p:notes xmlns:a="http://schemas.openxmlformats.org/drawingml/2006/main" xmlns:r="http://schemas.openxmlformats.org/officeDocument/2006/relationships" xmlns:p="http://schemas.openxmlformats.org/presentationml/2006/main">
   <p:cSld>
@@ -1012,156 +660,87 @@
           <a:lstStyle/>
           <a:p>
             <a:r>
-              <a:rPr lang="fr-FR" b="0" i="0" dirty="0">
-                <a:solidFill>
-                  <a:srgbClr val="474747"/>
-                </a:solidFill>
-                <a:effectLst/>
-                <a:latin typeface="Open Sans" panose="020B0606030504020204" pitchFamily="34" charset="0"/>
-              </a:rPr>
-              <a:t>Pour le dire simplement, le processus ETL de données, y compris </a:t>
-            </a:r>
-            <a:r>
-              <a:rPr lang="fr-FR" b="0" i="1" dirty="0">
-                <a:solidFill>
-                  <a:srgbClr val="474747"/>
-                </a:solidFill>
-                <a:effectLst/>
-                <a:latin typeface="Open Sans" panose="020B0606030504020204" pitchFamily="34" charset="0"/>
-              </a:rPr>
-              <a:t>extraction</a:t>
-            </a:r>
-            <a:r>
-              <a:rPr lang="fr-FR" b="0" i="0" dirty="0">
-                <a:solidFill>
-                  <a:srgbClr val="474747"/>
-                </a:solidFill>
-                <a:effectLst/>
-                <a:latin typeface="Open Sans" panose="020B0606030504020204" pitchFamily="34" charset="0"/>
-              </a:rPr>
-              <a:t> et la compilation des données brutes, </a:t>
-            </a:r>
-            <a:r>
-              <a:rPr lang="fr-FR" b="0" i="1" dirty="0">
-                <a:solidFill>
-                  <a:srgbClr val="474747"/>
-                </a:solidFill>
-                <a:effectLst/>
-                <a:latin typeface="Open Sans" panose="020B0606030504020204" pitchFamily="34" charset="0"/>
-              </a:rPr>
-              <a:t>transformer</a:t>
-            </a:r>
-            <a:r>
-              <a:rPr lang="fr-FR" b="0" i="0" dirty="0">
-                <a:solidFill>
-                  <a:srgbClr val="474747"/>
-                </a:solidFill>
-                <a:effectLst/>
-                <a:latin typeface="Open Sans" panose="020B0606030504020204" pitchFamily="34" charset="0"/>
-              </a:rPr>
-              <a:t> pour le rendre intelligible, et </a:t>
-            </a:r>
-            <a:r>
-              <a:rPr lang="fr-FR" b="0" i="1" dirty="0">
-                <a:solidFill>
-                  <a:srgbClr val="474747"/>
-                </a:solidFill>
-                <a:effectLst/>
-                <a:latin typeface="Open Sans" panose="020B0606030504020204" pitchFamily="34" charset="0"/>
-              </a:rPr>
-              <a:t>chargement</a:t>
-            </a:r>
-            <a:r>
-              <a:rPr lang="fr-FR" b="0" i="0" dirty="0">
-                <a:solidFill>
-                  <a:srgbClr val="474747"/>
-                </a:solidFill>
-                <a:effectLst/>
-                <a:latin typeface="Open Sans" panose="020B0606030504020204" pitchFamily="34" charset="0"/>
-              </a:rPr>
-              <a:t> dans un système cible, tel qu'une base de données ou </a:t>
-            </a:r>
-            <a:r>
-              <a:rPr lang="fr-FR" b="0" i="0" u="none" strike="noStrike" dirty="0">
-                <a:solidFill>
-                  <a:srgbClr val="21759B"/>
-                </a:solidFill>
-                <a:effectLst/>
-                <a:latin typeface="Open Sans" panose="020B0606030504020204" pitchFamily="34" charset="0"/>
-                <a:hlinkClick r:id="rId3"/>
-              </a:rPr>
-              <a:t>entrepôt de données</a:t>
-            </a:r>
-            <a:r>
-              <a:rPr lang="fr-FR" b="0" i="0" dirty="0">
-                <a:solidFill>
-                  <a:srgbClr val="474747"/>
-                </a:solidFill>
-                <a:effectLst/>
-                <a:latin typeface="Open Sans" panose="020B0606030504020204" pitchFamily="34" charset="0"/>
-              </a:rPr>
-              <a:t>, pour un accès et une analyse faciles. ETL abréviation de </a:t>
-            </a:r>
-            <a:r>
-              <a:rPr lang="fr-FR" b="0" i="0" dirty="0" err="1">
-                <a:solidFill>
-                  <a:srgbClr val="474747"/>
-                </a:solidFill>
-                <a:effectLst/>
-                <a:latin typeface="Open Sans" panose="020B0606030504020204" pitchFamily="34" charset="0"/>
-              </a:rPr>
-              <a:t>Extract</a:t>
-            </a:r>
-            <a:r>
-              <a:rPr lang="fr-FR" b="0" i="0" dirty="0">
-                <a:solidFill>
-                  <a:srgbClr val="474747"/>
-                </a:solidFill>
-                <a:effectLst/>
-                <a:latin typeface="Open Sans" panose="020B0606030504020204" pitchFamily="34" charset="0"/>
-              </a:rPr>
-              <a:t>, </a:t>
-            </a:r>
-            <a:r>
-              <a:rPr lang="fr-FR" b="0" i="0" dirty="0" err="1">
-                <a:solidFill>
-                  <a:srgbClr val="474747"/>
-                </a:solidFill>
-                <a:effectLst/>
-                <a:latin typeface="Open Sans" panose="020B0606030504020204" pitchFamily="34" charset="0"/>
-              </a:rPr>
-              <a:t>Transform</a:t>
-            </a:r>
-            <a:r>
-              <a:rPr lang="fr-FR" b="0" i="0" dirty="0">
-                <a:solidFill>
-                  <a:srgbClr val="474747"/>
-                </a:solidFill>
-                <a:effectLst/>
-                <a:latin typeface="Open Sans" panose="020B0606030504020204" pitchFamily="34" charset="0"/>
-              </a:rPr>
-              <a:t>, </a:t>
-            </a:r>
-            <a:r>
-              <a:rPr lang="fr-FR" b="0" i="0" dirty="0" err="1">
-                <a:solidFill>
-                  <a:srgbClr val="474747"/>
-                </a:solidFill>
-                <a:effectLst/>
-                <a:latin typeface="Open Sans" panose="020B0606030504020204" pitchFamily="34" charset="0"/>
-              </a:rPr>
-              <a:t>Load</a:t>
-            </a:r>
-            <a:r>
-              <a:rPr lang="fr-FR" b="0" i="0" dirty="0">
-                <a:solidFill>
-                  <a:srgbClr val="474747"/>
-                </a:solidFill>
-                <a:effectLst/>
-                <a:latin typeface="Open Sans" panose="020B0606030504020204" pitchFamily="34" charset="0"/>
-              </a:rPr>
-              <a:t>, est un élément important de l'écosystème de données de toute entreprise moderne. Le processus ETL est ce qui aide à briser les silos de données et facilite l'accès aux données pour les décideurs.</a:t>
-            </a:r>
+              <a:rPr lang="fr-FR" dirty="0"/>
+              <a:t>Vous êtes </a:t>
+            </a:r>
+            <a:r>
+              <a:rPr lang="fr-FR" dirty="0" err="1"/>
+              <a:t>un·e</a:t>
+            </a:r>
+            <a:r>
+              <a:rPr lang="fr-FR" dirty="0"/>
+              <a:t> </a:t>
+            </a:r>
+            <a:r>
+              <a:rPr lang="fr-FR" dirty="0" err="1"/>
+              <a:t>développeur·se</a:t>
+            </a:r>
+            <a:r>
+              <a:rPr lang="fr-FR" dirty="0"/>
+              <a:t> chez </a:t>
+            </a:r>
+            <a:r>
+              <a:rPr lang="fr-FR" b="1" dirty="0" err="1"/>
+              <a:t>Analysis</a:t>
+            </a:r>
+            <a:r>
+              <a:rPr lang="fr-FR" b="1" dirty="0"/>
+              <a:t> </a:t>
+            </a:r>
+            <a:r>
+              <a:rPr lang="fr-FR" b="1" dirty="0" err="1"/>
+              <a:t>Features</a:t>
+            </a:r>
+            <a:r>
+              <a:rPr lang="fr-FR" b="1" dirty="0"/>
+              <a:t> </a:t>
+            </a:r>
+            <a:r>
+              <a:rPr lang="fr-FR" b="1" dirty="0" err="1"/>
+              <a:t>Preprocessing</a:t>
+            </a:r>
+            <a:r>
+              <a:rPr lang="fr-FR" b="1" dirty="0"/>
+              <a:t> And </a:t>
+            </a:r>
+            <a:r>
+              <a:rPr lang="fr-FR" b="1" dirty="0" err="1"/>
+              <a:t>Research</a:t>
+            </a:r>
+            <a:r>
+              <a:rPr lang="fr-FR" dirty="0"/>
+              <a:t>, une ESN spécialisée dans la réalisation d’applicatifs de type BI et intelligence artificielle.</a:t>
+            </a:r>
+          </a:p>
+          <a:p>
+            <a:r>
+              <a:rPr lang="fr-FR" dirty="0"/>
+              <a:t>On vous a confié la tâche de réaliser un proof of concept (</a:t>
+            </a:r>
+            <a:r>
+              <a:rPr lang="fr-FR" dirty="0" err="1"/>
+              <a:t>PoC</a:t>
+            </a:r>
+            <a:r>
+              <a:rPr lang="fr-FR" dirty="0"/>
+              <a:t>) dans le cadre d’un projet de </a:t>
+            </a:r>
+            <a:r>
+              <a:rPr lang="fr-FR" dirty="0" err="1"/>
+              <a:t>dashboard</a:t>
+            </a:r>
+            <a:r>
+              <a:rPr lang="fr-FR" dirty="0"/>
+              <a:t> d’aide à la décision pour un client exigeant. Vous avez accès à un fichier de données brutes, matérialisant un export depuis leurs bases de données opérationnelles.</a:t>
+            </a:r>
+          </a:p>
+          <a:p>
+            <a:r>
+              <a:rPr lang="fr-FR" dirty="0"/>
+              <a:t>Ce fichier CSV alimentera votre base analytique et tient lieu de situation initiale. Les CSV des mois suivants vous seront régulièrement transmis.</a:t>
+            </a:r>
+          </a:p>
+          <a:p>
             <a:endParaRPr lang="fr-FR" dirty="0"/>
           </a:p>
         </p:txBody>
@@ -1192,7 +771,7 @@
     </p:spTree>
     <p:extLst>
       <p:ext uri="{BB962C8B-B14F-4D97-AF65-F5344CB8AC3E}">
-        <p14:creationId xmlns:p14="http://schemas.microsoft.com/office/powerpoint/2010/main" val="2763501533"/>
+        <p14:creationId xmlns:p14="http://schemas.microsoft.com/office/powerpoint/2010/main" val="483170555"/>
       </p:ext>
     </p:extLst>
   </p:cSld>
@@ -1247,94 +826,84 @@
           <a:lstStyle/>
           <a:p>
             <a:r>
-              <a:rPr lang="fr-FR" b="0" i="0" dirty="0">
-                <a:solidFill>
-                  <a:srgbClr val="323E48"/>
-                </a:solidFill>
-                <a:effectLst/>
-                <a:latin typeface="Source Sans Pro" panose="020B0604020202020204" pitchFamily="34" charset="0"/>
-              </a:rPr>
-              <a:t>L'objectif d'ETL est de produire des données propres, faciles d'accès et qui peuvent être exploitées efficacement par l'analytique, la Business Intelligence ou/et les opérations commerciales. Les données brutes peuvent être extraites de différentes sources, en particulier :</a:t>
-            </a:r>
-          </a:p>
-          <a:p>
-            <a:pPr algn="l">
-              <a:buFont typeface="Arial" panose="020B0604020202020204" pitchFamily="34" charset="0"/>
-              <a:buChar char="•"/>
-            </a:pPr>
-            <a:r>
-              <a:rPr lang="fr-FR" b="0" i="0" dirty="0">
-                <a:solidFill>
-                  <a:srgbClr val="323E48"/>
-                </a:solidFill>
-                <a:effectLst/>
-                <a:latin typeface="Source Sans Pro" panose="020B0503030403020204" pitchFamily="34" charset="0"/>
-              </a:rPr>
-              <a:t>Bases de données existantes</a:t>
-            </a:r>
-          </a:p>
-          <a:p>
-            <a:pPr algn="l">
-              <a:buFont typeface="Arial" panose="020B0604020202020204" pitchFamily="34" charset="0"/>
-              <a:buChar char="•"/>
-            </a:pPr>
-            <a:r>
-              <a:rPr lang="fr-FR" b="0" i="0" dirty="0">
-                <a:solidFill>
-                  <a:srgbClr val="323E48"/>
-                </a:solidFill>
-                <a:effectLst/>
-                <a:latin typeface="Source Sans Pro" panose="020B0503030403020204" pitchFamily="34" charset="0"/>
-              </a:rPr>
-              <a:t>Logs d'activité (trafic réseau, rapports d'erreurs, etc.)</a:t>
-            </a:r>
-          </a:p>
-          <a:p>
-            <a:pPr algn="l">
-              <a:buFont typeface="Arial" panose="020B0604020202020204" pitchFamily="34" charset="0"/>
-              <a:buChar char="•"/>
-            </a:pPr>
-            <a:r>
-              <a:rPr lang="fr-FR" b="0" i="0" dirty="0">
-                <a:solidFill>
-                  <a:srgbClr val="323E48"/>
-                </a:solidFill>
-                <a:effectLst/>
-                <a:latin typeface="Source Sans Pro" panose="020B0503030403020204" pitchFamily="34" charset="0"/>
-              </a:rPr>
-              <a:t>Comportement, performances et anomalies des applications</a:t>
-            </a:r>
-          </a:p>
-          <a:p>
-            <a:pPr algn="l">
-              <a:buFont typeface="Arial" panose="020B0604020202020204" pitchFamily="34" charset="0"/>
-              <a:buChar char="•"/>
-            </a:pPr>
-            <a:r>
-              <a:rPr lang="fr-FR" b="0" i="0" dirty="0">
-                <a:solidFill>
-                  <a:srgbClr val="323E48"/>
-                </a:solidFill>
-                <a:effectLst/>
-                <a:latin typeface="Source Sans Pro" panose="020B0503030403020204" pitchFamily="34" charset="0"/>
-              </a:rPr>
-              <a:t>Événements de sécurité</a:t>
-            </a:r>
-          </a:p>
-          <a:p>
-            <a:pPr algn="l">
-              <a:buFont typeface="Arial" panose="020B0604020202020204" pitchFamily="34" charset="0"/>
-              <a:buChar char="•"/>
-            </a:pPr>
-            <a:r>
-              <a:rPr lang="fr-FR" b="0" i="0" dirty="0">
-                <a:solidFill>
-                  <a:srgbClr val="323E48"/>
-                </a:solidFill>
-                <a:effectLst/>
-                <a:latin typeface="Source Sans Pro" panose="020B0503030403020204" pitchFamily="34" charset="0"/>
-              </a:rPr>
-              <a:t>Autres opérations qui doivent être décrites aux fins de conformité</a:t>
+              <a:rPr lang="fr-FR" dirty="0"/>
+              <a:t>Vous êtes </a:t>
+            </a:r>
+            <a:r>
+              <a:rPr lang="fr-FR" dirty="0" err="1"/>
+              <a:t>un·e</a:t>
+            </a:r>
+            <a:r>
+              <a:rPr lang="fr-FR" dirty="0"/>
+              <a:t> </a:t>
+            </a:r>
+            <a:r>
+              <a:rPr lang="fr-FR" dirty="0" err="1"/>
+              <a:t>développeur·se</a:t>
+            </a:r>
+            <a:r>
+              <a:rPr lang="fr-FR" dirty="0"/>
+              <a:t> chez </a:t>
+            </a:r>
+            <a:r>
+              <a:rPr lang="fr-FR" b="1" dirty="0" err="1"/>
+              <a:t>Analysis</a:t>
+            </a:r>
+            <a:r>
+              <a:rPr lang="fr-FR" b="1" dirty="0"/>
+              <a:t> </a:t>
+            </a:r>
+            <a:r>
+              <a:rPr lang="fr-FR" b="1" dirty="0" err="1"/>
+              <a:t>Features</a:t>
+            </a:r>
+            <a:r>
+              <a:rPr lang="fr-FR" b="1" dirty="0"/>
+              <a:t> </a:t>
+            </a:r>
+            <a:r>
+              <a:rPr lang="fr-FR" b="1" dirty="0" err="1"/>
+              <a:t>Preprocessing</a:t>
+            </a:r>
+            <a:r>
+              <a:rPr lang="fr-FR" b="1" dirty="0"/>
+              <a:t> And </a:t>
+            </a:r>
+            <a:r>
+              <a:rPr lang="fr-FR" b="1" dirty="0" err="1"/>
+              <a:t>Research</a:t>
+            </a:r>
+            <a:r>
+              <a:rPr lang="fr-FR" dirty="0"/>
+              <a:t>, une ESN (Entreprise de Services Numériques) spécialisée dans la réalisation d’applicatifs de type BI et intelligence artificielle.</a:t>
+            </a:r>
+          </a:p>
+          <a:p>
+            <a:r>
+              <a:rPr lang="fr-FR" dirty="0"/>
+              <a:t>On vous a confié la tâche de réaliser un proof of concept (</a:t>
+            </a:r>
+            <a:r>
+              <a:rPr lang="fr-FR" dirty="0" err="1"/>
+              <a:t>PoC</a:t>
+            </a:r>
+            <a:r>
+              <a:rPr lang="fr-FR" dirty="0"/>
+              <a:t>) dans le cadre d’un projet de </a:t>
+            </a:r>
+            <a:r>
+              <a:rPr lang="fr-FR" dirty="0" err="1"/>
+              <a:t>dashboard</a:t>
+            </a:r>
+            <a:r>
+              <a:rPr lang="fr-FR" dirty="0"/>
+              <a:t> d’aide à la décision pour un client exigeant. Vous avez accès à un fichier de données brutes, matérialisant un export depuis leurs bases de données opérationnelles.</a:t>
+            </a:r>
+          </a:p>
+          <a:p>
+            <a:r>
+              <a:rPr lang="fr-FR" dirty="0"/>
+              <a:t>Ce fichier CSV alimentera votre base analytique et tient lieu de situation initiale. Les CSV des mois suivants vous seront régulièrement transmis.</a:t>
             </a:r>
           </a:p>
           <a:p>
@@ -1368,7 +937,7 @@
     </p:spTree>
     <p:extLst>
       <p:ext uri="{BB962C8B-B14F-4D97-AF65-F5344CB8AC3E}">
-        <p14:creationId xmlns:p14="http://schemas.microsoft.com/office/powerpoint/2010/main" val="2629691755"/>
+        <p14:creationId xmlns:p14="http://schemas.microsoft.com/office/powerpoint/2010/main" val="1520489279"/>
       </p:ext>
     </p:extLst>
   </p:cSld>
@@ -1422,274 +991,85 @@
           <a:bodyPr/>
           <a:lstStyle/>
           <a:p>
-            <a:pPr algn="l"/>
-            <a:r>
-              <a:rPr lang="fr-FR" b="0" i="0" dirty="0">
-                <a:solidFill>
-                  <a:srgbClr val="323E48"/>
-                </a:solidFill>
-                <a:effectLst/>
-                <a:latin typeface="Source Sans Pro" panose="020B0503030403020204" pitchFamily="34" charset="0"/>
-              </a:rPr>
-              <a:t>L'étape de transformation du processus ETL est celle des opérations les plus essentielles. L'opération la plus importante de l'étape de transformation consiste à appliquer aux données brutes les règles internes de l'entreprise de manière à répondre aux exigences en matière de </a:t>
-            </a:r>
-            <a:r>
-              <a:rPr lang="fr-FR" b="0" i="0" dirty="0" err="1">
-                <a:solidFill>
-                  <a:srgbClr val="323E48"/>
-                </a:solidFill>
-                <a:effectLst/>
-                <a:latin typeface="Source Sans Pro" panose="020B0503030403020204" pitchFamily="34" charset="0"/>
-              </a:rPr>
-              <a:t>reporting</a:t>
-            </a:r>
-            <a:r>
-              <a:rPr lang="fr-FR" b="0" i="0" dirty="0">
-                <a:solidFill>
-                  <a:srgbClr val="323E48"/>
-                </a:solidFill>
-                <a:effectLst/>
-                <a:latin typeface="Source Sans Pro" panose="020B0503030403020204" pitchFamily="34" charset="0"/>
-              </a:rPr>
-              <a:t> :  les données brutes sont nettoyées et converties aux formats de rapport qui conviennent (si les données ne sont pas nettoyées, il devient plus difficile d'appliquer les règles internes de </a:t>
-            </a:r>
-            <a:r>
-              <a:rPr lang="fr-FR" b="0" i="0" dirty="0" err="1">
-                <a:solidFill>
-                  <a:srgbClr val="323E48"/>
-                </a:solidFill>
-                <a:effectLst/>
-                <a:latin typeface="Source Sans Pro" panose="020B0503030403020204" pitchFamily="34" charset="0"/>
-              </a:rPr>
-              <a:t>reporting</a:t>
-            </a:r>
-            <a:r>
-              <a:rPr lang="fr-FR" b="0" i="0" dirty="0">
-                <a:solidFill>
-                  <a:srgbClr val="323E48"/>
-                </a:solidFill>
-                <a:effectLst/>
-                <a:latin typeface="Source Sans Pro" panose="020B0503030403020204" pitchFamily="34" charset="0"/>
-              </a:rPr>
-              <a:t>).</a:t>
-            </a:r>
-          </a:p>
-          <a:p>
-            <a:pPr algn="l"/>
-            <a:r>
-              <a:rPr lang="fr-FR" b="0" i="0" dirty="0">
-                <a:solidFill>
-                  <a:srgbClr val="323E48"/>
-                </a:solidFill>
-                <a:effectLst/>
-                <a:latin typeface="Source Sans Pro" panose="020B0503030403020204" pitchFamily="34" charset="0"/>
-              </a:rPr>
-              <a:t>La transformation applique les règles définies en interne. Les normes qui garantissent la </a:t>
-            </a:r>
-            <a:r>
-              <a:rPr lang="fr-FR" b="0" i="0" u="none" strike="noStrike" dirty="0">
-                <a:solidFill>
-                  <a:srgbClr val="323E48"/>
-                </a:solidFill>
-                <a:effectLst/>
-                <a:latin typeface="Source Sans Pro" panose="020B0503030403020204" pitchFamily="34" charset="0"/>
-                <a:hlinkClick r:id="rId3"/>
-              </a:rPr>
-              <a:t>qualité des données</a:t>
-            </a:r>
-            <a:r>
-              <a:rPr lang="fr-FR" b="0" i="0" dirty="0">
-                <a:solidFill>
-                  <a:srgbClr val="323E48"/>
-                </a:solidFill>
-                <a:effectLst/>
-                <a:latin typeface="Source Sans Pro" panose="020B0503030403020204" pitchFamily="34" charset="0"/>
-              </a:rPr>
-              <a:t> et leur accessibilité doivent tenir compte des pratiques suivantes :</a:t>
-            </a:r>
-          </a:p>
-          <a:p>
-            <a:pPr algn="l">
-              <a:buFont typeface="Arial" panose="020B0604020202020204" pitchFamily="34" charset="0"/>
-              <a:buChar char="•"/>
-            </a:pPr>
-            <a:r>
-              <a:rPr lang="fr-FR" b="1" i="0" dirty="0">
-                <a:solidFill>
-                  <a:srgbClr val="323E48"/>
-                </a:solidFill>
-                <a:effectLst/>
-                <a:latin typeface="Source Sans Pro" panose="020B0503030403020204" pitchFamily="34" charset="0"/>
-              </a:rPr>
-              <a:t>Standardisation</a:t>
-            </a:r>
-            <a:r>
-              <a:rPr lang="fr-FR" b="0" i="0" dirty="0">
-                <a:solidFill>
-                  <a:srgbClr val="323E48"/>
-                </a:solidFill>
-                <a:effectLst/>
-                <a:latin typeface="Source Sans Pro" panose="020B0503030403020204" pitchFamily="34" charset="0"/>
-              </a:rPr>
-              <a:t> – Définir les données à traiter, leur format et leur mode de stockage ainsi que d'autres considérations de base qui définiront les étapes qui suivent.</a:t>
-            </a:r>
-          </a:p>
-          <a:p>
-            <a:pPr algn="l">
-              <a:buFont typeface="Arial" panose="020B0604020202020204" pitchFamily="34" charset="0"/>
-              <a:buChar char="•"/>
-            </a:pPr>
-            <a:r>
-              <a:rPr lang="fr-FR" b="1" i="0" dirty="0">
-                <a:solidFill>
-                  <a:srgbClr val="323E48"/>
-                </a:solidFill>
-                <a:effectLst/>
-                <a:latin typeface="Source Sans Pro" panose="020B0503030403020204" pitchFamily="34" charset="0"/>
-              </a:rPr>
-              <a:t>Déduplication</a:t>
-            </a:r>
-            <a:r>
-              <a:rPr lang="fr-FR" b="0" i="0" dirty="0">
-                <a:solidFill>
-                  <a:srgbClr val="323E48"/>
-                </a:solidFill>
-                <a:effectLst/>
-                <a:latin typeface="Source Sans Pro" panose="020B0503030403020204" pitchFamily="34" charset="0"/>
-              </a:rPr>
-              <a:t> – Transmettre un rapport sur les doublons aux personnes en charge de la gouvernance des données ; exclure et/ou supprimer les </a:t>
-            </a:r>
-            <a:r>
-              <a:rPr lang="fr-FR" b="0" i="0" u="none" strike="noStrike" dirty="0">
-                <a:solidFill>
-                  <a:srgbClr val="323E48"/>
-                </a:solidFill>
-                <a:effectLst/>
-                <a:latin typeface="Source Sans Pro" panose="020B0503030403020204" pitchFamily="34" charset="0"/>
-                <a:hlinkClick r:id="rId4"/>
-              </a:rPr>
-              <a:t>données redondantes</a:t>
-            </a:r>
-            <a:r>
-              <a:rPr lang="fr-FR" b="0" i="0" dirty="0">
-                <a:solidFill>
-                  <a:srgbClr val="323E48"/>
-                </a:solidFill>
-                <a:effectLst/>
-                <a:latin typeface="Source Sans Pro" panose="020B0503030403020204" pitchFamily="34" charset="0"/>
-              </a:rPr>
-              <a:t>.</a:t>
-            </a:r>
-          </a:p>
-          <a:p>
-            <a:pPr algn="l">
-              <a:buFont typeface="Arial" panose="020B0604020202020204" pitchFamily="34" charset="0"/>
-              <a:buChar char="•"/>
-            </a:pPr>
-            <a:r>
-              <a:rPr lang="fr-FR" b="1" i="0" dirty="0">
-                <a:solidFill>
-                  <a:srgbClr val="323E48"/>
-                </a:solidFill>
-                <a:effectLst/>
-                <a:latin typeface="Source Sans Pro" panose="020B0503030403020204" pitchFamily="34" charset="0"/>
-              </a:rPr>
-              <a:t>Vérification</a:t>
-            </a:r>
-            <a:r>
-              <a:rPr lang="fr-FR" b="0" i="0" dirty="0">
-                <a:solidFill>
-                  <a:srgbClr val="323E48"/>
-                </a:solidFill>
-                <a:effectLst/>
-                <a:latin typeface="Source Sans Pro" panose="020B0503030403020204" pitchFamily="34" charset="0"/>
-              </a:rPr>
-              <a:t> – Effectuer des vérifications automatisées pour comparer des données similaires telles que durée de transaction ou suivi des accès. Les tâches de vérification permettent d'éliminer les données inutilisables et de signaler les anomalies des systèmes, des applications ou des données.</a:t>
-            </a:r>
-          </a:p>
-          <a:p>
-            <a:pPr algn="l">
-              <a:buFont typeface="Arial" panose="020B0604020202020204" pitchFamily="34" charset="0"/>
-              <a:buChar char="•"/>
-            </a:pPr>
-            <a:r>
-              <a:rPr lang="fr-FR" b="1" i="0" dirty="0">
-                <a:solidFill>
-                  <a:srgbClr val="323E48"/>
-                </a:solidFill>
-                <a:effectLst/>
-                <a:latin typeface="Source Sans Pro" panose="020B0503030403020204" pitchFamily="34" charset="0"/>
-              </a:rPr>
-              <a:t>Tri</a:t>
-            </a:r>
-            <a:r>
-              <a:rPr lang="fr-FR" b="0" i="0" dirty="0">
-                <a:solidFill>
-                  <a:srgbClr val="323E48"/>
-                </a:solidFill>
-                <a:effectLst/>
-                <a:latin typeface="Source Sans Pro" panose="020B0503030403020204" pitchFamily="34" charset="0"/>
-              </a:rPr>
-              <a:t> – Maximiser l'efficacité des data </a:t>
-            </a:r>
-            <a:r>
-              <a:rPr lang="fr-FR" b="0" i="0" dirty="0" err="1">
-                <a:solidFill>
-                  <a:srgbClr val="323E48"/>
-                </a:solidFill>
-                <a:effectLst/>
-                <a:latin typeface="Source Sans Pro" panose="020B0503030403020204" pitchFamily="34" charset="0"/>
-              </a:rPr>
-              <a:t>warehouses</a:t>
-            </a:r>
-            <a:r>
-              <a:rPr lang="fr-FR" b="0" i="0" dirty="0">
-                <a:solidFill>
-                  <a:srgbClr val="323E48"/>
-                </a:solidFill>
-                <a:effectLst/>
-                <a:latin typeface="Source Sans Pro" panose="020B0503030403020204" pitchFamily="34" charset="0"/>
-              </a:rPr>
-              <a:t> en regroupant et stockant les objets par catégorie (données brutes, données audio, mails, etc.). Vos règles de transformation ETL conditionnent la catégorisation de chaque objet et sa prochaine destination. Le processus ETL est parfois utilisé pour générer des tables d'agrégation qui sont ensuite proposées dans des rapports de base ; dans ce cas, vous devez trier puis agréger les données.</a:t>
-            </a:r>
-          </a:p>
-          <a:p>
-            <a:pPr algn="l">
-              <a:buFont typeface="Arial" panose="020B0604020202020204" pitchFamily="34" charset="0"/>
-              <a:buChar char="•"/>
-            </a:pPr>
-            <a:r>
-              <a:rPr lang="fr-FR" b="1" i="0" dirty="0">
-                <a:solidFill>
-                  <a:srgbClr val="323E48"/>
-                </a:solidFill>
-                <a:effectLst/>
-                <a:latin typeface="Source Sans Pro" panose="020B0503030403020204" pitchFamily="34" charset="0"/>
-              </a:rPr>
-              <a:t>Autres tâches</a:t>
-            </a:r>
-            <a:r>
-              <a:rPr lang="fr-FR" b="0" i="0" dirty="0">
-                <a:solidFill>
-                  <a:srgbClr val="323E48"/>
-                </a:solidFill>
-                <a:effectLst/>
-                <a:latin typeface="Source Sans Pro" panose="020B0503030403020204" pitchFamily="34" charset="0"/>
-              </a:rPr>
-              <a:t> – Tâches dont vous avez besoin et que vous définissez et paramétrez de telle sorte qu'elles s'exécutent en mode automatique.</a:t>
-            </a:r>
-          </a:p>
-          <a:p>
-            <a:pPr algn="l"/>
-            <a:r>
-              <a:rPr lang="fr-FR" b="0" i="0" dirty="0">
-                <a:solidFill>
-                  <a:srgbClr val="323E48"/>
-                </a:solidFill>
-                <a:effectLst/>
-                <a:latin typeface="Source Sans Pro" panose="020B0503030403020204" pitchFamily="34" charset="0"/>
-              </a:rPr>
-              <a:t>Ces opérations transforment des volumes considérables de données inutilisables en données nettoyées que vous pouvez présenter à la dernière étape du processus ETL, la phase de chargement.</a:t>
+            <a:r>
+              <a:rPr lang="fr-FR" dirty="0"/>
+              <a:t>Vous êtes </a:t>
+            </a:r>
+            <a:r>
+              <a:rPr lang="fr-FR" dirty="0" err="1"/>
+              <a:t>un·e</a:t>
+            </a:r>
+            <a:r>
+              <a:rPr lang="fr-FR" dirty="0"/>
+              <a:t> </a:t>
+            </a:r>
+            <a:r>
+              <a:rPr lang="fr-FR" dirty="0" err="1"/>
+              <a:t>développeur·se</a:t>
+            </a:r>
+            <a:r>
+              <a:rPr lang="fr-FR" dirty="0"/>
+              <a:t> chez </a:t>
+            </a:r>
+            <a:r>
+              <a:rPr lang="fr-FR" b="1" dirty="0" err="1"/>
+              <a:t>Analysis</a:t>
+            </a:r>
+            <a:r>
+              <a:rPr lang="fr-FR" b="1" dirty="0"/>
+              <a:t> </a:t>
+            </a:r>
+            <a:r>
+              <a:rPr lang="fr-FR" b="1" dirty="0" err="1"/>
+              <a:t>Features</a:t>
+            </a:r>
+            <a:r>
+              <a:rPr lang="fr-FR" b="1" dirty="0"/>
+              <a:t> </a:t>
+            </a:r>
+            <a:r>
+              <a:rPr lang="fr-FR" b="1" dirty="0" err="1"/>
+              <a:t>Preprocessing</a:t>
+            </a:r>
+            <a:r>
+              <a:rPr lang="fr-FR" b="1" dirty="0"/>
+              <a:t> And </a:t>
+            </a:r>
+            <a:r>
+              <a:rPr lang="fr-FR" b="1" dirty="0" err="1"/>
+              <a:t>Research</a:t>
+            </a:r>
+            <a:r>
+              <a:rPr lang="fr-FR" dirty="0"/>
+              <a:t>, une ESN (Entreprise de Services Numériques) spécialisée dans la réalisation d’applicatifs de type BI et intelligence artificielle.</a:t>
+            </a:r>
+          </a:p>
+          <a:p>
+            <a:r>
+              <a:rPr lang="fr-FR" dirty="0"/>
+              <a:t>On vous a confié la tâche de réaliser un proof of concept (</a:t>
+            </a:r>
+            <a:r>
+              <a:rPr lang="fr-FR" dirty="0" err="1"/>
+              <a:t>PoC</a:t>
+            </a:r>
+            <a:r>
+              <a:rPr lang="fr-FR" dirty="0"/>
+              <a:t>) dans le cadre d’un projet de </a:t>
+            </a:r>
+            <a:r>
+              <a:rPr lang="fr-FR" dirty="0" err="1"/>
+              <a:t>dashboard</a:t>
+            </a:r>
+            <a:r>
+              <a:rPr lang="fr-FR" dirty="0"/>
+              <a:t> d’aide à la décision pour un client exigeant. Vous avez accès à un fichier de données brutes, matérialisant un export depuis leurs bases de données opérationnelles.</a:t>
+            </a:r>
+          </a:p>
+          <a:p>
+            <a:r>
+              <a:rPr lang="fr-FR" dirty="0"/>
+              <a:t>Ce fichier CSV alimentera votre base analytique et tient lieu de situation initiale. Les CSV des mois suivants vous seront régulièrement transmis.</a:t>
             </a:r>
           </a:p>
           <a:p>
@@ -1723,7 +1103,7 @@
     </p:spTree>
     <p:extLst>
       <p:ext uri="{BB962C8B-B14F-4D97-AF65-F5344CB8AC3E}">
-        <p14:creationId xmlns:p14="http://schemas.microsoft.com/office/powerpoint/2010/main" val="1841471134"/>
+        <p14:creationId xmlns:p14="http://schemas.microsoft.com/office/powerpoint/2010/main" val="1884030965"/>
       </p:ext>
     </p:extLst>
   </p:cSld>
@@ -1777,53 +1157,22 @@
           <a:bodyPr/>
           <a:lstStyle/>
           <a:p>
-            <a:pPr algn="l"/>
-            <a:r>
-              <a:rPr lang="fr-FR" b="0" i="0" dirty="0">
-                <a:solidFill>
-                  <a:srgbClr val="323E48"/>
-                </a:solidFill>
-                <a:effectLst/>
-                <a:latin typeface="Source Sans Pro" panose="020B0503030403020204" pitchFamily="34" charset="0"/>
-              </a:rPr>
-              <a:t>La dernière étape du processus ETL standard consiste à charger les données extraites et transformées dans leur nouvel emplacement. En général, les data </a:t>
-            </a:r>
-            <a:r>
-              <a:rPr lang="fr-FR" b="0" i="0" dirty="0" err="1">
-                <a:solidFill>
-                  <a:srgbClr val="323E48"/>
-                </a:solidFill>
-                <a:effectLst/>
-                <a:latin typeface="Source Sans Pro" panose="020B0503030403020204" pitchFamily="34" charset="0"/>
-              </a:rPr>
-              <a:t>warehouses</a:t>
-            </a:r>
-            <a:r>
-              <a:rPr lang="fr-FR" b="0" i="0" dirty="0">
-                <a:solidFill>
-                  <a:srgbClr val="323E48"/>
-                </a:solidFill>
-                <a:effectLst/>
-                <a:latin typeface="Source Sans Pro" panose="020B0503030403020204" pitchFamily="34" charset="0"/>
-              </a:rPr>
-              <a:t> supportent deux modes pour le chargement des données : chargement complet et chargement incrémentiel.</a:t>
-            </a:r>
-          </a:p>
-          <a:p>
-            <a:pPr algn="l"/>
-            <a:r>
-              <a:rPr lang="fr-FR" b="0" i="0" dirty="0">
-                <a:solidFill>
-                  <a:srgbClr val="323E48"/>
-                </a:solidFill>
-                <a:effectLst/>
-                <a:latin typeface="Source Sans Pro" panose="020B0503030403020204" pitchFamily="34" charset="0"/>
-              </a:rPr>
-              <a:t>Le traitement ETL (cycle ponctuel ou programme de cycles) peut être lancé en ligne de commande ou via une interface graphique. Mais il y a certains points à surveiller. La gestion des exceptions, par exemple, peut être un processus très lourd.  Dans bien des cas, la génération des extraits de données peut échouer si un ou plusieurs systèmes sont en panne. Si un système contient des données incorrectes, celles-ci peuvent avoir un impact sur les données extraites d'un autre système ; autrement dit, la supervision et le traitement des erreurs sont des activités essentielles.</a:t>
-            </a:r>
-          </a:p>
-          <a:p>
-            <a:endParaRPr lang="fr-FR" dirty="0"/>
+            <a:r>
+              <a:rPr lang="fr-FR" dirty="0"/>
+              <a:t>Dans le cadre de la récupération des fichiers deux options se présentait à moi, </a:t>
+            </a:r>
+          </a:p>
+          <a:p>
+            <a:r>
+              <a:rPr lang="fr-FR" dirty="0"/>
+              <a:t>Le premier est l’API, le second est le formulaire proposé par Django </a:t>
+            </a:r>
+          </a:p>
+          <a:p>
+            <a:r>
+              <a:rPr lang="fr-FR" dirty="0"/>
+              <a:t>Le formulaire a été le choix, pour des raisons d’accessibilités techniques. </a:t>
+            </a:r>
           </a:p>
         </p:txBody>
       </p:sp>
@@ -1844,7 +1193,7 @@
           <a:p>
             <a:fld id="{8CDE1A44-3419-40F7-8341-5F59D25883B6}" type="slidenum">
               <a:rPr lang="fr-FR" smtClean="0"/>
-              <a:t>6</a:t>
+              <a:t>7</a:t>
             </a:fld>
             <a:endParaRPr lang="fr-FR"/>
           </a:p>
@@ -1853,7 +1202,7 @@
     </p:spTree>
     <p:extLst>
       <p:ext uri="{BB962C8B-B14F-4D97-AF65-F5344CB8AC3E}">
-        <p14:creationId xmlns:p14="http://schemas.microsoft.com/office/powerpoint/2010/main" val="1542259517"/>
+        <p14:creationId xmlns:p14="http://schemas.microsoft.com/office/powerpoint/2010/main" val="342295166"/>
       </p:ext>
     </p:extLst>
   </p:cSld>
@@ -1909,87 +1258,8 @@
           <a:p>
             <a:r>
               <a:rPr lang="fr-FR" dirty="0"/>
-              <a:t>Vous êtes </a:t>
-            </a:r>
-            <a:r>
-              <a:rPr lang="fr-FR" dirty="0" err="1"/>
-              <a:t>un·e</a:t>
-            </a:r>
-            <a:r>
-              <a:rPr lang="fr-FR" dirty="0"/>
-              <a:t> </a:t>
-            </a:r>
-            <a:r>
-              <a:rPr lang="fr-FR" dirty="0" err="1"/>
-              <a:t>développeur·se</a:t>
-            </a:r>
-            <a:r>
-              <a:rPr lang="fr-FR" dirty="0"/>
-              <a:t> chez </a:t>
-            </a:r>
-            <a:r>
-              <a:rPr lang="fr-FR" b="1" dirty="0" err="1"/>
-              <a:t>Analysis</a:t>
-            </a:r>
-            <a:r>
-              <a:rPr lang="fr-FR" b="1" dirty="0"/>
-              <a:t> </a:t>
-            </a:r>
-            <a:r>
-              <a:rPr lang="fr-FR" b="1" dirty="0" err="1"/>
-              <a:t>Features</a:t>
-            </a:r>
-            <a:r>
-              <a:rPr lang="fr-FR" b="1" dirty="0"/>
-              <a:t> </a:t>
-            </a:r>
-            <a:r>
-              <a:rPr lang="fr-FR" b="1" dirty="0" err="1"/>
-              <a:t>Preprocessing</a:t>
-            </a:r>
-            <a:r>
-              <a:rPr lang="fr-FR" b="1" dirty="0"/>
-              <a:t> And </a:t>
-            </a:r>
-            <a:r>
-              <a:rPr lang="fr-FR" b="1" dirty="0" err="1"/>
-              <a:t>Research</a:t>
-            </a:r>
-            <a:r>
-              <a:rPr lang="fr-FR" dirty="0"/>
-              <a:t>, une ESN spécialisée dans la réalisation d’applicatifs de type BI et intelligence artificielle.</a:t>
-            </a:r>
-          </a:p>
-          <a:p>
-            <a:r>
-              <a:rPr lang="fr-FR" dirty="0"/>
-              <a:t>On vous a confié la tâche de réaliser un proof of concept (</a:t>
-            </a:r>
-            <a:r>
-              <a:rPr lang="fr-FR" dirty="0" err="1"/>
-              <a:t>PoC</a:t>
-            </a:r>
-            <a:r>
-              <a:rPr lang="fr-FR" dirty="0"/>
-              <a:t>) dans le cadre d’un projet de </a:t>
-            </a:r>
-            <a:r>
-              <a:rPr lang="fr-FR" dirty="0" err="1"/>
-              <a:t>dashboard</a:t>
-            </a:r>
-            <a:r>
-              <a:rPr lang="fr-FR" dirty="0"/>
-              <a:t> d’aide à la décision pour un client exigeant. Vous avez accès à un fichier de données brutes, matérialisant un export depuis leurs bases de données opérationnelles.</a:t>
-            </a:r>
-          </a:p>
-          <a:p>
-            <a:r>
-              <a:rPr lang="fr-FR" dirty="0"/>
-              <a:t>Ce fichier CSV alimentera votre base analytique et tient lieu de situation initiale. Les CSV des mois suivants vous seront régulièrement transmis.</a:t>
-            </a:r>
-          </a:p>
-          <a:p>
-            <a:endParaRPr lang="fr-FR" dirty="0"/>
+              <a:t>Pour la base de donnée c’est PostgreSQL qui a été choisi, car il permet une grande flexibilité. </a:t>
+            </a:r>
           </a:p>
         </p:txBody>
       </p:sp>
@@ -2010,7 +1280,7 @@
           <a:p>
             <a:fld id="{8CDE1A44-3419-40F7-8341-5F59D25883B6}" type="slidenum">
               <a:rPr lang="fr-FR" smtClean="0"/>
-              <a:t>7</a:t>
+              <a:t>8</a:t>
             </a:fld>
             <a:endParaRPr lang="fr-FR"/>
           </a:p>
@@ -2019,7 +1289,7 @@
     </p:spTree>
     <p:extLst>
       <p:ext uri="{BB962C8B-B14F-4D97-AF65-F5344CB8AC3E}">
-        <p14:creationId xmlns:p14="http://schemas.microsoft.com/office/powerpoint/2010/main" val="483170555"/>
+        <p14:creationId xmlns:p14="http://schemas.microsoft.com/office/powerpoint/2010/main" val="1704701709"/>
       </p:ext>
     </p:extLst>
   </p:cSld>
@@ -2075,87 +1345,8 @@
           <a:p>
             <a:r>
               <a:rPr lang="fr-FR" dirty="0"/>
-              <a:t>Vous êtes </a:t>
-            </a:r>
-            <a:r>
-              <a:rPr lang="fr-FR" dirty="0" err="1"/>
-              <a:t>un·e</a:t>
-            </a:r>
-            <a:r>
-              <a:rPr lang="fr-FR" dirty="0"/>
-              <a:t> </a:t>
-            </a:r>
-            <a:r>
-              <a:rPr lang="fr-FR" dirty="0" err="1"/>
-              <a:t>développeur·se</a:t>
-            </a:r>
-            <a:r>
-              <a:rPr lang="fr-FR" dirty="0"/>
-              <a:t> chez </a:t>
-            </a:r>
-            <a:r>
-              <a:rPr lang="fr-FR" b="1" dirty="0" err="1"/>
-              <a:t>Analysis</a:t>
-            </a:r>
-            <a:r>
-              <a:rPr lang="fr-FR" b="1" dirty="0"/>
-              <a:t> </a:t>
-            </a:r>
-            <a:r>
-              <a:rPr lang="fr-FR" b="1" dirty="0" err="1"/>
-              <a:t>Features</a:t>
-            </a:r>
-            <a:r>
-              <a:rPr lang="fr-FR" b="1" dirty="0"/>
-              <a:t> </a:t>
-            </a:r>
-            <a:r>
-              <a:rPr lang="fr-FR" b="1" dirty="0" err="1"/>
-              <a:t>Preprocessing</a:t>
-            </a:r>
-            <a:r>
-              <a:rPr lang="fr-FR" b="1" dirty="0"/>
-              <a:t> And </a:t>
-            </a:r>
-            <a:r>
-              <a:rPr lang="fr-FR" b="1" dirty="0" err="1"/>
-              <a:t>Research</a:t>
-            </a:r>
-            <a:r>
-              <a:rPr lang="fr-FR" dirty="0"/>
-              <a:t>, une ESN (Entreprise de Services Numériques) spécialisée dans la réalisation d’applicatifs de type BI et intelligence artificielle.</a:t>
-            </a:r>
-          </a:p>
-          <a:p>
-            <a:r>
-              <a:rPr lang="fr-FR" dirty="0"/>
-              <a:t>On vous a confié la tâche de réaliser un proof of concept (</a:t>
-            </a:r>
-            <a:r>
-              <a:rPr lang="fr-FR" dirty="0" err="1"/>
-              <a:t>PoC</a:t>
-            </a:r>
-            <a:r>
-              <a:rPr lang="fr-FR" dirty="0"/>
-              <a:t>) dans le cadre d’un projet de </a:t>
-            </a:r>
-            <a:r>
-              <a:rPr lang="fr-FR" dirty="0" err="1"/>
-              <a:t>dashboard</a:t>
-            </a:r>
-            <a:r>
-              <a:rPr lang="fr-FR" dirty="0"/>
-              <a:t> d’aide à la décision pour un client exigeant. Vous avez accès à un fichier de données brutes, matérialisant un export depuis leurs bases de données opérationnelles.</a:t>
-            </a:r>
-          </a:p>
-          <a:p>
-            <a:r>
-              <a:rPr lang="fr-FR" dirty="0"/>
-              <a:t>Ce fichier CSV alimentera votre base analytique et tient lieu de situation initiale. Les CSV des mois suivants vous seront régulièrement transmis.</a:t>
-            </a:r>
-          </a:p>
-          <a:p>
-            <a:endParaRPr lang="fr-FR" dirty="0"/>
+              <a:t>Démonstration des avancés des étapes </a:t>
+            </a:r>
           </a:p>
         </p:txBody>
       </p:sp>
@@ -2176,7 +1367,7 @@
           <a:p>
             <a:fld id="{8CDE1A44-3419-40F7-8341-5F59D25883B6}" type="slidenum">
               <a:rPr lang="fr-FR" smtClean="0"/>
-              <a:t>8</a:t>
+              <a:t>18</a:t>
             </a:fld>
             <a:endParaRPr lang="fr-FR"/>
           </a:p>
@@ -2185,7 +1376,7 @@
     </p:spTree>
     <p:extLst>
       <p:ext uri="{BB962C8B-B14F-4D97-AF65-F5344CB8AC3E}">
-        <p14:creationId xmlns:p14="http://schemas.microsoft.com/office/powerpoint/2010/main" val="1520489279"/>
+        <p14:creationId xmlns:p14="http://schemas.microsoft.com/office/powerpoint/2010/main" val="2146990291"/>
       </p:ext>
     </p:extLst>
   </p:cSld>
@@ -2241,87 +1432,8 @@
           <a:p>
             <a:r>
               <a:rPr lang="fr-FR" dirty="0"/>
-              <a:t>Vous êtes </a:t>
-            </a:r>
-            <a:r>
-              <a:rPr lang="fr-FR" dirty="0" err="1"/>
-              <a:t>un·e</a:t>
-            </a:r>
-            <a:r>
-              <a:rPr lang="fr-FR" dirty="0"/>
-              <a:t> </a:t>
-            </a:r>
-            <a:r>
-              <a:rPr lang="fr-FR" dirty="0" err="1"/>
-              <a:t>développeur·se</a:t>
-            </a:r>
-            <a:r>
-              <a:rPr lang="fr-FR" dirty="0"/>
-              <a:t> chez </a:t>
-            </a:r>
-            <a:r>
-              <a:rPr lang="fr-FR" b="1" dirty="0" err="1"/>
-              <a:t>Analysis</a:t>
-            </a:r>
-            <a:r>
-              <a:rPr lang="fr-FR" b="1" dirty="0"/>
-              <a:t> </a:t>
-            </a:r>
-            <a:r>
-              <a:rPr lang="fr-FR" b="1" dirty="0" err="1"/>
-              <a:t>Features</a:t>
-            </a:r>
-            <a:r>
-              <a:rPr lang="fr-FR" b="1" dirty="0"/>
-              <a:t> </a:t>
-            </a:r>
-            <a:r>
-              <a:rPr lang="fr-FR" b="1" dirty="0" err="1"/>
-              <a:t>Preprocessing</a:t>
-            </a:r>
-            <a:r>
-              <a:rPr lang="fr-FR" b="1" dirty="0"/>
-              <a:t> And </a:t>
-            </a:r>
-            <a:r>
-              <a:rPr lang="fr-FR" b="1" dirty="0" err="1"/>
-              <a:t>Research</a:t>
-            </a:r>
-            <a:r>
-              <a:rPr lang="fr-FR" dirty="0"/>
-              <a:t>, une ESN (Entreprise de Services Numériques) spécialisée dans la réalisation d’applicatifs de type BI et intelligence artificielle.</a:t>
-            </a:r>
-          </a:p>
-          <a:p>
-            <a:r>
-              <a:rPr lang="fr-FR" dirty="0"/>
-              <a:t>On vous a confié la tâche de réaliser un proof of concept (</a:t>
-            </a:r>
-            <a:r>
-              <a:rPr lang="fr-FR" dirty="0" err="1"/>
-              <a:t>PoC</a:t>
-            </a:r>
-            <a:r>
-              <a:rPr lang="fr-FR" dirty="0"/>
-              <a:t>) dans le cadre d’un projet de </a:t>
-            </a:r>
-            <a:r>
-              <a:rPr lang="fr-FR" dirty="0" err="1"/>
-              <a:t>dashboard</a:t>
-            </a:r>
-            <a:r>
-              <a:rPr lang="fr-FR" dirty="0"/>
-              <a:t> d’aide à la décision pour un client exigeant. Vous avez accès à un fichier de données brutes, matérialisant un export depuis leurs bases de données opérationnelles.</a:t>
-            </a:r>
-          </a:p>
-          <a:p>
-            <a:r>
-              <a:rPr lang="fr-FR" dirty="0"/>
-              <a:t>Ce fichier CSV alimentera votre base analytique et tient lieu de situation initiale. Les CSV des mois suivants vous seront régulièrement transmis.</a:t>
-            </a:r>
-          </a:p>
-          <a:p>
-            <a:endParaRPr lang="fr-FR" dirty="0"/>
+              <a:t>Point d’étapes à suivre </a:t>
+            </a:r>
           </a:p>
         </p:txBody>
       </p:sp>
@@ -2342,7 +1454,7 @@
           <a:p>
             <a:fld id="{8CDE1A44-3419-40F7-8341-5F59D25883B6}" type="slidenum">
               <a:rPr lang="fr-FR" smtClean="0"/>
-              <a:t>9</a:t>
+              <a:t>19</a:t>
             </a:fld>
             <a:endParaRPr lang="fr-FR"/>
           </a:p>
@@ -2351,7 +1463,7 @@
     </p:spTree>
     <p:extLst>
       <p:ext uri="{BB962C8B-B14F-4D97-AF65-F5344CB8AC3E}">
-        <p14:creationId xmlns:p14="http://schemas.microsoft.com/office/powerpoint/2010/main" val="1884030965"/>
+        <p14:creationId xmlns:p14="http://schemas.microsoft.com/office/powerpoint/2010/main" val="2949657352"/>
       </p:ext>
     </p:extLst>
   </p:cSld>
@@ -2407,19 +1519,7 @@
           <a:p>
             <a:r>
               <a:rPr lang="fr-FR" dirty="0"/>
-              <a:t>Dans le cadre de la récupération des fichiers deux options se présentait à moi, </a:t>
-            </a:r>
-          </a:p>
-          <a:p>
-            <a:r>
-              <a:rPr lang="fr-FR" dirty="0"/>
-              <a:t>Le premier est l’API, le second est le formulaire proposé par Django </a:t>
-            </a:r>
-          </a:p>
-          <a:p>
-            <a:r>
-              <a:rPr lang="fr-FR" dirty="0"/>
-              <a:t>Le formulaire a été le choix, pour des raisons d’accessibilités techniques. </a:t>
+              <a:t>Démonstration des avancés des étapes </a:t>
             </a:r>
           </a:p>
         </p:txBody>
@@ -2441,7 +1541,7 @@
           <a:p>
             <a:fld id="{8CDE1A44-3419-40F7-8341-5F59D25883B6}" type="slidenum">
               <a:rPr lang="fr-FR" smtClean="0"/>
-              <a:t>11</a:t>
+              <a:t>20</a:t>
             </a:fld>
             <a:endParaRPr lang="fr-FR"/>
           </a:p>
@@ -2450,7 +1550,7 @@
     </p:spTree>
     <p:extLst>
       <p:ext uri="{BB962C8B-B14F-4D97-AF65-F5344CB8AC3E}">
-        <p14:creationId xmlns:p14="http://schemas.microsoft.com/office/powerpoint/2010/main" val="342295166"/>
+        <p14:creationId xmlns:p14="http://schemas.microsoft.com/office/powerpoint/2010/main" val="308123352"/>
       </p:ext>
     </p:extLst>
   </p:cSld>
@@ -2734,7 +1834,7 @@
           <a:p>
             <a:fld id="{A0E97F6F-05A7-49A7-B38D-18D405A6D1A7}" type="datetime1">
               <a:rPr lang="fr-FR" smtClean="0"/>
-              <a:t>20/12/2022</a:t>
+              <a:t>22/12/2022</a:t>
             </a:fld>
             <a:endParaRPr lang="fr-FR"/>
           </a:p>
@@ -2790,7 +1890,7 @@
     </p:spTree>
     <p:extLst>
       <p:ext uri="{BB962C8B-B14F-4D97-AF65-F5344CB8AC3E}">
-        <p14:creationId xmlns:p14="http://schemas.microsoft.com/office/powerpoint/2010/main" val="506408671"/>
+        <p14:creationId xmlns:p14="http://schemas.microsoft.com/office/powerpoint/2010/main" val="2563726396"/>
       </p:ext>
     </p:extLst>
   </p:cSld>
@@ -3148,7 +2248,7 @@
           <a:p>
             <a:fld id="{AD628787-C576-425B-ACF0-87623EA689EA}" type="datetime1">
               <a:rPr lang="fr-FR" smtClean="0"/>
-              <a:t>20/12/2022</a:t>
+              <a:t>22/12/2022</a:t>
             </a:fld>
             <a:endParaRPr lang="fr-FR"/>
           </a:p>
@@ -3204,7 +2304,7 @@
     </p:spTree>
     <p:extLst>
       <p:ext uri="{BB962C8B-B14F-4D97-AF65-F5344CB8AC3E}">
-        <p14:creationId xmlns:p14="http://schemas.microsoft.com/office/powerpoint/2010/main" val="3536020619"/>
+        <p14:creationId xmlns:p14="http://schemas.microsoft.com/office/powerpoint/2010/main" val="216342447"/>
       </p:ext>
     </p:extLst>
   </p:cSld>
@@ -3485,7 +2585,7 @@
           <a:p>
             <a:fld id="{AD628787-C576-425B-ACF0-87623EA689EA}" type="datetime1">
               <a:rPr lang="fr-FR" smtClean="0"/>
-              <a:t>20/12/2022</a:t>
+              <a:t>22/12/2022</a:t>
             </a:fld>
             <a:endParaRPr lang="fr-FR"/>
           </a:p>
@@ -3541,7 +2641,7 @@
     </p:spTree>
     <p:extLst>
       <p:ext uri="{BB962C8B-B14F-4D97-AF65-F5344CB8AC3E}">
-        <p14:creationId xmlns:p14="http://schemas.microsoft.com/office/powerpoint/2010/main" val="1811412130"/>
+        <p14:creationId xmlns:p14="http://schemas.microsoft.com/office/powerpoint/2010/main" val="3524011794"/>
       </p:ext>
     </p:extLst>
   </p:cSld>
@@ -3891,7 +2991,7 @@
           <a:p>
             <a:fld id="{AD628787-C576-425B-ACF0-87623EA689EA}" type="datetime1">
               <a:rPr lang="fr-FR" smtClean="0"/>
-              <a:t>20/12/2022</a:t>
+              <a:t>22/12/2022</a:t>
             </a:fld>
             <a:endParaRPr lang="fr-FR"/>
           </a:p>
@@ -4179,7 +3279,7 @@
     </p:spTree>
     <p:extLst>
       <p:ext uri="{BB962C8B-B14F-4D97-AF65-F5344CB8AC3E}">
-        <p14:creationId xmlns:p14="http://schemas.microsoft.com/office/powerpoint/2010/main" val="3492048905"/>
+        <p14:creationId xmlns:p14="http://schemas.microsoft.com/office/powerpoint/2010/main" val="1177310851"/>
       </p:ext>
     </p:extLst>
   </p:cSld>
@@ -4460,7 +3560,7 @@
           <a:p>
             <a:fld id="{AD628787-C576-425B-ACF0-87623EA689EA}" type="datetime1">
               <a:rPr lang="fr-FR" smtClean="0"/>
-              <a:t>20/12/2022</a:t>
+              <a:t>22/12/2022</a:t>
             </a:fld>
             <a:endParaRPr lang="fr-FR"/>
           </a:p>
@@ -4516,7 +3616,7 @@
     </p:spTree>
     <p:extLst>
       <p:ext uri="{BB962C8B-B14F-4D97-AF65-F5344CB8AC3E}">
-        <p14:creationId xmlns:p14="http://schemas.microsoft.com/office/powerpoint/2010/main" val="2360348418"/>
+        <p14:creationId xmlns:p14="http://schemas.microsoft.com/office/powerpoint/2010/main" val="2840005679"/>
       </p:ext>
     </p:extLst>
   </p:cSld>
@@ -5142,7 +4242,7 @@
           <a:p>
             <a:fld id="{AD628787-C576-425B-ACF0-87623EA689EA}" type="datetime1">
               <a:rPr lang="fr-FR" smtClean="0"/>
-              <a:t>20/12/2022</a:t>
+              <a:t>22/12/2022</a:t>
             </a:fld>
             <a:endParaRPr lang="fr-FR"/>
           </a:p>
@@ -5193,7 +4293,7 @@
     </p:spTree>
     <p:extLst>
       <p:ext uri="{BB962C8B-B14F-4D97-AF65-F5344CB8AC3E}">
-        <p14:creationId xmlns:p14="http://schemas.microsoft.com/office/powerpoint/2010/main" val="399250901"/>
+        <p14:creationId xmlns:p14="http://schemas.microsoft.com/office/powerpoint/2010/main" val="2993288897"/>
       </p:ext>
     </p:extLst>
   </p:cSld>
@@ -6056,7 +5156,7 @@
           <a:p>
             <a:fld id="{AD628787-C576-425B-ACF0-87623EA689EA}" type="datetime1">
               <a:rPr lang="fr-FR" smtClean="0"/>
-              <a:t>20/12/2022</a:t>
+              <a:t>22/12/2022</a:t>
             </a:fld>
             <a:endParaRPr lang="fr-FR"/>
           </a:p>
@@ -6107,7 +5207,7 @@
     </p:spTree>
     <p:extLst>
       <p:ext uri="{BB962C8B-B14F-4D97-AF65-F5344CB8AC3E}">
-        <p14:creationId xmlns:p14="http://schemas.microsoft.com/office/powerpoint/2010/main" val="2164955474"/>
+        <p14:creationId xmlns:p14="http://schemas.microsoft.com/office/powerpoint/2010/main" val="2178504977"/>
       </p:ext>
     </p:extLst>
   </p:cSld>
@@ -6370,7 +5470,7 @@
           <a:p>
             <a:fld id="{23924DAF-D4E9-4447-8D19-EB8C1BBAE9D6}" type="datetime1">
               <a:rPr lang="fr-FR" smtClean="0"/>
-              <a:t>20/12/2022</a:t>
+              <a:t>22/12/2022</a:t>
             </a:fld>
             <a:endParaRPr lang="fr-FR"/>
           </a:p>
@@ -6421,7 +5521,7 @@
     </p:spTree>
     <p:extLst>
       <p:ext uri="{BB962C8B-B14F-4D97-AF65-F5344CB8AC3E}">
-        <p14:creationId xmlns:p14="http://schemas.microsoft.com/office/powerpoint/2010/main" val="2868426828"/>
+        <p14:creationId xmlns:p14="http://schemas.microsoft.com/office/powerpoint/2010/main" val="2609279515"/>
       </p:ext>
     </p:extLst>
   </p:cSld>
@@ -6634,7 +5734,7 @@
           <a:p>
             <a:fld id="{5E700644-F2C8-4C2D-8C6D-70D2965A5A94}" type="datetime1">
               <a:rPr lang="fr-FR" smtClean="0"/>
-              <a:t>20/12/2022</a:t>
+              <a:t>22/12/2022</a:t>
             </a:fld>
             <a:endParaRPr lang="fr-FR"/>
           </a:p>
@@ -6699,7 +5799,7 @@
     </p:spTree>
     <p:extLst>
       <p:ext uri="{BB962C8B-B14F-4D97-AF65-F5344CB8AC3E}">
-        <p14:creationId xmlns:p14="http://schemas.microsoft.com/office/powerpoint/2010/main" val="643246704"/>
+        <p14:creationId xmlns:p14="http://schemas.microsoft.com/office/powerpoint/2010/main" val="1160193714"/>
       </p:ext>
     </p:extLst>
   </p:cSld>
@@ -6957,7 +6057,7 @@
           <a:p>
             <a:fld id="{0CD7E085-2494-49D4-A923-900AB17103BB}" type="datetime1">
               <a:rPr lang="fr-FR" smtClean="0"/>
-              <a:t>20/12/2022</a:t>
+              <a:t>22/12/2022</a:t>
             </a:fld>
             <a:endParaRPr lang="fr-FR"/>
           </a:p>
@@ -7008,7 +6108,7 @@
     </p:spTree>
     <p:extLst>
       <p:ext uri="{BB962C8B-B14F-4D97-AF65-F5344CB8AC3E}">
-        <p14:creationId xmlns:p14="http://schemas.microsoft.com/office/powerpoint/2010/main" val="676478100"/>
+        <p14:creationId xmlns:p14="http://schemas.microsoft.com/office/powerpoint/2010/main" val="2482285473"/>
       </p:ext>
     </p:extLst>
   </p:cSld>
@@ -7346,7 +6446,7 @@
           <a:p>
             <a:fld id="{45FB3C44-DF9D-458A-BBF2-CF2010FA2227}" type="datetime1">
               <a:rPr lang="fr-FR" smtClean="0"/>
-              <a:t>20/12/2022</a:t>
+              <a:t>22/12/2022</a:t>
             </a:fld>
             <a:endParaRPr lang="fr-FR"/>
           </a:p>
@@ -7402,7 +6502,7 @@
     </p:spTree>
     <p:extLst>
       <p:ext uri="{BB962C8B-B14F-4D97-AF65-F5344CB8AC3E}">
-        <p14:creationId xmlns:p14="http://schemas.microsoft.com/office/powerpoint/2010/main" val="926471999"/>
+        <p14:creationId xmlns:p14="http://schemas.microsoft.com/office/powerpoint/2010/main" val="2967128692"/>
       </p:ext>
     </p:extLst>
   </p:cSld>
@@ -7722,7 +6822,7 @@
           <a:p>
             <a:fld id="{83195D79-03B9-453C-96DC-5E6D8A91C3E1}" type="datetime1">
               <a:rPr lang="fr-FR" smtClean="0"/>
-              <a:t>20/12/2022</a:t>
+              <a:t>22/12/2022</a:t>
             </a:fld>
             <a:endParaRPr lang="fr-FR"/>
           </a:p>
@@ -7773,7 +6873,7 @@
     </p:spTree>
     <p:extLst>
       <p:ext uri="{BB962C8B-B14F-4D97-AF65-F5344CB8AC3E}">
-        <p14:creationId xmlns:p14="http://schemas.microsoft.com/office/powerpoint/2010/main" val="2303479352"/>
+        <p14:creationId xmlns:p14="http://schemas.microsoft.com/office/powerpoint/2010/main" val="591943744"/>
       </p:ext>
     </p:extLst>
   </p:cSld>
@@ -8228,7 +7328,7 @@
           <a:p>
             <a:fld id="{51C5D8CE-BBF7-4480-A31C-131415A6DC50}" type="datetime1">
               <a:rPr lang="fr-FR" smtClean="0"/>
-              <a:t>20/12/2022</a:t>
+              <a:t>22/12/2022</a:t>
             </a:fld>
             <a:endParaRPr lang="fr-FR"/>
           </a:p>
@@ -8279,7 +7379,7 @@
     </p:spTree>
     <p:extLst>
       <p:ext uri="{BB962C8B-B14F-4D97-AF65-F5344CB8AC3E}">
-        <p14:creationId xmlns:p14="http://schemas.microsoft.com/office/powerpoint/2010/main" val="554784419"/>
+        <p14:creationId xmlns:p14="http://schemas.microsoft.com/office/powerpoint/2010/main" val="3980506764"/>
       </p:ext>
     </p:extLst>
   </p:cSld>
@@ -8485,7 +7585,7 @@
           <a:p>
             <a:fld id="{C6483150-45B3-4FAA-974E-128C24090BAC}" type="datetime1">
               <a:rPr lang="fr-FR" smtClean="0"/>
-              <a:t>20/12/2022</a:t>
+              <a:t>22/12/2022</a:t>
             </a:fld>
             <a:endParaRPr lang="fr-FR"/>
           </a:p>
@@ -8536,7 +7636,7 @@
     </p:spTree>
     <p:extLst>
       <p:ext uri="{BB962C8B-B14F-4D97-AF65-F5344CB8AC3E}">
-        <p14:creationId xmlns:p14="http://schemas.microsoft.com/office/powerpoint/2010/main" val="2523171534"/>
+        <p14:creationId xmlns:p14="http://schemas.microsoft.com/office/powerpoint/2010/main" val="2665428836"/>
       </p:ext>
     </p:extLst>
   </p:cSld>
@@ -8648,7 +7748,7 @@
           <a:p>
             <a:fld id="{C53C507D-23EF-4BF2-9094-64B83B71CF8D}" type="datetime1">
               <a:rPr lang="fr-FR" smtClean="0"/>
-              <a:t>20/12/2022</a:t>
+              <a:t>22/12/2022</a:t>
             </a:fld>
             <a:endParaRPr lang="fr-FR"/>
           </a:p>
@@ -8699,7 +7799,7 @@
     </p:spTree>
     <p:extLst>
       <p:ext uri="{BB962C8B-B14F-4D97-AF65-F5344CB8AC3E}">
-        <p14:creationId xmlns:p14="http://schemas.microsoft.com/office/powerpoint/2010/main" val="1783874979"/>
+        <p14:creationId xmlns:p14="http://schemas.microsoft.com/office/powerpoint/2010/main" val="2575668411"/>
       </p:ext>
     </p:extLst>
   </p:cSld>
@@ -9038,7 +8138,7 @@
           <a:p>
             <a:fld id="{621BB156-A762-41AC-8C56-45202257648B}" type="datetime1">
               <a:rPr lang="fr-FR" smtClean="0"/>
-              <a:t>20/12/2022</a:t>
+              <a:t>22/12/2022</a:t>
             </a:fld>
             <a:endParaRPr lang="fr-FR"/>
           </a:p>
@@ -9089,7 +8189,7 @@
     </p:spTree>
     <p:extLst>
       <p:ext uri="{BB962C8B-B14F-4D97-AF65-F5344CB8AC3E}">
-        <p14:creationId xmlns:p14="http://schemas.microsoft.com/office/powerpoint/2010/main" val="3566564569"/>
+        <p14:creationId xmlns:p14="http://schemas.microsoft.com/office/powerpoint/2010/main" val="2158770262"/>
       </p:ext>
     </p:extLst>
   </p:cSld>
@@ -9447,7 +8547,7 @@
           <a:p>
             <a:fld id="{CE6565E3-592E-4A52-A208-A3974A292B9A}" type="datetime1">
               <a:rPr lang="fr-FR" smtClean="0"/>
-              <a:t>20/12/2022</a:t>
+              <a:t>22/12/2022</a:t>
             </a:fld>
             <a:endParaRPr lang="fr-FR"/>
           </a:p>
@@ -9498,7 +8598,7 @@
     </p:spTree>
     <p:extLst>
       <p:ext uri="{BB962C8B-B14F-4D97-AF65-F5344CB8AC3E}">
-        <p14:creationId xmlns:p14="http://schemas.microsoft.com/office/powerpoint/2010/main" val="2682314202"/>
+        <p14:creationId xmlns:p14="http://schemas.microsoft.com/office/powerpoint/2010/main" val="3357305173"/>
       </p:ext>
     </p:extLst>
   </p:cSld>
@@ -9691,7 +8791,7 @@
           <a:p>
             <a:fld id="{AD628787-C576-425B-ACF0-87623EA689EA}" type="datetime1">
               <a:rPr lang="fr-FR" smtClean="0"/>
-              <a:t>20/12/2022</a:t>
+              <a:t>22/12/2022</a:t>
             </a:fld>
             <a:endParaRPr lang="fr-FR"/>
           </a:p>
@@ -9778,29 +8878,29 @@
     </p:spTree>
     <p:extLst>
       <p:ext uri="{BB962C8B-B14F-4D97-AF65-F5344CB8AC3E}">
-        <p14:creationId xmlns:p14="http://schemas.microsoft.com/office/powerpoint/2010/main" val="3117187735"/>
+        <p14:creationId xmlns:p14="http://schemas.microsoft.com/office/powerpoint/2010/main" val="3335740390"/>
       </p:ext>
     </p:extLst>
   </p:cSld>
   <p:clrMap bg1="dk1" tx1="lt1" bg2="dk2" tx2="lt2" accent1="accent1" accent2="accent2" accent3="accent3" accent4="accent4" accent5="accent5" accent6="accent6" hlink="hlink" folHlink="folHlink"/>
   <p:sldLayoutIdLst>
-    <p:sldLayoutId id="2147483805" r:id="rId1"/>
-    <p:sldLayoutId id="2147483806" r:id="rId2"/>
-    <p:sldLayoutId id="2147483807" r:id="rId3"/>
-    <p:sldLayoutId id="2147483808" r:id="rId4"/>
-    <p:sldLayoutId id="2147483809" r:id="rId5"/>
-    <p:sldLayoutId id="2147483810" r:id="rId6"/>
-    <p:sldLayoutId id="2147483811" r:id="rId7"/>
-    <p:sldLayoutId id="2147483812" r:id="rId8"/>
-    <p:sldLayoutId id="2147483813" r:id="rId9"/>
-    <p:sldLayoutId id="2147483814" r:id="rId10"/>
-    <p:sldLayoutId id="2147483815" r:id="rId11"/>
-    <p:sldLayoutId id="2147483816" r:id="rId12"/>
-    <p:sldLayoutId id="2147483817" r:id="rId13"/>
-    <p:sldLayoutId id="2147483818" r:id="rId14"/>
-    <p:sldLayoutId id="2147483819" r:id="rId15"/>
-    <p:sldLayoutId id="2147483820" r:id="rId16"/>
-    <p:sldLayoutId id="2147483821" r:id="rId17"/>
+    <p:sldLayoutId id="2147483823" r:id="rId1"/>
+    <p:sldLayoutId id="2147483824" r:id="rId2"/>
+    <p:sldLayoutId id="2147483825" r:id="rId3"/>
+    <p:sldLayoutId id="2147483826" r:id="rId4"/>
+    <p:sldLayoutId id="2147483827" r:id="rId5"/>
+    <p:sldLayoutId id="2147483828" r:id="rId6"/>
+    <p:sldLayoutId id="2147483829" r:id="rId7"/>
+    <p:sldLayoutId id="2147483830" r:id="rId8"/>
+    <p:sldLayoutId id="2147483831" r:id="rId9"/>
+    <p:sldLayoutId id="2147483832" r:id="rId10"/>
+    <p:sldLayoutId id="2147483833" r:id="rId11"/>
+    <p:sldLayoutId id="2147483834" r:id="rId12"/>
+    <p:sldLayoutId id="2147483835" r:id="rId13"/>
+    <p:sldLayoutId id="2147483836" r:id="rId14"/>
+    <p:sldLayoutId id="2147483837" r:id="rId15"/>
+    <p:sldLayoutId id="2147483838" r:id="rId16"/>
+    <p:sldLayoutId id="2147483839" r:id="rId17"/>
   </p:sldLayoutIdLst>
   <p:hf hdr="0" ftr="0" dt="0"/>
   <p:txStyles>
@@ -10239,38 +9339,10 @@
       </p:grpSpPr>
       <p:sp>
         <p:nvSpPr>
-          <p:cNvPr id="2" name="Titre 1">
-            <a:extLst>
-              <a:ext uri="{FF2B5EF4-FFF2-40B4-BE49-F238E27FC236}">
-                <a16:creationId xmlns:a16="http://schemas.microsoft.com/office/drawing/2014/main" id="{3DE18839-0FB5-5A96-8CB5-D55DA22AB161}"/>
-              </a:ext>
-            </a:extLst>
-          </p:cNvPr>
-          <p:cNvSpPr>
-            <a:spLocks noGrp="1"/>
-          </p:cNvSpPr>
-          <p:nvPr>
-            <p:ph type="title"/>
-          </p:nvPr>
-        </p:nvSpPr>
-        <p:spPr/>
-        <p:txBody>
-          <a:bodyPr/>
-          <a:lstStyle/>
-          <a:p>
-            <a:r>
-              <a:rPr lang="fr-FR" dirty="0"/>
-              <a:t>Approche du projet : Technologies utilisés </a:t>
-            </a:r>
-          </a:p>
-        </p:txBody>
-      </p:sp>
-      <p:sp>
-        <p:nvSpPr>
           <p:cNvPr id="3" name="Espace réservé du numéro de diapositive 2">
             <a:extLst>
               <a:ext uri="{FF2B5EF4-FFF2-40B4-BE49-F238E27FC236}">
-                <a16:creationId xmlns:a16="http://schemas.microsoft.com/office/drawing/2014/main" id="{3B54D47C-2D59-60B6-ED58-34D73C7B56DF}"/>
+                <a16:creationId xmlns:a16="http://schemas.microsoft.com/office/drawing/2014/main" id="{3EEC5B5C-5AC6-CB65-F0BD-E3C9CF82D224}"/>
               </a:ext>
             </a:extLst>
           </p:cNvPr>
@@ -10296,19 +9368,19 @@
       </p:sp>
       <p:pic>
         <p:nvPicPr>
-          <p:cNvPr id="2052" name="Picture 4" descr="Notre expertise Django Python à votre service| Ubidreams">
+          <p:cNvPr id="5" name="Image 4">
             <a:extLst>
               <a:ext uri="{FF2B5EF4-FFF2-40B4-BE49-F238E27FC236}">
-                <a16:creationId xmlns:a16="http://schemas.microsoft.com/office/drawing/2014/main" id="{8330A9BF-D416-E4F5-C955-405CA1B48BAB}"/>
+                <a16:creationId xmlns:a16="http://schemas.microsoft.com/office/drawing/2014/main" id="{5F1B1BD0-E4A2-326F-8F7C-AF6D44AA37AD}"/>
               </a:ext>
             </a:extLst>
           </p:cNvPr>
           <p:cNvPicPr>
-            <a:picLocks noChangeAspect="1" noChangeArrowheads="1"/>
+            <a:picLocks noChangeAspect="1"/>
           </p:cNvPicPr>
           <p:nvPr/>
         </p:nvPicPr>
-        <p:blipFill>
+        <p:blipFill rotWithShape="1">
           <a:blip r:embed="rId2">
             <a:extLst>
               <a:ext uri="{28A0092B-C50C-407E-A947-70E740481C1C}">
@@ -10316,201 +9388,36 @@
               </a:ext>
             </a:extLst>
           </a:blip>
-          <a:srcRect/>
-          <a:stretch>
-            <a:fillRect/>
-          </a:stretch>
+          <a:srcRect l="34520" r="37732" b="86667"/>
+          <a:stretch/>
         </p:blipFill>
-        <p:spPr bwMode="auto">
-          <a:xfrm>
-            <a:off x="3609975" y="1756760"/>
-            <a:ext cx="4972050" cy="3267075"/>
+        <p:spPr>
+          <a:xfrm>
+            <a:off x="3795002" y="1215341"/>
+            <a:ext cx="4601995" cy="3646025"/>
           </a:xfrm>
           <a:prstGeom prst="rect">
             <a:avLst/>
           </a:prstGeom>
-          <a:noFill/>
-          <a:extLst>
-            <a:ext uri="{909E8E84-426E-40DD-AFC4-6F175D3DCCD1}">
-              <a14:hiddenFill xmlns:a14="http://schemas.microsoft.com/office/drawing/2010/main">
-                <a:solidFill>
-                  <a:srgbClr val="FFFFFF"/>
-                </a:solidFill>
-              </a14:hiddenFill>
-            </a:ext>
-          </a:extLst>
         </p:spPr>
       </p:pic>
-      <p:sp>
-        <p:nvSpPr>
-          <p:cNvPr id="4" name="ZoneTexte 3">
-            <a:extLst>
-              <a:ext uri="{FF2B5EF4-FFF2-40B4-BE49-F238E27FC236}">
-                <a16:creationId xmlns:a16="http://schemas.microsoft.com/office/drawing/2014/main" id="{791C8225-33F2-416D-C0DA-20EF127A9649}"/>
-              </a:ext>
-            </a:extLst>
-          </p:cNvPr>
-          <p:cNvSpPr txBox="1"/>
-          <p:nvPr/>
-        </p:nvSpPr>
-        <p:spPr>
-          <a:xfrm>
-            <a:off x="368191" y="4799054"/>
-            <a:ext cx="1899879" cy="769441"/>
-          </a:xfrm>
-          <a:prstGeom prst="rect">
-            <a:avLst/>
-          </a:prstGeom>
-          <a:noFill/>
-        </p:spPr>
-        <p:txBody>
-          <a:bodyPr wrap="none" rtlCol="0">
-            <a:spAutoFit/>
-          </a:bodyPr>
-          <a:lstStyle/>
-          <a:p>
-            <a:r>
-              <a:rPr lang="fr-FR" sz="4400" dirty="0"/>
-              <a:t>MODEL</a:t>
-            </a:r>
-          </a:p>
-        </p:txBody>
-      </p:sp>
-      <p:sp>
-        <p:nvSpPr>
-          <p:cNvPr id="5" name="ZoneTexte 4">
-            <a:extLst>
-              <a:ext uri="{FF2B5EF4-FFF2-40B4-BE49-F238E27FC236}">
-                <a16:creationId xmlns:a16="http://schemas.microsoft.com/office/drawing/2014/main" id="{61C3D10D-8E01-191A-1C70-07F4FBAC92E7}"/>
-              </a:ext>
-            </a:extLst>
-          </p:cNvPr>
-          <p:cNvSpPr txBox="1"/>
-          <p:nvPr/>
-        </p:nvSpPr>
-        <p:spPr>
-          <a:xfrm>
-            <a:off x="5369706" y="4803523"/>
-            <a:ext cx="1457450" cy="769441"/>
-          </a:xfrm>
-          <a:prstGeom prst="rect">
-            <a:avLst/>
-          </a:prstGeom>
-          <a:noFill/>
-        </p:spPr>
-        <p:txBody>
-          <a:bodyPr wrap="none" rtlCol="0">
-            <a:spAutoFit/>
-          </a:bodyPr>
-          <a:lstStyle/>
-          <a:p>
-            <a:r>
-              <a:rPr lang="fr-FR" sz="4400" dirty="0"/>
-              <a:t>VIEW</a:t>
-            </a:r>
-          </a:p>
-        </p:txBody>
-      </p:sp>
-      <p:sp>
-        <p:nvSpPr>
-          <p:cNvPr id="7" name="Rectangle : coins arrondis 6">
-            <a:extLst>
-              <a:ext uri="{FF2B5EF4-FFF2-40B4-BE49-F238E27FC236}">
-                <a16:creationId xmlns:a16="http://schemas.microsoft.com/office/drawing/2014/main" id="{0278258D-35A9-8392-4AF1-0DB1B6499F9F}"/>
-              </a:ext>
-            </a:extLst>
-          </p:cNvPr>
-          <p:cNvSpPr/>
-          <p:nvPr/>
-        </p:nvSpPr>
-        <p:spPr>
-          <a:xfrm>
-            <a:off x="10669657" y="2003957"/>
-            <a:ext cx="1154152" cy="4279392"/>
-          </a:xfrm>
-          <a:prstGeom prst="roundRect">
-            <a:avLst>
-              <a:gd name="adj" fmla="val 7357"/>
-            </a:avLst>
-          </a:prstGeom>
-        </p:spPr>
-        <p:style>
-          <a:lnRef idx="2">
-            <a:schemeClr val="accent1">
-              <a:shade val="50000"/>
-            </a:schemeClr>
-          </a:lnRef>
-          <a:fillRef idx="1">
-            <a:schemeClr val="accent1"/>
-          </a:fillRef>
-          <a:effectRef idx="0">
-            <a:schemeClr val="accent1"/>
-          </a:effectRef>
-          <a:fontRef idx="minor">
-            <a:schemeClr val="lt1"/>
-          </a:fontRef>
-        </p:style>
-        <p:txBody>
-          <a:bodyPr rtlCol="0" anchor="ctr"/>
-          <a:lstStyle/>
-          <a:p>
-            <a:pPr algn="ctr"/>
-            <a:endParaRPr lang="fr-FR"/>
-          </a:p>
-        </p:txBody>
-      </p:sp>
-      <p:sp>
-        <p:nvSpPr>
-          <p:cNvPr id="6" name="ZoneTexte 5">
-            <a:extLst>
-              <a:ext uri="{FF2B5EF4-FFF2-40B4-BE49-F238E27FC236}">
-                <a16:creationId xmlns:a16="http://schemas.microsoft.com/office/drawing/2014/main" id="{D045FA9C-B8F1-0F99-25DD-E3A32ABF3AFB}"/>
-              </a:ext>
-            </a:extLst>
-          </p:cNvPr>
-          <p:cNvSpPr txBox="1"/>
-          <p:nvPr/>
-        </p:nvSpPr>
-        <p:spPr>
-          <a:xfrm>
-            <a:off x="9022316" y="4799055"/>
-            <a:ext cx="2928815" cy="769441"/>
-          </a:xfrm>
-          <a:prstGeom prst="rect">
-            <a:avLst/>
-          </a:prstGeom>
-          <a:noFill/>
-        </p:spPr>
-        <p:txBody>
-          <a:bodyPr wrap="none" rtlCol="0">
-            <a:spAutoFit/>
-          </a:bodyPr>
-          <a:lstStyle/>
-          <a:p>
-            <a:r>
-              <a:rPr lang="fr-FR" sz="4400" dirty="0"/>
-              <a:t>TEMPALTES</a:t>
-            </a:r>
-          </a:p>
-        </p:txBody>
-      </p:sp>
     </p:spTree>
     <p:extLst>
       <p:ext uri="{BB962C8B-B14F-4D97-AF65-F5344CB8AC3E}">
-        <p14:creationId xmlns:p14="http://schemas.microsoft.com/office/powerpoint/2010/main" val="735825576"/>
+        <p14:creationId xmlns:p14="http://schemas.microsoft.com/office/powerpoint/2010/main" val="2276822012"/>
       </p:ext>
     </p:extLst>
   </p:cSld>
   <p:clrMapOvr>
     <a:masterClrMapping/>
   </p:clrMapOvr>
-  <mc:AlternateContent xmlns:mc="http://schemas.openxmlformats.org/markup-compatibility/2006">
-    <mc:Choice xmlns:p159="http://schemas.microsoft.com/office/powerpoint/2015/09/main" Requires="p159">
+  <mc:AlternateContent xmlns:mc="http://schemas.openxmlformats.org/markup-compatibility/2006" xmlns:p159="http://schemas.microsoft.com/office/powerpoint/2015/09/main">
+    <mc:Choice Requires="p159">
       <p:transition xmlns:p14="http://schemas.microsoft.com/office/powerpoint/2010/main" spd="slow" p14:dur="2000">
         <p159:morph option="byObject"/>
       </p:transition>
     </mc:Choice>
-    <mc:Fallback>
+    <mc:Fallback xmlns="">
       <p:transition spd="slow">
         <p:fade/>
       </p:transition>
@@ -10538,38 +9445,10 @@
       </p:grpSpPr>
       <p:sp>
         <p:nvSpPr>
-          <p:cNvPr id="2" name="Titre 1">
-            <a:extLst>
-              <a:ext uri="{FF2B5EF4-FFF2-40B4-BE49-F238E27FC236}">
-                <a16:creationId xmlns:a16="http://schemas.microsoft.com/office/drawing/2014/main" id="{3DE18839-0FB5-5A96-8CB5-D55DA22AB161}"/>
-              </a:ext>
-            </a:extLst>
-          </p:cNvPr>
-          <p:cNvSpPr>
-            <a:spLocks noGrp="1"/>
-          </p:cNvSpPr>
-          <p:nvPr>
-            <p:ph type="title"/>
-          </p:nvPr>
-        </p:nvSpPr>
-        <p:spPr/>
-        <p:txBody>
-          <a:bodyPr/>
-          <a:lstStyle/>
-          <a:p>
-            <a:r>
-              <a:rPr lang="fr-FR" dirty="0"/>
-              <a:t>Approche du projet : Technologies utilisés </a:t>
-            </a:r>
-          </a:p>
-        </p:txBody>
-      </p:sp>
-      <p:sp>
-        <p:nvSpPr>
           <p:cNvPr id="3" name="Espace réservé du numéro de diapositive 2">
             <a:extLst>
               <a:ext uri="{FF2B5EF4-FFF2-40B4-BE49-F238E27FC236}">
-                <a16:creationId xmlns:a16="http://schemas.microsoft.com/office/drawing/2014/main" id="{3B54D47C-2D59-60B6-ED58-34D73C7B56DF}"/>
+                <a16:creationId xmlns:a16="http://schemas.microsoft.com/office/drawing/2014/main" id="{3EEC5B5C-5AC6-CB65-F0BD-E3C9CF82D224}"/>
               </a:ext>
             </a:extLst>
           </p:cNvPr>
@@ -10593,141 +9472,58 @@
           </a:p>
         </p:txBody>
       </p:sp>
-      <p:sp>
-        <p:nvSpPr>
-          <p:cNvPr id="8" name="Rectangle : coins arrondis 7">
+      <p:pic>
+        <p:nvPicPr>
+          <p:cNvPr id="5" name="Image 4">
             <a:extLst>
               <a:ext uri="{FF2B5EF4-FFF2-40B4-BE49-F238E27FC236}">
-                <a16:creationId xmlns:a16="http://schemas.microsoft.com/office/drawing/2014/main" id="{1326C156-0161-0737-A150-B3A11395B758}"/>
+                <a16:creationId xmlns:a16="http://schemas.microsoft.com/office/drawing/2014/main" id="{5F1B1BD0-E4A2-326F-8F7C-AF6D44AA37AD}"/>
               </a:ext>
             </a:extLst>
           </p:cNvPr>
-          <p:cNvSpPr/>
+          <p:cNvPicPr>
+            <a:picLocks noChangeAspect="1"/>
+          </p:cNvPicPr>
           <p:nvPr/>
-        </p:nvSpPr>
-        <p:spPr>
-          <a:xfrm>
-            <a:off x="196728" y="2174645"/>
-            <a:ext cx="1571111" cy="4279392"/>
-          </a:xfrm>
-          <a:prstGeom prst="roundRect">
-            <a:avLst>
-              <a:gd name="adj" fmla="val 7357"/>
-            </a:avLst>
-          </a:prstGeom>
-        </p:spPr>
-        <p:style>
-          <a:lnRef idx="2">
-            <a:schemeClr val="accent1">
-              <a:shade val="50000"/>
-            </a:schemeClr>
-          </a:lnRef>
-          <a:fillRef idx="1">
-            <a:schemeClr val="accent1"/>
-          </a:fillRef>
-          <a:effectRef idx="0">
-            <a:schemeClr val="accent1"/>
-          </a:effectRef>
-          <a:fontRef idx="minor">
-            <a:schemeClr val="lt1"/>
-          </a:fontRef>
-        </p:style>
-        <p:txBody>
-          <a:bodyPr rtlCol="0" anchor="ctr"/>
-          <a:lstStyle/>
-          <a:p>
-            <a:pPr algn="ctr"/>
-            <a:endParaRPr lang="fr-FR"/>
-          </a:p>
-        </p:txBody>
-      </p:sp>
-      <p:sp>
-        <p:nvSpPr>
-          <p:cNvPr id="10" name="ZoneTexte 9">
+        </p:nvPicPr>
+        <p:blipFill rotWithShape="1">
+          <a:blip r:embed="rId2">
             <a:extLst>
-              <a:ext uri="{FF2B5EF4-FFF2-40B4-BE49-F238E27FC236}">
-                <a16:creationId xmlns:a16="http://schemas.microsoft.com/office/drawing/2014/main" id="{6C3602CB-74FB-8392-4F32-5F5DA022CC08}"/>
+              <a:ext uri="{28A0092B-C50C-407E-A947-70E740481C1C}">
+                <a14:useLocalDpi xmlns:a14="http://schemas.microsoft.com/office/drawing/2010/main" val="0"/>
               </a:ext>
             </a:extLst>
-          </p:cNvPr>
-          <p:cNvSpPr txBox="1"/>
-          <p:nvPr/>
-        </p:nvSpPr>
-        <p:spPr>
-          <a:xfrm>
-            <a:off x="3212591" y="2746772"/>
-            <a:ext cx="1694688" cy="1200329"/>
+          </a:blip>
+          <a:srcRect l="559" t="14853" r="1" b="63375"/>
+          <a:stretch/>
+        </p:blipFill>
+        <p:spPr>
+          <a:xfrm>
+            <a:off x="1458411" y="1772032"/>
+            <a:ext cx="8977599" cy="3240912"/>
           </a:xfrm>
           <a:prstGeom prst="rect">
             <a:avLst/>
           </a:prstGeom>
-          <a:noFill/>
-        </p:spPr>
-        <p:txBody>
-          <a:bodyPr wrap="square" rtlCol="0">
-            <a:spAutoFit/>
-          </a:bodyPr>
-          <a:lstStyle/>
-          <a:p>
-            <a:r>
-              <a:rPr lang="fr-FR" sz="7200" dirty="0"/>
-              <a:t>API</a:t>
-            </a:r>
-          </a:p>
-        </p:txBody>
-      </p:sp>
-      <p:sp>
-        <p:nvSpPr>
-          <p:cNvPr id="11" name="ZoneTexte 10">
-            <a:extLst>
-              <a:ext uri="{FF2B5EF4-FFF2-40B4-BE49-F238E27FC236}">
-                <a16:creationId xmlns:a16="http://schemas.microsoft.com/office/drawing/2014/main" id="{871EE78B-5344-6AA6-85D7-7FCDBCAE3AA2}"/>
-              </a:ext>
-            </a:extLst>
-          </p:cNvPr>
-          <p:cNvSpPr txBox="1"/>
-          <p:nvPr/>
-        </p:nvSpPr>
-        <p:spPr>
-          <a:xfrm>
-            <a:off x="6352032" y="2746772"/>
-            <a:ext cx="5531574" cy="1200329"/>
-          </a:xfrm>
-          <a:prstGeom prst="rect">
-            <a:avLst/>
-          </a:prstGeom>
-          <a:noFill/>
-        </p:spPr>
-        <p:txBody>
-          <a:bodyPr wrap="square" rtlCol="0">
-            <a:spAutoFit/>
-          </a:bodyPr>
-          <a:lstStyle/>
-          <a:p>
-            <a:r>
-              <a:rPr lang="fr-FR" sz="7200" dirty="0"/>
-              <a:t>FORMULAIRE</a:t>
-            </a:r>
-          </a:p>
-        </p:txBody>
-      </p:sp>
+        </p:spPr>
+      </p:pic>
     </p:spTree>
     <p:extLst>
       <p:ext uri="{BB962C8B-B14F-4D97-AF65-F5344CB8AC3E}">
-        <p14:creationId xmlns:p14="http://schemas.microsoft.com/office/powerpoint/2010/main" val="2840530214"/>
+        <p14:creationId xmlns:p14="http://schemas.microsoft.com/office/powerpoint/2010/main" val="2683848610"/>
       </p:ext>
     </p:extLst>
   </p:cSld>
   <p:clrMapOvr>
     <a:masterClrMapping/>
   </p:clrMapOvr>
-  <mc:AlternateContent xmlns:mc="http://schemas.openxmlformats.org/markup-compatibility/2006">
-    <mc:Choice xmlns:p159="http://schemas.microsoft.com/office/powerpoint/2015/09/main" Requires="p159">
+  <mc:AlternateContent xmlns:mc="http://schemas.openxmlformats.org/markup-compatibility/2006" xmlns:p159="http://schemas.microsoft.com/office/powerpoint/2015/09/main">
+    <mc:Choice Requires="p159">
       <p:transition xmlns:p14="http://schemas.microsoft.com/office/powerpoint/2010/main" spd="slow" p14:dur="2000">
         <p159:morph option="byObject"/>
       </p:transition>
     </mc:Choice>
-    <mc:Fallback>
+    <mc:Fallback xmlns="">
       <p:transition spd="slow">
         <p:fade/>
       </p:transition>
@@ -10755,38 +9551,10 @@
       </p:grpSpPr>
       <p:sp>
         <p:nvSpPr>
-          <p:cNvPr id="2" name="Titre 1">
-            <a:extLst>
-              <a:ext uri="{FF2B5EF4-FFF2-40B4-BE49-F238E27FC236}">
-                <a16:creationId xmlns:a16="http://schemas.microsoft.com/office/drawing/2014/main" id="{E3BDEE17-F99C-3799-EE2A-114013FFA7AC}"/>
-              </a:ext>
-            </a:extLst>
-          </p:cNvPr>
-          <p:cNvSpPr>
-            <a:spLocks noGrp="1"/>
-          </p:cNvSpPr>
-          <p:nvPr>
-            <p:ph type="title"/>
-          </p:nvPr>
-        </p:nvSpPr>
-        <p:spPr/>
-        <p:txBody>
-          <a:bodyPr/>
-          <a:lstStyle/>
-          <a:p>
-            <a:r>
-              <a:rPr lang="fr-FR" dirty="0"/>
-              <a:t>Approche du projet : Base de données</a:t>
-            </a:r>
-          </a:p>
-        </p:txBody>
-      </p:sp>
-      <p:sp>
-        <p:nvSpPr>
           <p:cNvPr id="3" name="Espace réservé du numéro de diapositive 2">
             <a:extLst>
               <a:ext uri="{FF2B5EF4-FFF2-40B4-BE49-F238E27FC236}">
-                <a16:creationId xmlns:a16="http://schemas.microsoft.com/office/drawing/2014/main" id="{9E8B0A4A-3516-A6A2-F71E-80E8DD70F712}"/>
+                <a16:creationId xmlns:a16="http://schemas.microsoft.com/office/drawing/2014/main" id="{3EEC5B5C-5AC6-CB65-F0BD-E3C9CF82D224}"/>
               </a:ext>
             </a:extLst>
           </p:cNvPr>
@@ -10810,60 +9578,12 @@
           </a:p>
         </p:txBody>
       </p:sp>
-      <p:sp>
-        <p:nvSpPr>
-          <p:cNvPr id="4" name="Rectangle : coins arrondis 3">
+      <p:pic>
+        <p:nvPicPr>
+          <p:cNvPr id="5" name="Image 4">
             <a:extLst>
               <a:ext uri="{FF2B5EF4-FFF2-40B4-BE49-F238E27FC236}">
-                <a16:creationId xmlns:a16="http://schemas.microsoft.com/office/drawing/2014/main" id="{D37F5BB2-5383-4A47-D51C-BE36BEABFEAC}"/>
-              </a:ext>
-            </a:extLst>
-          </p:cNvPr>
-          <p:cNvSpPr/>
-          <p:nvPr/>
-        </p:nvSpPr>
-        <p:spPr>
-          <a:xfrm>
-            <a:off x="189804" y="5880847"/>
-            <a:ext cx="11812392" cy="223925"/>
-          </a:xfrm>
-          <a:prstGeom prst="roundRect">
-            <a:avLst>
-              <a:gd name="adj" fmla="val 7357"/>
-            </a:avLst>
-          </a:prstGeom>
-        </p:spPr>
-        <p:style>
-          <a:lnRef idx="2">
-            <a:schemeClr val="accent1">
-              <a:shade val="50000"/>
-            </a:schemeClr>
-          </a:lnRef>
-          <a:fillRef idx="1">
-            <a:schemeClr val="accent1"/>
-          </a:fillRef>
-          <a:effectRef idx="0">
-            <a:schemeClr val="accent1"/>
-          </a:effectRef>
-          <a:fontRef idx="minor">
-            <a:schemeClr val="lt1"/>
-          </a:fontRef>
-        </p:style>
-        <p:txBody>
-          <a:bodyPr rtlCol="0" anchor="ctr"/>
-          <a:lstStyle/>
-          <a:p>
-            <a:pPr algn="ctr"/>
-            <a:endParaRPr lang="fr-FR"/>
-          </a:p>
-        </p:txBody>
-      </p:sp>
-      <p:pic>
-        <p:nvPicPr>
-          <p:cNvPr id="6" name="Image 5">
-            <a:extLst>
-              <a:ext uri="{FF2B5EF4-FFF2-40B4-BE49-F238E27FC236}">
-                <a16:creationId xmlns:a16="http://schemas.microsoft.com/office/drawing/2014/main" id="{076AC808-4397-95DA-9EC7-642D6B2BC4D8}"/>
+                <a16:creationId xmlns:a16="http://schemas.microsoft.com/office/drawing/2014/main" id="{5F1B1BD0-E4A2-326F-8F7C-AF6D44AA37AD}"/>
               </a:ext>
             </a:extLst>
           </p:cNvPr>
@@ -10872,22 +9592,21 @@
           </p:cNvPicPr>
           <p:nvPr/>
         </p:nvPicPr>
-        <p:blipFill>
-          <a:blip r:embed="rId3">
+        <p:blipFill rotWithShape="1">
+          <a:blip r:embed="rId2">
             <a:extLst>
               <a:ext uri="{28A0092B-C50C-407E-A947-70E740481C1C}">
                 <a14:useLocalDpi xmlns:a14="http://schemas.microsoft.com/office/drawing/2010/main" val="0"/>
               </a:ext>
             </a:extLst>
           </a:blip>
-          <a:stretch>
-            <a:fillRect/>
-          </a:stretch>
+          <a:srcRect l="2" t="38143" b="35021"/>
+          <a:stretch/>
         </p:blipFill>
         <p:spPr>
           <a:xfrm>
-            <a:off x="2157412" y="2493835"/>
-            <a:ext cx="7877175" cy="2943225"/>
+            <a:off x="2662176" y="2009313"/>
+            <a:ext cx="6251967" cy="2766350"/>
           </a:xfrm>
           <a:prstGeom prst="rect">
             <a:avLst/>
@@ -10897,20 +9616,20 @@
     </p:spTree>
     <p:extLst>
       <p:ext uri="{BB962C8B-B14F-4D97-AF65-F5344CB8AC3E}">
-        <p14:creationId xmlns:p14="http://schemas.microsoft.com/office/powerpoint/2010/main" val="868911435"/>
+        <p14:creationId xmlns:p14="http://schemas.microsoft.com/office/powerpoint/2010/main" val="3601259361"/>
       </p:ext>
     </p:extLst>
   </p:cSld>
   <p:clrMapOvr>
     <a:masterClrMapping/>
   </p:clrMapOvr>
-  <mc:AlternateContent xmlns:mc="http://schemas.openxmlformats.org/markup-compatibility/2006">
-    <mc:Choice xmlns:p159="http://schemas.microsoft.com/office/powerpoint/2015/09/main" Requires="p159">
+  <mc:AlternateContent xmlns:mc="http://schemas.openxmlformats.org/markup-compatibility/2006" xmlns:p159="http://schemas.microsoft.com/office/powerpoint/2015/09/main">
+    <mc:Choice Requires="p159">
       <p:transition xmlns:p14="http://schemas.microsoft.com/office/powerpoint/2010/main" spd="slow" p14:dur="2000">
         <p159:morph option="byObject"/>
       </p:transition>
     </mc:Choice>
-    <mc:Fallback>
+    <mc:Fallback xmlns="">
       <p:transition spd="slow">
         <p:fade/>
       </p:transition>
@@ -10979,7 +9698,7 @@
           </p:cNvPicPr>
           <p:nvPr/>
         </p:nvPicPr>
-        <p:blipFill>
+        <p:blipFill rotWithShape="1">
           <a:blip r:embed="rId2">
             <a:extLst>
               <a:ext uri="{28A0092B-C50C-407E-A947-70E740481C1C}">
@@ -10987,14 +9706,13 @@
               </a:ext>
             </a:extLst>
           </a:blip>
-          <a:stretch>
-            <a:fillRect/>
-          </a:stretch>
+          <a:srcRect l="19483" t="66835" r="21244"/>
+          <a:stretch/>
         </p:blipFill>
         <p:spPr>
           <a:xfrm>
-            <a:off x="4016327" y="0"/>
-            <a:ext cx="4159346" cy="6858000"/>
+            <a:off x="3868979" y="1458409"/>
+            <a:ext cx="4454042" cy="4109013"/>
           </a:xfrm>
           <a:prstGeom prst="rect">
             <a:avLst/>
@@ -11004,20 +9722,20 @@
     </p:spTree>
     <p:extLst>
       <p:ext uri="{BB962C8B-B14F-4D97-AF65-F5344CB8AC3E}">
-        <p14:creationId xmlns:p14="http://schemas.microsoft.com/office/powerpoint/2010/main" val="4077144885"/>
+        <p14:creationId xmlns:p14="http://schemas.microsoft.com/office/powerpoint/2010/main" val="729805094"/>
       </p:ext>
     </p:extLst>
   </p:cSld>
   <p:clrMapOvr>
     <a:masterClrMapping/>
   </p:clrMapOvr>
-  <mc:AlternateContent xmlns:mc="http://schemas.openxmlformats.org/markup-compatibility/2006">
-    <mc:Choice xmlns:p159="http://schemas.microsoft.com/office/powerpoint/2015/09/main" Requires="p159">
+  <mc:AlternateContent xmlns:mc="http://schemas.openxmlformats.org/markup-compatibility/2006" xmlns:p159="http://schemas.microsoft.com/office/powerpoint/2015/09/main">
+    <mc:Choice Requires="p159">
       <p:transition xmlns:p14="http://schemas.microsoft.com/office/powerpoint/2010/main" spd="slow" p14:dur="2000">
         <p159:morph option="byObject"/>
       </p:transition>
     </mc:Choice>
-    <mc:Fallback>
+    <mc:Fallback xmlns="">
       <p:transition spd="slow">
         <p:fade/>
       </p:transition>
@@ -11045,10 +9763,10 @@
       </p:grpSpPr>
       <p:sp>
         <p:nvSpPr>
-          <p:cNvPr id="3" name="Espace réservé du numéro de diapositive 2">
+          <p:cNvPr id="2" name="Espace réservé du numéro de diapositive 1">
             <a:extLst>
               <a:ext uri="{FF2B5EF4-FFF2-40B4-BE49-F238E27FC236}">
-                <a16:creationId xmlns:a16="http://schemas.microsoft.com/office/drawing/2014/main" id="{3EEC5B5C-5AC6-CB65-F0BD-E3C9CF82D224}"/>
+                <a16:creationId xmlns:a16="http://schemas.microsoft.com/office/drawing/2014/main" id="{CBC61414-C22E-6DA9-453E-B798736427A1}"/>
               </a:ext>
             </a:extLst>
           </p:cNvPr>
@@ -11074,10 +9792,10 @@
       </p:sp>
       <p:pic>
         <p:nvPicPr>
-          <p:cNvPr id="5" name="Image 4">
+          <p:cNvPr id="4" name="Image 3">
             <a:extLst>
               <a:ext uri="{FF2B5EF4-FFF2-40B4-BE49-F238E27FC236}">
-                <a16:creationId xmlns:a16="http://schemas.microsoft.com/office/drawing/2014/main" id="{5F1B1BD0-E4A2-326F-8F7C-AF6D44AA37AD}"/>
+                <a16:creationId xmlns:a16="http://schemas.microsoft.com/office/drawing/2014/main" id="{2A65C4DD-F52C-CA11-96AB-22103DAFCEFF}"/>
               </a:ext>
             </a:extLst>
           </p:cNvPr>
@@ -11087,20 +9805,14 @@
           <p:nvPr/>
         </p:nvPicPr>
         <p:blipFill rotWithShape="1">
-          <a:blip r:embed="rId2">
-            <a:extLst>
-              <a:ext uri="{28A0092B-C50C-407E-A947-70E740481C1C}">
-                <a14:useLocalDpi xmlns:a14="http://schemas.microsoft.com/office/drawing/2010/main" val="0"/>
-              </a:ext>
-            </a:extLst>
-          </a:blip>
-          <a:srcRect l="34520" r="37732" b="86667"/>
+          <a:blip r:embed="rId2"/>
+          <a:srcRect b="1942"/>
           <a:stretch/>
         </p:blipFill>
         <p:spPr>
           <a:xfrm>
-            <a:off x="3795002" y="1215341"/>
-            <a:ext cx="4601995" cy="3646025"/>
+            <a:off x="-84634" y="410325"/>
+            <a:ext cx="12276634" cy="5261270"/>
           </a:xfrm>
           <a:prstGeom prst="rect">
             <a:avLst/>
@@ -11110,25 +9822,13 @@
     </p:spTree>
     <p:extLst>
       <p:ext uri="{BB962C8B-B14F-4D97-AF65-F5344CB8AC3E}">
-        <p14:creationId xmlns:p14="http://schemas.microsoft.com/office/powerpoint/2010/main" val="2276822012"/>
+        <p14:creationId xmlns:p14="http://schemas.microsoft.com/office/powerpoint/2010/main" val="3415670717"/>
       </p:ext>
     </p:extLst>
   </p:cSld>
   <p:clrMapOvr>
     <a:masterClrMapping/>
   </p:clrMapOvr>
-  <mc:AlternateContent xmlns:mc="http://schemas.openxmlformats.org/markup-compatibility/2006">
-    <mc:Choice xmlns:p159="http://schemas.microsoft.com/office/powerpoint/2015/09/main" Requires="p159">
-      <p:transition xmlns:p14="http://schemas.microsoft.com/office/powerpoint/2010/main" spd="slow" p14:dur="2000">
-        <p159:morph option="byObject"/>
-      </p:transition>
-    </mc:Choice>
-    <mc:Fallback>
-      <p:transition spd="slow">
-        <p:fade/>
-      </p:transition>
-    </mc:Fallback>
-  </mc:AlternateContent>
 </p:sld>
 </file>
 
@@ -11151,10 +9851,98 @@
       </p:grpSpPr>
       <p:sp>
         <p:nvSpPr>
-          <p:cNvPr id="3" name="Espace réservé du numéro de diapositive 2">
+          <p:cNvPr id="2" name="Titre 1">
             <a:extLst>
               <a:ext uri="{FF2B5EF4-FFF2-40B4-BE49-F238E27FC236}">
-                <a16:creationId xmlns:a16="http://schemas.microsoft.com/office/drawing/2014/main" id="{3EEC5B5C-5AC6-CB65-F0BD-E3C9CF82D224}"/>
+                <a16:creationId xmlns:a16="http://schemas.microsoft.com/office/drawing/2014/main" id="{955F1045-6FC7-F20A-6C16-57BEDF1BCB7E}"/>
+              </a:ext>
+            </a:extLst>
+          </p:cNvPr>
+          <p:cNvSpPr>
+            <a:spLocks noGrp="1"/>
+          </p:cNvSpPr>
+          <p:nvPr>
+            <p:ph type="title"/>
+          </p:nvPr>
+        </p:nvSpPr>
+        <p:spPr/>
+        <p:txBody>
+          <a:bodyPr/>
+          <a:lstStyle/>
+          <a:p>
+            <a:r>
+              <a:rPr lang="fr-FR" dirty="0"/>
+              <a:t>Filtres du CSV 	</a:t>
+            </a:r>
+          </a:p>
+        </p:txBody>
+      </p:sp>
+      <p:sp>
+        <p:nvSpPr>
+          <p:cNvPr id="3" name="Espace réservé du contenu 2">
+            <a:extLst>
+              <a:ext uri="{FF2B5EF4-FFF2-40B4-BE49-F238E27FC236}">
+                <a16:creationId xmlns:a16="http://schemas.microsoft.com/office/drawing/2014/main" id="{5758F984-A54D-AA89-C04C-30735B67FC8B}"/>
+              </a:ext>
+            </a:extLst>
+          </p:cNvPr>
+          <p:cNvSpPr>
+            <a:spLocks noGrp="1"/>
+          </p:cNvSpPr>
+          <p:nvPr>
+            <p:ph idx="1"/>
+          </p:nvPr>
+        </p:nvSpPr>
+        <p:spPr>
+          <a:xfrm>
+            <a:off x="680321" y="2336873"/>
+            <a:ext cx="10257755" cy="4121800"/>
+          </a:xfrm>
+        </p:spPr>
+        <p:txBody>
+          <a:bodyPr>
+            <a:normAutofit fontScale="92500" lnSpcReduction="10000"/>
+          </a:bodyPr>
+          <a:lstStyle/>
+          <a:p>
+            <a:r>
+              <a:rPr lang="fr-FR" sz="3600" dirty="0"/>
+              <a:t>Le CSV est filtré à l’ai des repères suivantes : </a:t>
+            </a:r>
+          </a:p>
+          <a:p>
+            <a:pPr lvl="1"/>
+            <a:r>
+              <a:rPr lang="fr-FR" sz="3200" dirty="0"/>
+              <a:t>Suppression des doublons sur le numéro de facture et numéro de produit</a:t>
+            </a:r>
+          </a:p>
+          <a:p>
+            <a:pPr lvl="1"/>
+            <a:r>
+              <a:rPr lang="fr-FR" sz="3200" dirty="0"/>
+              <a:t>Retirer toutes les lignes comportant des quantités négatives </a:t>
+            </a:r>
+          </a:p>
+          <a:p>
+            <a:pPr lvl="1"/>
+            <a:r>
+              <a:rPr lang="fr-FR" sz="3200" dirty="0"/>
+              <a:t>Retrait de tous les numéros de produits comportant : </a:t>
+            </a:r>
+            <a:r>
+              <a:rPr lang="fr-FR" sz="3200" i="1" dirty="0"/>
+              <a:t>'M','POST', 'C2', 'DOT', 'BANK CHARGES', 'D', 'AMAZONFEE', 'S’, 'gift_0001_10','gift_0001_20','gift_0001_30','gift_0001_40’, 'gift_0001_50', 'PADS’ </a:t>
+            </a:r>
+          </a:p>
+        </p:txBody>
+      </p:sp>
+      <p:sp>
+        <p:nvSpPr>
+          <p:cNvPr id="4" name="Espace réservé du numéro de diapositive 3">
+            <a:extLst>
+              <a:ext uri="{FF2B5EF4-FFF2-40B4-BE49-F238E27FC236}">
+                <a16:creationId xmlns:a16="http://schemas.microsoft.com/office/drawing/2014/main" id="{51C91F6B-9ED8-1F89-6539-FE21D0B60C1A}"/>
               </a:ext>
             </a:extLst>
           </p:cNvPr>
@@ -11178,58 +9966,23 @@
           </a:p>
         </p:txBody>
       </p:sp>
-      <p:pic>
-        <p:nvPicPr>
-          <p:cNvPr id="5" name="Image 4">
-            <a:extLst>
-              <a:ext uri="{FF2B5EF4-FFF2-40B4-BE49-F238E27FC236}">
-                <a16:creationId xmlns:a16="http://schemas.microsoft.com/office/drawing/2014/main" id="{5F1B1BD0-E4A2-326F-8F7C-AF6D44AA37AD}"/>
-              </a:ext>
-            </a:extLst>
-          </p:cNvPr>
-          <p:cNvPicPr>
-            <a:picLocks noChangeAspect="1"/>
-          </p:cNvPicPr>
-          <p:nvPr/>
-        </p:nvPicPr>
-        <p:blipFill rotWithShape="1">
-          <a:blip r:embed="rId2">
-            <a:extLst>
-              <a:ext uri="{28A0092B-C50C-407E-A947-70E740481C1C}">
-                <a14:useLocalDpi xmlns:a14="http://schemas.microsoft.com/office/drawing/2010/main" val="0"/>
-              </a:ext>
-            </a:extLst>
-          </a:blip>
-          <a:srcRect l="559" t="14853" r="1" b="63375"/>
-          <a:stretch/>
-        </p:blipFill>
-        <p:spPr>
-          <a:xfrm>
-            <a:off x="1458411" y="1772032"/>
-            <a:ext cx="8977599" cy="3240912"/>
-          </a:xfrm>
-          <a:prstGeom prst="rect">
-            <a:avLst/>
-          </a:prstGeom>
-        </p:spPr>
-      </p:pic>
     </p:spTree>
     <p:extLst>
       <p:ext uri="{BB962C8B-B14F-4D97-AF65-F5344CB8AC3E}">
-        <p14:creationId xmlns:p14="http://schemas.microsoft.com/office/powerpoint/2010/main" val="2683848610"/>
+        <p14:creationId xmlns:p14="http://schemas.microsoft.com/office/powerpoint/2010/main" val="2584083311"/>
       </p:ext>
     </p:extLst>
   </p:cSld>
   <p:clrMapOvr>
     <a:masterClrMapping/>
   </p:clrMapOvr>
-  <mc:AlternateContent xmlns:mc="http://schemas.openxmlformats.org/markup-compatibility/2006">
-    <mc:Choice xmlns:p159="http://schemas.microsoft.com/office/powerpoint/2015/09/main" Requires="p159">
+  <mc:AlternateContent xmlns:mc="http://schemas.openxmlformats.org/markup-compatibility/2006" xmlns:p159="http://schemas.microsoft.com/office/powerpoint/2015/09/main">
+    <mc:Choice Requires="p159">
       <p:transition xmlns:p14="http://schemas.microsoft.com/office/powerpoint/2010/main" spd="slow" p14:dur="2000">
         <p159:morph option="byObject"/>
       </p:transition>
     </mc:Choice>
-    <mc:Fallback>
+    <mc:Fallback xmlns="">
       <p:transition spd="slow">
         <p:fade/>
       </p:transition>
@@ -11257,10 +10010,38 @@
       </p:grpSpPr>
       <p:sp>
         <p:nvSpPr>
+          <p:cNvPr id="2" name="Titre 1">
+            <a:extLst>
+              <a:ext uri="{FF2B5EF4-FFF2-40B4-BE49-F238E27FC236}">
+                <a16:creationId xmlns:a16="http://schemas.microsoft.com/office/drawing/2014/main" id="{C836E98F-B3F4-BA94-2435-6A8A2BD50DCE}"/>
+              </a:ext>
+            </a:extLst>
+          </p:cNvPr>
+          <p:cNvSpPr>
+            <a:spLocks noGrp="1"/>
+          </p:cNvSpPr>
+          <p:nvPr>
+            <p:ph type="title"/>
+          </p:nvPr>
+        </p:nvSpPr>
+        <p:spPr/>
+        <p:txBody>
+          <a:bodyPr/>
+          <a:lstStyle/>
+          <a:p>
+            <a:r>
+              <a:rPr lang="fr-FR" dirty="0"/>
+              <a:t>Approche du projet : MCD</a:t>
+            </a:r>
+          </a:p>
+        </p:txBody>
+      </p:sp>
+      <p:sp>
+        <p:nvSpPr>
           <p:cNvPr id="3" name="Espace réservé du numéro de diapositive 2">
             <a:extLst>
               <a:ext uri="{FF2B5EF4-FFF2-40B4-BE49-F238E27FC236}">
-                <a16:creationId xmlns:a16="http://schemas.microsoft.com/office/drawing/2014/main" id="{3EEC5B5C-5AC6-CB65-F0BD-E3C9CF82D224}"/>
+                <a16:creationId xmlns:a16="http://schemas.microsoft.com/office/drawing/2014/main" id="{0940972F-D324-CE9F-E611-35C4B7BF11C3}"/>
               </a:ext>
             </a:extLst>
           </p:cNvPr>
@@ -11289,7 +10070,7 @@
           <p:cNvPr id="5" name="Image 4">
             <a:extLst>
               <a:ext uri="{FF2B5EF4-FFF2-40B4-BE49-F238E27FC236}">
-                <a16:creationId xmlns:a16="http://schemas.microsoft.com/office/drawing/2014/main" id="{5F1B1BD0-E4A2-326F-8F7C-AF6D44AA37AD}"/>
+                <a16:creationId xmlns:a16="http://schemas.microsoft.com/office/drawing/2014/main" id="{3579991D-A505-D9DE-0EC7-079E76442214}"/>
               </a:ext>
             </a:extLst>
           </p:cNvPr>
@@ -11306,13 +10087,13 @@
               </a:ext>
             </a:extLst>
           </a:blip>
-          <a:srcRect l="2" t="38143" b="35021"/>
+          <a:srcRect l="24399" t="22705" r="-855" b="1"/>
           <a:stretch/>
         </p:blipFill>
         <p:spPr>
           <a:xfrm>
-            <a:off x="2662176" y="2009313"/>
-            <a:ext cx="6251967" cy="2766350"/>
+            <a:off x="1435261" y="1990845"/>
+            <a:ext cx="9321478" cy="4433103"/>
           </a:xfrm>
           <a:prstGeom prst="rect">
             <a:avLst/>
@@ -11322,25 +10103,13 @@
     </p:spTree>
     <p:extLst>
       <p:ext uri="{BB962C8B-B14F-4D97-AF65-F5344CB8AC3E}">
-        <p14:creationId xmlns:p14="http://schemas.microsoft.com/office/powerpoint/2010/main" val="3601259361"/>
+        <p14:creationId xmlns:p14="http://schemas.microsoft.com/office/powerpoint/2010/main" val="4160417261"/>
       </p:ext>
     </p:extLst>
   </p:cSld>
   <p:clrMapOvr>
     <a:masterClrMapping/>
   </p:clrMapOvr>
-  <mc:AlternateContent xmlns:mc="http://schemas.openxmlformats.org/markup-compatibility/2006">
-    <mc:Choice xmlns:p159="http://schemas.microsoft.com/office/powerpoint/2015/09/main" Requires="p159">
-      <p:transition xmlns:p14="http://schemas.microsoft.com/office/powerpoint/2010/main" spd="slow" p14:dur="2000">
-        <p159:morph option="byObject"/>
-      </p:transition>
-    </mc:Choice>
-    <mc:Fallback>
-      <p:transition spd="slow">
-        <p:fade/>
-      </p:transition>
-    </mc:Fallback>
-  </mc:AlternateContent>
 </p:sld>
 </file>
 
@@ -11363,10 +10132,43 @@
       </p:grpSpPr>
       <p:sp>
         <p:nvSpPr>
+          <p:cNvPr id="2" name="Titre 1">
+            <a:extLst>
+              <a:ext uri="{FF2B5EF4-FFF2-40B4-BE49-F238E27FC236}">
+                <a16:creationId xmlns:a16="http://schemas.microsoft.com/office/drawing/2014/main" id="{F1DE9FCE-9A2D-A597-8282-FDDFE16B1BD3}"/>
+              </a:ext>
+            </a:extLst>
+          </p:cNvPr>
+          <p:cNvSpPr>
+            <a:spLocks noGrp="1"/>
+          </p:cNvSpPr>
+          <p:nvPr>
+            <p:ph type="title"/>
+          </p:nvPr>
+        </p:nvSpPr>
+        <p:spPr>
+          <a:xfrm>
+            <a:off x="680321" y="370981"/>
+            <a:ext cx="9613861" cy="1080938"/>
+          </a:xfrm>
+        </p:spPr>
+        <p:txBody>
+          <a:bodyPr/>
+          <a:lstStyle/>
+          <a:p>
+            <a:r>
+              <a:rPr lang="fr-FR" dirty="0"/>
+              <a:t>Approche du projet : MPD </a:t>
+            </a:r>
+          </a:p>
+        </p:txBody>
+      </p:sp>
+      <p:sp>
+        <p:nvSpPr>
           <p:cNvPr id="3" name="Espace réservé du numéro de diapositive 2">
             <a:extLst>
               <a:ext uri="{FF2B5EF4-FFF2-40B4-BE49-F238E27FC236}">
-                <a16:creationId xmlns:a16="http://schemas.microsoft.com/office/drawing/2014/main" id="{3EEC5B5C-5AC6-CB65-F0BD-E3C9CF82D224}"/>
+                <a16:creationId xmlns:a16="http://schemas.microsoft.com/office/drawing/2014/main" id="{889D2AAE-D43C-2E23-AE22-0C0CC40FC819}"/>
               </a:ext>
             </a:extLst>
           </p:cNvPr>
@@ -11395,7 +10197,7 @@
           <p:cNvPr id="5" name="Image 4">
             <a:extLst>
               <a:ext uri="{FF2B5EF4-FFF2-40B4-BE49-F238E27FC236}">
-                <a16:creationId xmlns:a16="http://schemas.microsoft.com/office/drawing/2014/main" id="{5F1B1BD0-E4A2-326F-8F7C-AF6D44AA37AD}"/>
+                <a16:creationId xmlns:a16="http://schemas.microsoft.com/office/drawing/2014/main" id="{A9B3957D-74DA-CE91-9DC6-71D1A18BD40B}"/>
               </a:ext>
             </a:extLst>
           </p:cNvPr>
@@ -11404,21 +10206,16 @@
           </p:cNvPicPr>
           <p:nvPr/>
         </p:nvPicPr>
-        <p:blipFill rotWithShape="1">
-          <a:blip r:embed="rId2">
-            <a:extLst>
-              <a:ext uri="{28A0092B-C50C-407E-A947-70E740481C1C}">
-                <a14:useLocalDpi xmlns:a14="http://schemas.microsoft.com/office/drawing/2010/main" val="0"/>
-              </a:ext>
-            </a:extLst>
-          </a:blip>
-          <a:srcRect l="19483" t="66835" r="21244"/>
-          <a:stretch/>
+        <p:blipFill>
+          <a:blip r:embed="rId2"/>
+          <a:stretch>
+            <a:fillRect/>
+          </a:stretch>
         </p:blipFill>
         <p:spPr>
           <a:xfrm>
-            <a:off x="3868979" y="1458409"/>
-            <a:ext cx="4454042" cy="4109013"/>
+            <a:off x="1115593" y="1173253"/>
+            <a:ext cx="9613862" cy="5406954"/>
           </a:xfrm>
           <a:prstGeom prst="rect">
             <a:avLst/>
@@ -11428,25 +10225,13 @@
     </p:spTree>
     <p:extLst>
       <p:ext uri="{BB962C8B-B14F-4D97-AF65-F5344CB8AC3E}">
-        <p14:creationId xmlns:p14="http://schemas.microsoft.com/office/powerpoint/2010/main" val="729805094"/>
+        <p14:creationId xmlns:p14="http://schemas.microsoft.com/office/powerpoint/2010/main" val="1145310734"/>
       </p:ext>
     </p:extLst>
   </p:cSld>
   <p:clrMapOvr>
     <a:masterClrMapping/>
   </p:clrMapOvr>
-  <mc:AlternateContent xmlns:mc="http://schemas.openxmlformats.org/markup-compatibility/2006">
-    <mc:Choice xmlns:p159="http://schemas.microsoft.com/office/powerpoint/2015/09/main" Requires="p159">
-      <p:transition xmlns:p14="http://schemas.microsoft.com/office/powerpoint/2010/main" spd="slow" p14:dur="2000">
-        <p159:morph option="byObject"/>
-      </p:transition>
-    </mc:Choice>
-    <mc:Fallback>
-      <p:transition spd="slow">
-        <p:fade/>
-      </p:transition>
-    </mc:Fallback>
-  </mc:AlternateContent>
 </p:sld>
 </file>
 
@@ -11469,10 +10254,65 @@
       </p:grpSpPr>
       <p:sp>
         <p:nvSpPr>
-          <p:cNvPr id="2" name="Espace réservé du numéro de diapositive 1">
+          <p:cNvPr id="2" name="Titre 1">
             <a:extLst>
               <a:ext uri="{FF2B5EF4-FFF2-40B4-BE49-F238E27FC236}">
-                <a16:creationId xmlns:a16="http://schemas.microsoft.com/office/drawing/2014/main" id="{CBC61414-C22E-6DA9-453E-B798736427A1}"/>
+                <a16:creationId xmlns:a16="http://schemas.microsoft.com/office/drawing/2014/main" id="{71120504-B261-0C43-4FD0-432FA92AEF45}"/>
+              </a:ext>
+            </a:extLst>
+          </p:cNvPr>
+          <p:cNvSpPr>
+            <a:spLocks noGrp="1"/>
+          </p:cNvSpPr>
+          <p:nvPr>
+            <p:ph type="title"/>
+          </p:nvPr>
+        </p:nvSpPr>
+        <p:spPr/>
+        <p:txBody>
+          <a:bodyPr>
+            <a:normAutofit/>
+          </a:bodyPr>
+          <a:lstStyle/>
+          <a:p>
+            <a:r>
+              <a:rPr lang="fr-FR" sz="6600" dirty="0"/>
+              <a:t>Démonstration</a:t>
+            </a:r>
+          </a:p>
+        </p:txBody>
+      </p:sp>
+      <p:sp>
+        <p:nvSpPr>
+          <p:cNvPr id="3" name="Espace réservé du texte 2">
+            <a:extLst>
+              <a:ext uri="{FF2B5EF4-FFF2-40B4-BE49-F238E27FC236}">
+                <a16:creationId xmlns:a16="http://schemas.microsoft.com/office/drawing/2014/main" id="{DCFFACA6-E351-268C-55D1-2B267522AEAB}"/>
+              </a:ext>
+            </a:extLst>
+          </p:cNvPr>
+          <p:cNvSpPr>
+            <a:spLocks noGrp="1"/>
+          </p:cNvSpPr>
+          <p:nvPr>
+            <p:ph type="body" idx="1"/>
+          </p:nvPr>
+        </p:nvSpPr>
+        <p:spPr/>
+        <p:txBody>
+          <a:bodyPr/>
+          <a:lstStyle/>
+          <a:p>
+            <a:endParaRPr lang="fr-FR"/>
+          </a:p>
+        </p:txBody>
+      </p:sp>
+      <p:sp>
+        <p:nvSpPr>
+          <p:cNvPr id="4" name="Espace réservé du numéro de diapositive 3">
+            <a:extLst>
+              <a:ext uri="{FF2B5EF4-FFF2-40B4-BE49-F238E27FC236}">
+                <a16:creationId xmlns:a16="http://schemas.microsoft.com/office/drawing/2014/main" id="{9D6E4F52-4571-B0B1-0200-C446D793B12E}"/>
               </a:ext>
             </a:extLst>
           </p:cNvPr>
@@ -11496,39 +10336,10 @@
           </a:p>
         </p:txBody>
       </p:sp>
-      <p:pic>
-        <p:nvPicPr>
-          <p:cNvPr id="4" name="Image 3">
-            <a:extLst>
-              <a:ext uri="{FF2B5EF4-FFF2-40B4-BE49-F238E27FC236}">
-                <a16:creationId xmlns:a16="http://schemas.microsoft.com/office/drawing/2014/main" id="{2A65C4DD-F52C-CA11-96AB-22103DAFCEFF}"/>
-              </a:ext>
-            </a:extLst>
-          </p:cNvPr>
-          <p:cNvPicPr>
-            <a:picLocks noChangeAspect="1"/>
-          </p:cNvPicPr>
-          <p:nvPr/>
-        </p:nvPicPr>
-        <p:blipFill rotWithShape="1">
-          <a:blip r:embed="rId2"/>
-          <a:srcRect b="1942"/>
-          <a:stretch/>
-        </p:blipFill>
-        <p:spPr>
-          <a:xfrm>
-            <a:off x="-84634" y="410325"/>
-            <a:ext cx="12276634" cy="5261270"/>
-          </a:xfrm>
-          <a:prstGeom prst="rect">
-            <a:avLst/>
-          </a:prstGeom>
-        </p:spPr>
-      </p:pic>
     </p:spTree>
     <p:extLst>
       <p:ext uri="{BB962C8B-B14F-4D97-AF65-F5344CB8AC3E}">
-        <p14:creationId xmlns:p14="http://schemas.microsoft.com/office/powerpoint/2010/main" val="3415670717"/>
+        <p14:creationId xmlns:p14="http://schemas.microsoft.com/office/powerpoint/2010/main" val="472039518"/>
       </p:ext>
     </p:extLst>
   </p:cSld>
@@ -11560,7 +10371,7 @@
           <p:cNvPr id="2" name="Titre 1">
             <a:extLst>
               <a:ext uri="{FF2B5EF4-FFF2-40B4-BE49-F238E27FC236}">
-                <a16:creationId xmlns:a16="http://schemas.microsoft.com/office/drawing/2014/main" id="{955F1045-6FC7-F20A-6C16-57BEDF1BCB7E}"/>
+                <a16:creationId xmlns:a16="http://schemas.microsoft.com/office/drawing/2014/main" id="{71120504-B261-0C43-4FD0-432FA92AEF45}"/>
               </a:ext>
             </a:extLst>
           </p:cNvPr>
@@ -11573,22 +10384,24 @@
         </p:nvSpPr>
         <p:spPr/>
         <p:txBody>
-          <a:bodyPr/>
-          <a:lstStyle/>
-          <a:p>
-            <a:r>
-              <a:rPr lang="fr-FR" dirty="0"/>
-              <a:t>Filtres du CSV 	</a:t>
-            </a:r>
-          </a:p>
-        </p:txBody>
-      </p:sp>
-      <p:sp>
-        <p:nvSpPr>
-          <p:cNvPr id="3" name="Espace réservé du contenu 2">
+          <a:bodyPr>
+            <a:normAutofit/>
+          </a:bodyPr>
+          <a:lstStyle/>
+          <a:p>
+            <a:r>
+              <a:rPr lang="fr-FR" sz="6600" dirty="0"/>
+              <a:t>Liste des améliorations</a:t>
+            </a:r>
+          </a:p>
+        </p:txBody>
+      </p:sp>
+      <p:sp>
+        <p:nvSpPr>
+          <p:cNvPr id="5" name="Espace réservé du contenu 4">
             <a:extLst>
               <a:ext uri="{FF2B5EF4-FFF2-40B4-BE49-F238E27FC236}">
-                <a16:creationId xmlns:a16="http://schemas.microsoft.com/office/drawing/2014/main" id="{5758F984-A54D-AA89-C04C-30735B67FC8B}"/>
+                <a16:creationId xmlns:a16="http://schemas.microsoft.com/office/drawing/2014/main" id="{CED1EA07-B5EA-9B31-75C3-9219B5F0EAC2}"/>
               </a:ext>
             </a:extLst>
           </p:cNvPr>
@@ -11602,43 +10415,42 @@
         <p:spPr>
           <a:xfrm>
             <a:off x="680321" y="2336873"/>
-            <a:ext cx="10257755" cy="4121800"/>
+            <a:ext cx="10500823" cy="3599316"/>
           </a:xfrm>
         </p:spPr>
         <p:txBody>
           <a:bodyPr>
-            <a:normAutofit fontScale="92500" lnSpcReduction="10000"/>
+            <a:normAutofit/>
           </a:bodyPr>
           <a:lstStyle/>
           <a:p>
             <a:r>
               <a:rPr lang="fr-FR" sz="3600" dirty="0"/>
-              <a:t>Le CSV est filtré à l’ai des repères suivantes : </a:t>
-            </a:r>
-          </a:p>
-          <a:p>
-            <a:pPr lvl="1"/>
-            <a:r>
-              <a:rPr lang="fr-FR" sz="3200" dirty="0"/>
-              <a:t>Suppression des doublons sur le numéro de facture et numéro de produit</a:t>
-            </a:r>
-          </a:p>
-          <a:p>
-            <a:pPr lvl="1"/>
-            <a:r>
-              <a:rPr lang="fr-FR" sz="3200" dirty="0"/>
-              <a:t>Retirer toutes les lignes comportant des quantités négatives </a:t>
-            </a:r>
-          </a:p>
-          <a:p>
-            <a:pPr lvl="1"/>
-            <a:r>
-              <a:rPr lang="fr-FR" sz="3200" dirty="0"/>
-              <a:t>Retrait de tous les numéros de produits comportant : </a:t>
-            </a:r>
-            <a:r>
-              <a:rPr lang="fr-FR" sz="3200" i="1" dirty="0"/>
-              <a:t>'M','POST', 'C2', 'DOT', 'BANK CHARGES', 'D', 'AMAZONFEE', 'S’, 'gift_0001_10','gift_0001_20','gift_0001_30','gift_0001_40’, 'gift_0001_50', 'PADS’ </a:t>
+              <a:t>Lier la base de donnée pour créer des graphiques</a:t>
+            </a:r>
+          </a:p>
+          <a:p>
+            <a:r>
+              <a:rPr lang="fr-FR" sz="3600" dirty="0"/>
+              <a:t>Améliorer l’interface globale </a:t>
+            </a:r>
+          </a:p>
+          <a:p>
+            <a:r>
+              <a:rPr lang="fr-FR" sz="3600" dirty="0"/>
+              <a:t>Permettre la mise en BDD en manuelle </a:t>
+            </a:r>
+          </a:p>
+          <a:p>
+            <a:r>
+              <a:rPr lang="fr-FR" sz="3600" dirty="0"/>
+              <a:t>Perfectionner les filtres</a:t>
+            </a:r>
+          </a:p>
+          <a:p>
+            <a:r>
+              <a:rPr lang="fr-FR" sz="3600" dirty="0"/>
+              <a:t>La possibilité d’importer plusieurs CSV </a:t>
             </a:r>
           </a:p>
         </p:txBody>
@@ -11648,7 +10460,7 @@
           <p:cNvPr id="4" name="Espace réservé du numéro de diapositive 3">
             <a:extLst>
               <a:ext uri="{FF2B5EF4-FFF2-40B4-BE49-F238E27FC236}">
-                <a16:creationId xmlns:a16="http://schemas.microsoft.com/office/drawing/2014/main" id="{51C91F6B-9ED8-1F89-6539-FE21D0B60C1A}"/>
+                <a16:creationId xmlns:a16="http://schemas.microsoft.com/office/drawing/2014/main" id="{9D6E4F52-4571-B0B1-0200-C446D793B12E}"/>
               </a:ext>
             </a:extLst>
           </p:cNvPr>
@@ -11675,25 +10487,13 @@
     </p:spTree>
     <p:extLst>
       <p:ext uri="{BB962C8B-B14F-4D97-AF65-F5344CB8AC3E}">
-        <p14:creationId xmlns:p14="http://schemas.microsoft.com/office/powerpoint/2010/main" val="2584083311"/>
+        <p14:creationId xmlns:p14="http://schemas.microsoft.com/office/powerpoint/2010/main" val="1362375213"/>
       </p:ext>
     </p:extLst>
   </p:cSld>
   <p:clrMapOvr>
     <a:masterClrMapping/>
   </p:clrMapOvr>
-  <mc:AlternateContent xmlns:mc="http://schemas.openxmlformats.org/markup-compatibility/2006">
-    <mc:Choice xmlns:p159="http://schemas.microsoft.com/office/powerpoint/2015/09/main" Requires="p159">
-      <p:transition xmlns:p14="http://schemas.microsoft.com/office/powerpoint/2010/main" spd="slow" p14:dur="2000">
-        <p159:morph option="byObject"/>
-      </p:transition>
-    </mc:Choice>
-    <mc:Fallback>
-      <p:transition spd="slow">
-        <p:fade/>
-      </p:transition>
-    </mc:Fallback>
-  </mc:AlternateContent>
 </p:sld>
 </file>
 
@@ -11773,41 +10573,6 @@
       </p:sp>
       <p:sp>
         <p:nvSpPr>
-          <p:cNvPr id="9" name="ZoneTexte 8">
-            <a:extLst>
-              <a:ext uri="{FF2B5EF4-FFF2-40B4-BE49-F238E27FC236}">
-                <a16:creationId xmlns:a16="http://schemas.microsoft.com/office/drawing/2014/main" id="{54923B95-D975-3CD1-ED0E-F7040D9D8509}"/>
-              </a:ext>
-            </a:extLst>
-          </p:cNvPr>
-          <p:cNvSpPr txBox="1"/>
-          <p:nvPr/>
-        </p:nvSpPr>
-        <p:spPr>
-          <a:xfrm>
-            <a:off x="816864" y="1965877"/>
-            <a:ext cx="10944000" cy="769441"/>
-          </a:xfrm>
-          <a:prstGeom prst="rect">
-            <a:avLst/>
-          </a:prstGeom>
-          <a:noFill/>
-        </p:spPr>
-        <p:txBody>
-          <a:bodyPr wrap="square">
-            <a:spAutoFit/>
-          </a:bodyPr>
-          <a:lstStyle/>
-          <a:p>
-            <a:r>
-              <a:rPr lang="fr-FR" sz="4400" dirty="0"/>
-              <a:t>Le concept ETL </a:t>
-            </a:r>
-          </a:p>
-        </p:txBody>
-      </p:sp>
-      <p:sp>
-        <p:nvSpPr>
           <p:cNvPr id="11" name="ZoneTexte 10">
             <a:extLst>
               <a:ext uri="{FF2B5EF4-FFF2-40B4-BE49-F238E27FC236}">
@@ -11820,7 +10585,7 @@
         </p:nvSpPr>
         <p:spPr>
           <a:xfrm>
-            <a:off x="816864" y="2838808"/>
+            <a:off x="939606" y="2034136"/>
             <a:ext cx="10944000" cy="769441"/>
           </a:xfrm>
           <a:prstGeom prst="rect">
@@ -11855,7 +10620,7 @@
         </p:nvSpPr>
         <p:spPr>
           <a:xfrm>
-            <a:off x="816864" y="3711740"/>
+            <a:off x="939606" y="2907068"/>
             <a:ext cx="10944000" cy="1446550"/>
           </a:xfrm>
           <a:prstGeom prst="rect">
@@ -11890,7 +10655,7 @@
         </p:nvSpPr>
         <p:spPr>
           <a:xfrm>
-            <a:off x="816864" y="5158290"/>
+            <a:off x="939606" y="4353618"/>
             <a:ext cx="10944000" cy="769441"/>
           </a:xfrm>
           <a:prstGeom prst="rect">
@@ -11967,7 +10732,7 @@
                                           </p:stCondLst>
                                         </p:cTn>
                                         <p:tgtEl>
-                                          <p:spTgt spid="9"/>
+                                          <p:spTgt spid="11"/>
                                         </p:tgtEl>
                                         <p:attrNameLst>
                                           <p:attrName>style.visibility</p:attrName>
@@ -11981,7 +10746,7 @@
                                       <p:cBhvr>
                                         <p:cTn id="7" dur="1000"/>
                                         <p:tgtEl>
-                                          <p:spTgt spid="9"/>
+                                          <p:spTgt spid="11"/>
                                         </p:tgtEl>
                                       </p:cBhvr>
                                     </p:animEffect>
@@ -11989,7 +10754,7 @@
                                       <p:cBhvr>
                                         <p:cTn id="8" dur="1000" fill="hold"/>
                                         <p:tgtEl>
-                                          <p:spTgt spid="9"/>
+                                          <p:spTgt spid="11"/>
                                         </p:tgtEl>
                                         <p:attrNameLst>
                                           <p:attrName>ppt_x</p:attrName>
@@ -12012,7 +10777,7 @@
                                       <p:cBhvr>
                                         <p:cTn id="9" dur="1000" fill="hold"/>
                                         <p:tgtEl>
-                                          <p:spTgt spid="9"/>
+                                          <p:spTgt spid="11"/>
                                         </p:tgtEl>
                                         <p:attrNameLst>
                                           <p:attrName>ppt_y</p:attrName>
@@ -12066,7 +10831,7 @@
                                           </p:stCondLst>
                                         </p:cTn>
                                         <p:tgtEl>
-                                          <p:spTgt spid="11"/>
+                                          <p:spTgt spid="13"/>
                                         </p:tgtEl>
                                         <p:attrNameLst>
                                           <p:attrName>style.visibility</p:attrName>
@@ -12080,7 +10845,7 @@
                                       <p:cBhvr>
                                         <p:cTn id="14" dur="1000"/>
                                         <p:tgtEl>
-                                          <p:spTgt spid="11"/>
+                                          <p:spTgt spid="13"/>
                                         </p:tgtEl>
                                       </p:cBhvr>
                                     </p:animEffect>
@@ -12088,7 +10853,7 @@
                                       <p:cBhvr>
                                         <p:cTn id="15" dur="1000" fill="hold"/>
                                         <p:tgtEl>
-                                          <p:spTgt spid="11"/>
+                                          <p:spTgt spid="13"/>
                                         </p:tgtEl>
                                         <p:attrNameLst>
                                           <p:attrName>ppt_x</p:attrName>
@@ -12111,7 +10876,7 @@
                                       <p:cBhvr>
                                         <p:cTn id="16" dur="1000" fill="hold"/>
                                         <p:tgtEl>
-                                          <p:spTgt spid="11"/>
+                                          <p:spTgt spid="13"/>
                                         </p:tgtEl>
                                         <p:attrNameLst>
                                           <p:attrName>ppt_y</p:attrName>
@@ -12165,7 +10930,7 @@
                                           </p:stCondLst>
                                         </p:cTn>
                                         <p:tgtEl>
-                                          <p:spTgt spid="13"/>
+                                          <p:spTgt spid="15"/>
                                         </p:tgtEl>
                                         <p:attrNameLst>
                                           <p:attrName>style.visibility</p:attrName>
@@ -12179,112 +10944,13 @@
                                       <p:cBhvr>
                                         <p:cTn id="21" dur="1000"/>
                                         <p:tgtEl>
-                                          <p:spTgt spid="13"/>
+                                          <p:spTgt spid="15"/>
                                         </p:tgtEl>
                                       </p:cBhvr>
                                     </p:animEffect>
                                     <p:anim calcmode="lin" valueType="num">
                                       <p:cBhvr>
                                         <p:cTn id="22" dur="1000" fill="hold"/>
-                                        <p:tgtEl>
-                                          <p:spTgt spid="13"/>
-                                        </p:tgtEl>
-                                        <p:attrNameLst>
-                                          <p:attrName>ppt_x</p:attrName>
-                                        </p:attrNameLst>
-                                      </p:cBhvr>
-                                      <p:tavLst>
-                                        <p:tav tm="0">
-                                          <p:val>
-                                            <p:strVal val="#ppt_x"/>
-                                          </p:val>
-                                        </p:tav>
-                                        <p:tav tm="100000">
-                                          <p:val>
-                                            <p:strVal val="#ppt_x"/>
-                                          </p:val>
-                                        </p:tav>
-                                      </p:tavLst>
-                                    </p:anim>
-                                    <p:anim calcmode="lin" valueType="num">
-                                      <p:cBhvr>
-                                        <p:cTn id="23" dur="1000" fill="hold"/>
-                                        <p:tgtEl>
-                                          <p:spTgt spid="13"/>
-                                        </p:tgtEl>
-                                        <p:attrNameLst>
-                                          <p:attrName>ppt_y</p:attrName>
-                                        </p:attrNameLst>
-                                      </p:cBhvr>
-                                      <p:tavLst>
-                                        <p:tav tm="0">
-                                          <p:val>
-                                            <p:strVal val="#ppt_y+.1"/>
-                                          </p:val>
-                                        </p:tav>
-                                        <p:tav tm="100000">
-                                          <p:val>
-                                            <p:strVal val="#ppt_y"/>
-                                          </p:val>
-                                        </p:tav>
-                                      </p:tavLst>
-                                    </p:anim>
-                                  </p:childTnLst>
-                                </p:cTn>
-                              </p:par>
-                            </p:childTnLst>
-                          </p:cTn>
-                        </p:par>
-                      </p:childTnLst>
-                    </p:cTn>
-                  </p:par>
-                  <p:par>
-                    <p:cTn id="24" fill="hold">
-                      <p:stCondLst>
-                        <p:cond delay="indefinite"/>
-                      </p:stCondLst>
-                      <p:childTnLst>
-                        <p:par>
-                          <p:cTn id="25" fill="hold">
-                            <p:stCondLst>
-                              <p:cond delay="0"/>
-                            </p:stCondLst>
-                            <p:childTnLst>
-                              <p:par>
-                                <p:cTn id="26" presetID="42" presetClass="entr" presetSubtype="0" fill="hold" grpId="0" nodeType="clickEffect">
-                                  <p:stCondLst>
-                                    <p:cond delay="0"/>
-                                  </p:stCondLst>
-                                  <p:childTnLst>
-                                    <p:set>
-                                      <p:cBhvr>
-                                        <p:cTn id="27" dur="1" fill="hold">
-                                          <p:stCondLst>
-                                            <p:cond delay="0"/>
-                                          </p:stCondLst>
-                                        </p:cTn>
-                                        <p:tgtEl>
-                                          <p:spTgt spid="15"/>
-                                        </p:tgtEl>
-                                        <p:attrNameLst>
-                                          <p:attrName>style.visibility</p:attrName>
-                                        </p:attrNameLst>
-                                      </p:cBhvr>
-                                      <p:to>
-                                        <p:strVal val="visible"/>
-                                      </p:to>
-                                    </p:set>
-                                    <p:animEffect transition="in" filter="fade">
-                                      <p:cBhvr>
-                                        <p:cTn id="28" dur="1000"/>
-                                        <p:tgtEl>
-                                          <p:spTgt spid="15"/>
-                                        </p:tgtEl>
-                                      </p:cBhvr>
-                                    </p:animEffect>
-                                    <p:anim calcmode="lin" valueType="num">
-                                      <p:cBhvr>
-                                        <p:cTn id="29" dur="1000" fill="hold"/>
                                         <p:tgtEl>
                                           <p:spTgt spid="15"/>
                                         </p:tgtEl>
@@ -12307,7 +10973,7 @@
                                     </p:anim>
                                     <p:anim calcmode="lin" valueType="num">
                                       <p:cBhvr>
-                                        <p:cTn id="30" dur="1000" fill="hold"/>
+                                        <p:cTn id="23" dur="1000" fill="hold"/>
                                         <p:tgtEl>
                                           <p:spTgt spid="15"/>
                                         </p:tgtEl>
@@ -12359,7 +11025,6 @@
       </p:par>
     </p:tnLst>
     <p:bldLst>
-      <p:bldP spid="9" grpId="0"/>
       <p:bldP spid="11" grpId="0"/>
       <p:bldP spid="13" grpId="0"/>
       <p:bldP spid="15" grpId="0"/>
@@ -12390,7 +11055,7 @@
           <p:cNvPr id="2" name="Titre 1">
             <a:extLst>
               <a:ext uri="{FF2B5EF4-FFF2-40B4-BE49-F238E27FC236}">
-                <a16:creationId xmlns:a16="http://schemas.microsoft.com/office/drawing/2014/main" id="{C836E98F-B3F4-BA94-2435-6A8A2BD50DCE}"/>
+                <a16:creationId xmlns:a16="http://schemas.microsoft.com/office/drawing/2014/main" id="{71120504-B261-0C43-4FD0-432FA92AEF45}"/>
               </a:ext>
             </a:extLst>
           </p:cNvPr>
@@ -12403,22 +11068,99 @@
         </p:nvSpPr>
         <p:spPr/>
         <p:txBody>
-          <a:bodyPr/>
-          <a:lstStyle/>
-          <a:p>
-            <a:r>
-              <a:rPr lang="fr-FR" dirty="0"/>
-              <a:t>Approche du projet : MCD</a:t>
-            </a:r>
-          </a:p>
-        </p:txBody>
-      </p:sp>
-      <p:sp>
-        <p:nvSpPr>
-          <p:cNvPr id="3" name="Espace réservé du numéro de diapositive 2">
+          <a:bodyPr>
+            <a:normAutofit/>
+          </a:bodyPr>
+          <a:lstStyle/>
+          <a:p>
+            <a:r>
+              <a:rPr lang="fr-FR" sz="6600" dirty="0"/>
+              <a:t>Conclusions</a:t>
+            </a:r>
+          </a:p>
+        </p:txBody>
+      </p:sp>
+      <p:sp>
+        <p:nvSpPr>
+          <p:cNvPr id="5" name="Espace réservé du contenu 4">
             <a:extLst>
               <a:ext uri="{FF2B5EF4-FFF2-40B4-BE49-F238E27FC236}">
-                <a16:creationId xmlns:a16="http://schemas.microsoft.com/office/drawing/2014/main" id="{0940972F-D324-CE9F-E611-35C4B7BF11C3}"/>
+                <a16:creationId xmlns:a16="http://schemas.microsoft.com/office/drawing/2014/main" id="{CED1EA07-B5EA-9B31-75C3-9219B5F0EAC2}"/>
+              </a:ext>
+            </a:extLst>
+          </p:cNvPr>
+          <p:cNvSpPr>
+            <a:spLocks noGrp="1"/>
+          </p:cNvSpPr>
+          <p:nvPr>
+            <p:ph idx="1"/>
+          </p:nvPr>
+        </p:nvSpPr>
+        <p:spPr>
+          <a:xfrm>
+            <a:off x="680321" y="2336873"/>
+            <a:ext cx="10500823" cy="3599316"/>
+          </a:xfrm>
+        </p:spPr>
+        <p:txBody>
+          <a:bodyPr>
+            <a:normAutofit/>
+          </a:bodyPr>
+          <a:lstStyle/>
+          <a:p>
+            <a:r>
+              <a:rPr lang="fr-FR" sz="3600" dirty="0"/>
+              <a:t>Enrichissants, </a:t>
+            </a:r>
+          </a:p>
+          <a:p>
+            <a:r>
+              <a:rPr lang="fr-FR" sz="3600" dirty="0"/>
+              <a:t>Gap de compétences entre début de projet et fin de projet </a:t>
+            </a:r>
+          </a:p>
+          <a:p>
+            <a:r>
+              <a:rPr lang="fr-FR" sz="3600" dirty="0"/>
+              <a:t>Amélioration du </a:t>
+            </a:r>
+            <a:r>
+              <a:rPr lang="fr-FR" sz="3600" dirty="0" err="1"/>
+              <a:t>framework</a:t>
+            </a:r>
+            <a:r>
+              <a:rPr lang="fr-FR" sz="3600" dirty="0"/>
+              <a:t> </a:t>
+            </a:r>
+            <a:r>
+              <a:rPr lang="fr-FR" sz="3600" dirty="0" err="1"/>
+              <a:t>django</a:t>
+            </a:r>
+            <a:r>
+              <a:rPr lang="fr-FR" sz="3600" dirty="0"/>
+              <a:t> </a:t>
+            </a:r>
+          </a:p>
+          <a:p>
+            <a:r>
+              <a:rPr lang="fr-FR" sz="3600" dirty="0"/>
+              <a:t>Courbe d’apprentissage amélioré</a:t>
+            </a:r>
+          </a:p>
+          <a:p>
+            <a:r>
+              <a:rPr lang="fr-FR" sz="3600" dirty="0"/>
+              <a:t>Acquisition de nouveaux méthodes de travail</a:t>
+            </a:r>
+          </a:p>
+        </p:txBody>
+      </p:sp>
+      <p:sp>
+        <p:nvSpPr>
+          <p:cNvPr id="4" name="Espace réservé du numéro de diapositive 3">
+            <a:extLst>
+              <a:ext uri="{FF2B5EF4-FFF2-40B4-BE49-F238E27FC236}">
+                <a16:creationId xmlns:a16="http://schemas.microsoft.com/office/drawing/2014/main" id="{9D6E4F52-4571-B0B1-0200-C446D793B12E}"/>
               </a:ext>
             </a:extLst>
           </p:cNvPr>
@@ -12442,45 +11184,10 @@
           </a:p>
         </p:txBody>
       </p:sp>
-      <p:pic>
-        <p:nvPicPr>
-          <p:cNvPr id="5" name="Image 4">
-            <a:extLst>
-              <a:ext uri="{FF2B5EF4-FFF2-40B4-BE49-F238E27FC236}">
-                <a16:creationId xmlns:a16="http://schemas.microsoft.com/office/drawing/2014/main" id="{3579991D-A505-D9DE-0EC7-079E76442214}"/>
-              </a:ext>
-            </a:extLst>
-          </p:cNvPr>
-          <p:cNvPicPr>
-            <a:picLocks noChangeAspect="1"/>
-          </p:cNvPicPr>
-          <p:nvPr/>
-        </p:nvPicPr>
-        <p:blipFill rotWithShape="1">
-          <a:blip r:embed="rId2">
-            <a:extLst>
-              <a:ext uri="{28A0092B-C50C-407E-A947-70E740481C1C}">
-                <a14:useLocalDpi xmlns:a14="http://schemas.microsoft.com/office/drawing/2010/main" val="0"/>
-              </a:ext>
-            </a:extLst>
-          </a:blip>
-          <a:srcRect l="24399" t="22705" r="-855" b="1"/>
-          <a:stretch/>
-        </p:blipFill>
-        <p:spPr>
-          <a:xfrm>
-            <a:off x="1435261" y="1990845"/>
-            <a:ext cx="9321478" cy="4433103"/>
-          </a:xfrm>
-          <a:prstGeom prst="rect">
-            <a:avLst/>
-          </a:prstGeom>
-        </p:spPr>
-      </p:pic>
     </p:spTree>
     <p:extLst>
       <p:ext uri="{BB962C8B-B14F-4D97-AF65-F5344CB8AC3E}">
-        <p14:creationId xmlns:p14="http://schemas.microsoft.com/office/powerpoint/2010/main" val="4160417261"/>
+        <p14:creationId xmlns:p14="http://schemas.microsoft.com/office/powerpoint/2010/main" val="2860292162"/>
       </p:ext>
     </p:extLst>
   </p:cSld>
@@ -12509,548 +11216,6 @@
       </p:grpSpPr>
       <p:sp>
         <p:nvSpPr>
-          <p:cNvPr id="2" name="Titre 1">
-            <a:extLst>
-              <a:ext uri="{FF2B5EF4-FFF2-40B4-BE49-F238E27FC236}">
-                <a16:creationId xmlns:a16="http://schemas.microsoft.com/office/drawing/2014/main" id="{F1DE9FCE-9A2D-A597-8282-FDDFE16B1BD3}"/>
-              </a:ext>
-            </a:extLst>
-          </p:cNvPr>
-          <p:cNvSpPr>
-            <a:spLocks noGrp="1"/>
-          </p:cNvSpPr>
-          <p:nvPr>
-            <p:ph type="title"/>
-          </p:nvPr>
-        </p:nvSpPr>
-        <p:spPr>
-          <a:xfrm>
-            <a:off x="680321" y="370981"/>
-            <a:ext cx="9613861" cy="1080938"/>
-          </a:xfrm>
-        </p:spPr>
-        <p:txBody>
-          <a:bodyPr/>
-          <a:lstStyle/>
-          <a:p>
-            <a:r>
-              <a:rPr lang="fr-FR" dirty="0"/>
-              <a:t>Approche du projet : MPD </a:t>
-            </a:r>
-          </a:p>
-        </p:txBody>
-      </p:sp>
-      <p:sp>
-        <p:nvSpPr>
-          <p:cNvPr id="3" name="Espace réservé du numéro de diapositive 2">
-            <a:extLst>
-              <a:ext uri="{FF2B5EF4-FFF2-40B4-BE49-F238E27FC236}">
-                <a16:creationId xmlns:a16="http://schemas.microsoft.com/office/drawing/2014/main" id="{889D2AAE-D43C-2E23-AE22-0C0CC40FC819}"/>
-              </a:ext>
-            </a:extLst>
-          </p:cNvPr>
-          <p:cNvSpPr>
-            <a:spLocks noGrp="1"/>
-          </p:cNvSpPr>
-          <p:nvPr>
-            <p:ph type="sldNum" sz="quarter" idx="12"/>
-          </p:nvPr>
-        </p:nvSpPr>
-        <p:spPr/>
-        <p:txBody>
-          <a:bodyPr/>
-          <a:lstStyle/>
-          <a:p>
-            <a:fld id="{88FE7EFB-6DB8-4D46-9CAF-8E19AD46CF5F}" type="slidenum">
-              <a:rPr lang="fr-FR" smtClean="0"/>
-              <a:t>21</a:t>
-            </a:fld>
-            <a:endParaRPr lang="fr-FR"/>
-          </a:p>
-        </p:txBody>
-      </p:sp>
-      <p:pic>
-        <p:nvPicPr>
-          <p:cNvPr id="5" name="Image 4">
-            <a:extLst>
-              <a:ext uri="{FF2B5EF4-FFF2-40B4-BE49-F238E27FC236}">
-                <a16:creationId xmlns:a16="http://schemas.microsoft.com/office/drawing/2014/main" id="{A9B3957D-74DA-CE91-9DC6-71D1A18BD40B}"/>
-              </a:ext>
-            </a:extLst>
-          </p:cNvPr>
-          <p:cNvPicPr>
-            <a:picLocks noChangeAspect="1"/>
-          </p:cNvPicPr>
-          <p:nvPr/>
-        </p:nvPicPr>
-        <p:blipFill>
-          <a:blip r:embed="rId2"/>
-          <a:stretch>
-            <a:fillRect/>
-          </a:stretch>
-        </p:blipFill>
-        <p:spPr>
-          <a:xfrm>
-            <a:off x="1115593" y="1173253"/>
-            <a:ext cx="9613862" cy="5406954"/>
-          </a:xfrm>
-          <a:prstGeom prst="rect">
-            <a:avLst/>
-          </a:prstGeom>
-        </p:spPr>
-      </p:pic>
-    </p:spTree>
-    <p:extLst>
-      <p:ext uri="{BB962C8B-B14F-4D97-AF65-F5344CB8AC3E}">
-        <p14:creationId xmlns:p14="http://schemas.microsoft.com/office/powerpoint/2010/main" val="1145310734"/>
-      </p:ext>
-    </p:extLst>
-  </p:cSld>
-  <p:clrMapOvr>
-    <a:masterClrMapping/>
-  </p:clrMapOvr>
-</p:sld>
-</file>
-
-<file path=ppt/slides/slide22.xml><?xml version="1.0" encoding="utf-8"?>
-<p:sld xmlns:a="http://schemas.openxmlformats.org/drawingml/2006/main" xmlns:r="http://schemas.openxmlformats.org/officeDocument/2006/relationships" xmlns:p="http://schemas.openxmlformats.org/presentationml/2006/main">
-  <p:cSld>
-    <p:spTree>
-      <p:nvGrpSpPr>
-        <p:cNvPr id="1" name=""/>
-        <p:cNvGrpSpPr/>
-        <p:nvPr/>
-      </p:nvGrpSpPr>
-      <p:grpSpPr>
-        <a:xfrm>
-          <a:off x="0" y="0"/>
-          <a:ext cx="0" cy="0"/>
-          <a:chOff x="0" y="0"/>
-          <a:chExt cx="0" cy="0"/>
-        </a:xfrm>
-      </p:grpSpPr>
-      <p:sp>
-        <p:nvSpPr>
-          <p:cNvPr id="2" name="Titre 1">
-            <a:extLst>
-              <a:ext uri="{FF2B5EF4-FFF2-40B4-BE49-F238E27FC236}">
-                <a16:creationId xmlns:a16="http://schemas.microsoft.com/office/drawing/2014/main" id="{71120504-B261-0C43-4FD0-432FA92AEF45}"/>
-              </a:ext>
-            </a:extLst>
-          </p:cNvPr>
-          <p:cNvSpPr>
-            <a:spLocks noGrp="1"/>
-          </p:cNvSpPr>
-          <p:nvPr>
-            <p:ph type="title"/>
-          </p:nvPr>
-        </p:nvSpPr>
-        <p:spPr/>
-        <p:txBody>
-          <a:bodyPr>
-            <a:normAutofit/>
-          </a:bodyPr>
-          <a:lstStyle/>
-          <a:p>
-            <a:r>
-              <a:rPr lang="fr-FR" sz="6600" dirty="0"/>
-              <a:t>Démonstration</a:t>
-            </a:r>
-          </a:p>
-        </p:txBody>
-      </p:sp>
-      <p:sp>
-        <p:nvSpPr>
-          <p:cNvPr id="3" name="Espace réservé du texte 2">
-            <a:extLst>
-              <a:ext uri="{FF2B5EF4-FFF2-40B4-BE49-F238E27FC236}">
-                <a16:creationId xmlns:a16="http://schemas.microsoft.com/office/drawing/2014/main" id="{DCFFACA6-E351-268C-55D1-2B267522AEAB}"/>
-              </a:ext>
-            </a:extLst>
-          </p:cNvPr>
-          <p:cNvSpPr>
-            <a:spLocks noGrp="1"/>
-          </p:cNvSpPr>
-          <p:nvPr>
-            <p:ph type="body" idx="1"/>
-          </p:nvPr>
-        </p:nvSpPr>
-        <p:spPr/>
-        <p:txBody>
-          <a:bodyPr/>
-          <a:lstStyle/>
-          <a:p>
-            <a:endParaRPr lang="fr-FR"/>
-          </a:p>
-        </p:txBody>
-      </p:sp>
-      <p:sp>
-        <p:nvSpPr>
-          <p:cNvPr id="4" name="Espace réservé du numéro de diapositive 3">
-            <a:extLst>
-              <a:ext uri="{FF2B5EF4-FFF2-40B4-BE49-F238E27FC236}">
-                <a16:creationId xmlns:a16="http://schemas.microsoft.com/office/drawing/2014/main" id="{9D6E4F52-4571-B0B1-0200-C446D793B12E}"/>
-              </a:ext>
-            </a:extLst>
-          </p:cNvPr>
-          <p:cNvSpPr>
-            <a:spLocks noGrp="1"/>
-          </p:cNvSpPr>
-          <p:nvPr>
-            <p:ph type="sldNum" sz="quarter" idx="12"/>
-          </p:nvPr>
-        </p:nvSpPr>
-        <p:spPr/>
-        <p:txBody>
-          <a:bodyPr/>
-          <a:lstStyle/>
-          <a:p>
-            <a:fld id="{88FE7EFB-6DB8-4D46-9CAF-8E19AD46CF5F}" type="slidenum">
-              <a:rPr lang="fr-FR" smtClean="0"/>
-              <a:t>22</a:t>
-            </a:fld>
-            <a:endParaRPr lang="fr-FR"/>
-          </a:p>
-        </p:txBody>
-      </p:sp>
-    </p:spTree>
-    <p:extLst>
-      <p:ext uri="{BB962C8B-B14F-4D97-AF65-F5344CB8AC3E}">
-        <p14:creationId xmlns:p14="http://schemas.microsoft.com/office/powerpoint/2010/main" val="472039518"/>
-      </p:ext>
-    </p:extLst>
-  </p:cSld>
-  <p:clrMapOvr>
-    <a:masterClrMapping/>
-  </p:clrMapOvr>
-</p:sld>
-</file>
-
-<file path=ppt/slides/slide23.xml><?xml version="1.0" encoding="utf-8"?>
-<p:sld xmlns:a="http://schemas.openxmlformats.org/drawingml/2006/main" xmlns:r="http://schemas.openxmlformats.org/officeDocument/2006/relationships" xmlns:p="http://schemas.openxmlformats.org/presentationml/2006/main">
-  <p:cSld>
-    <p:spTree>
-      <p:nvGrpSpPr>
-        <p:cNvPr id="1" name=""/>
-        <p:cNvGrpSpPr/>
-        <p:nvPr/>
-      </p:nvGrpSpPr>
-      <p:grpSpPr>
-        <a:xfrm>
-          <a:off x="0" y="0"/>
-          <a:ext cx="0" cy="0"/>
-          <a:chOff x="0" y="0"/>
-          <a:chExt cx="0" cy="0"/>
-        </a:xfrm>
-      </p:grpSpPr>
-      <p:sp>
-        <p:nvSpPr>
-          <p:cNvPr id="2" name="Titre 1">
-            <a:extLst>
-              <a:ext uri="{FF2B5EF4-FFF2-40B4-BE49-F238E27FC236}">
-                <a16:creationId xmlns:a16="http://schemas.microsoft.com/office/drawing/2014/main" id="{71120504-B261-0C43-4FD0-432FA92AEF45}"/>
-              </a:ext>
-            </a:extLst>
-          </p:cNvPr>
-          <p:cNvSpPr>
-            <a:spLocks noGrp="1"/>
-          </p:cNvSpPr>
-          <p:nvPr>
-            <p:ph type="title"/>
-          </p:nvPr>
-        </p:nvSpPr>
-        <p:spPr/>
-        <p:txBody>
-          <a:bodyPr>
-            <a:normAutofit/>
-          </a:bodyPr>
-          <a:lstStyle/>
-          <a:p>
-            <a:r>
-              <a:rPr lang="fr-FR" sz="6600" dirty="0"/>
-              <a:t>Liste des améliorations</a:t>
-            </a:r>
-          </a:p>
-        </p:txBody>
-      </p:sp>
-      <p:sp>
-        <p:nvSpPr>
-          <p:cNvPr id="5" name="Espace réservé du contenu 4">
-            <a:extLst>
-              <a:ext uri="{FF2B5EF4-FFF2-40B4-BE49-F238E27FC236}">
-                <a16:creationId xmlns:a16="http://schemas.microsoft.com/office/drawing/2014/main" id="{CED1EA07-B5EA-9B31-75C3-9219B5F0EAC2}"/>
-              </a:ext>
-            </a:extLst>
-          </p:cNvPr>
-          <p:cNvSpPr>
-            <a:spLocks noGrp="1"/>
-          </p:cNvSpPr>
-          <p:nvPr>
-            <p:ph idx="1"/>
-          </p:nvPr>
-        </p:nvSpPr>
-        <p:spPr>
-          <a:xfrm>
-            <a:off x="680321" y="2336873"/>
-            <a:ext cx="10500823" cy="3599316"/>
-          </a:xfrm>
-        </p:spPr>
-        <p:txBody>
-          <a:bodyPr>
-            <a:normAutofit/>
-          </a:bodyPr>
-          <a:lstStyle/>
-          <a:p>
-            <a:r>
-              <a:rPr lang="fr-FR" sz="3600" dirty="0"/>
-              <a:t>Lier la base de donnée pour créer des graphiques</a:t>
-            </a:r>
-          </a:p>
-          <a:p>
-            <a:r>
-              <a:rPr lang="fr-FR" sz="3600" dirty="0"/>
-              <a:t>Améliorer l’interface globale </a:t>
-            </a:r>
-          </a:p>
-          <a:p>
-            <a:r>
-              <a:rPr lang="fr-FR" sz="3600" dirty="0"/>
-              <a:t>Permettre la mise en BDD en manuelle </a:t>
-            </a:r>
-          </a:p>
-          <a:p>
-            <a:r>
-              <a:rPr lang="fr-FR" sz="3600" dirty="0"/>
-              <a:t>Perfectionner les filtres </a:t>
-            </a:r>
-          </a:p>
-        </p:txBody>
-      </p:sp>
-      <p:sp>
-        <p:nvSpPr>
-          <p:cNvPr id="4" name="Espace réservé du numéro de diapositive 3">
-            <a:extLst>
-              <a:ext uri="{FF2B5EF4-FFF2-40B4-BE49-F238E27FC236}">
-                <a16:creationId xmlns:a16="http://schemas.microsoft.com/office/drawing/2014/main" id="{9D6E4F52-4571-B0B1-0200-C446D793B12E}"/>
-              </a:ext>
-            </a:extLst>
-          </p:cNvPr>
-          <p:cNvSpPr>
-            <a:spLocks noGrp="1"/>
-          </p:cNvSpPr>
-          <p:nvPr>
-            <p:ph type="sldNum" sz="quarter" idx="12"/>
-          </p:nvPr>
-        </p:nvSpPr>
-        <p:spPr/>
-        <p:txBody>
-          <a:bodyPr/>
-          <a:lstStyle/>
-          <a:p>
-            <a:fld id="{88FE7EFB-6DB8-4D46-9CAF-8E19AD46CF5F}" type="slidenum">
-              <a:rPr lang="fr-FR" smtClean="0"/>
-              <a:t>23</a:t>
-            </a:fld>
-            <a:endParaRPr lang="fr-FR"/>
-          </a:p>
-        </p:txBody>
-      </p:sp>
-    </p:spTree>
-    <p:extLst>
-      <p:ext uri="{BB962C8B-B14F-4D97-AF65-F5344CB8AC3E}">
-        <p14:creationId xmlns:p14="http://schemas.microsoft.com/office/powerpoint/2010/main" val="1362375213"/>
-      </p:ext>
-    </p:extLst>
-  </p:cSld>
-  <p:clrMapOvr>
-    <a:masterClrMapping/>
-  </p:clrMapOvr>
-</p:sld>
-</file>
-
-<file path=ppt/slides/slide24.xml><?xml version="1.0" encoding="utf-8"?>
-<p:sld xmlns:a="http://schemas.openxmlformats.org/drawingml/2006/main" xmlns:r="http://schemas.openxmlformats.org/officeDocument/2006/relationships" xmlns:p="http://schemas.openxmlformats.org/presentationml/2006/main">
-  <p:cSld>
-    <p:spTree>
-      <p:nvGrpSpPr>
-        <p:cNvPr id="1" name=""/>
-        <p:cNvGrpSpPr/>
-        <p:nvPr/>
-      </p:nvGrpSpPr>
-      <p:grpSpPr>
-        <a:xfrm>
-          <a:off x="0" y="0"/>
-          <a:ext cx="0" cy="0"/>
-          <a:chOff x="0" y="0"/>
-          <a:chExt cx="0" cy="0"/>
-        </a:xfrm>
-      </p:grpSpPr>
-      <p:sp>
-        <p:nvSpPr>
-          <p:cNvPr id="2" name="Titre 1">
-            <a:extLst>
-              <a:ext uri="{FF2B5EF4-FFF2-40B4-BE49-F238E27FC236}">
-                <a16:creationId xmlns:a16="http://schemas.microsoft.com/office/drawing/2014/main" id="{71120504-B261-0C43-4FD0-432FA92AEF45}"/>
-              </a:ext>
-            </a:extLst>
-          </p:cNvPr>
-          <p:cNvSpPr>
-            <a:spLocks noGrp="1"/>
-          </p:cNvSpPr>
-          <p:nvPr>
-            <p:ph type="title"/>
-          </p:nvPr>
-        </p:nvSpPr>
-        <p:spPr/>
-        <p:txBody>
-          <a:bodyPr>
-            <a:normAutofit/>
-          </a:bodyPr>
-          <a:lstStyle/>
-          <a:p>
-            <a:r>
-              <a:rPr lang="fr-FR" sz="6600" dirty="0"/>
-              <a:t>Conclusions</a:t>
-            </a:r>
-          </a:p>
-        </p:txBody>
-      </p:sp>
-      <p:sp>
-        <p:nvSpPr>
-          <p:cNvPr id="5" name="Espace réservé du contenu 4">
-            <a:extLst>
-              <a:ext uri="{FF2B5EF4-FFF2-40B4-BE49-F238E27FC236}">
-                <a16:creationId xmlns:a16="http://schemas.microsoft.com/office/drawing/2014/main" id="{CED1EA07-B5EA-9B31-75C3-9219B5F0EAC2}"/>
-              </a:ext>
-            </a:extLst>
-          </p:cNvPr>
-          <p:cNvSpPr>
-            <a:spLocks noGrp="1"/>
-          </p:cNvSpPr>
-          <p:nvPr>
-            <p:ph idx="1"/>
-          </p:nvPr>
-        </p:nvSpPr>
-        <p:spPr>
-          <a:xfrm>
-            <a:off x="680321" y="2336873"/>
-            <a:ext cx="10500823" cy="3599316"/>
-          </a:xfrm>
-        </p:spPr>
-        <p:txBody>
-          <a:bodyPr>
-            <a:normAutofit/>
-          </a:bodyPr>
-          <a:lstStyle/>
-          <a:p>
-            <a:r>
-              <a:rPr lang="fr-FR" sz="3600" dirty="0"/>
-              <a:t>Enrichissants, </a:t>
-            </a:r>
-          </a:p>
-          <a:p>
-            <a:r>
-              <a:rPr lang="fr-FR" sz="3600" dirty="0"/>
-              <a:t>Gap de compétences entre début de projet et fin de projet </a:t>
-            </a:r>
-          </a:p>
-          <a:p>
-            <a:r>
-              <a:rPr lang="fr-FR" sz="3600" dirty="0"/>
-              <a:t>Amélioration du </a:t>
-            </a:r>
-            <a:r>
-              <a:rPr lang="fr-FR" sz="3600" dirty="0" err="1"/>
-              <a:t>framework</a:t>
-            </a:r>
-            <a:r>
-              <a:rPr lang="fr-FR" sz="3600" dirty="0"/>
-              <a:t> </a:t>
-            </a:r>
-            <a:r>
-              <a:rPr lang="fr-FR" sz="3600" dirty="0" err="1"/>
-              <a:t>django</a:t>
-            </a:r>
-            <a:r>
-              <a:rPr lang="fr-FR" sz="3600" dirty="0"/>
-              <a:t> </a:t>
-            </a:r>
-          </a:p>
-          <a:p>
-            <a:r>
-              <a:rPr lang="fr-FR" sz="3600" dirty="0"/>
-              <a:t>Courbe d’apprentissage amélioré</a:t>
-            </a:r>
-          </a:p>
-          <a:p>
-            <a:r>
-              <a:rPr lang="fr-FR" sz="3600" dirty="0"/>
-              <a:t>Acquisition de nouveaux méthodes de travail</a:t>
-            </a:r>
-          </a:p>
-        </p:txBody>
-      </p:sp>
-      <p:sp>
-        <p:nvSpPr>
-          <p:cNvPr id="4" name="Espace réservé du numéro de diapositive 3">
-            <a:extLst>
-              <a:ext uri="{FF2B5EF4-FFF2-40B4-BE49-F238E27FC236}">
-                <a16:creationId xmlns:a16="http://schemas.microsoft.com/office/drawing/2014/main" id="{9D6E4F52-4571-B0B1-0200-C446D793B12E}"/>
-              </a:ext>
-            </a:extLst>
-          </p:cNvPr>
-          <p:cNvSpPr>
-            <a:spLocks noGrp="1"/>
-          </p:cNvSpPr>
-          <p:nvPr>
-            <p:ph type="sldNum" sz="quarter" idx="12"/>
-          </p:nvPr>
-        </p:nvSpPr>
-        <p:spPr/>
-        <p:txBody>
-          <a:bodyPr/>
-          <a:lstStyle/>
-          <a:p>
-            <a:fld id="{88FE7EFB-6DB8-4D46-9CAF-8E19AD46CF5F}" type="slidenum">
-              <a:rPr lang="fr-FR" smtClean="0"/>
-              <a:t>24</a:t>
-            </a:fld>
-            <a:endParaRPr lang="fr-FR"/>
-          </a:p>
-        </p:txBody>
-      </p:sp>
-    </p:spTree>
-    <p:extLst>
-      <p:ext uri="{BB962C8B-B14F-4D97-AF65-F5344CB8AC3E}">
-        <p14:creationId xmlns:p14="http://schemas.microsoft.com/office/powerpoint/2010/main" val="2860292162"/>
-      </p:ext>
-    </p:extLst>
-  </p:cSld>
-  <p:clrMapOvr>
-    <a:masterClrMapping/>
-  </p:clrMapOvr>
-</p:sld>
-</file>
-
-<file path=ppt/slides/slide25.xml><?xml version="1.0" encoding="utf-8"?>
-<p:sld xmlns:a="http://schemas.openxmlformats.org/drawingml/2006/main" xmlns:r="http://schemas.openxmlformats.org/officeDocument/2006/relationships" xmlns:p="http://schemas.openxmlformats.org/presentationml/2006/main">
-  <p:cSld>
-    <p:spTree>
-      <p:nvGrpSpPr>
-        <p:cNvPr id="1" name=""/>
-        <p:cNvGrpSpPr/>
-        <p:nvPr/>
-      </p:nvGrpSpPr>
-      <p:grpSpPr>
-        <a:xfrm>
-          <a:off x="0" y="0"/>
-          <a:ext cx="0" cy="0"/>
-          <a:chOff x="0" y="0"/>
-          <a:chExt cx="0" cy="0"/>
-        </a:xfrm>
-      </p:grpSpPr>
-      <p:sp>
-        <p:nvSpPr>
           <p:cNvPr id="2" name="Espace réservé du numéro de diapositive 1">
             <a:extLst>
               <a:ext uri="{FF2B5EF4-FFF2-40B4-BE49-F238E27FC236}">
@@ -13072,7 +11237,7 @@
           <a:p>
             <a:fld id="{88FE7EFB-6DB8-4D46-9CAF-8E19AD46CF5F}" type="slidenum">
               <a:rPr lang="fr-FR" smtClean="0"/>
-              <a:t>25</a:t>
+              <a:t>21</a:t>
             </a:fld>
             <a:endParaRPr lang="fr-FR"/>
           </a:p>
@@ -13151,1548 +11316,6 @@
           <p:cNvPr id="2" name="Titre 1">
             <a:extLst>
               <a:ext uri="{FF2B5EF4-FFF2-40B4-BE49-F238E27FC236}">
-                <a16:creationId xmlns:a16="http://schemas.microsoft.com/office/drawing/2014/main" id="{8409277F-58F7-0FC3-7DD2-8FF04129329F}"/>
-              </a:ext>
-            </a:extLst>
-          </p:cNvPr>
-          <p:cNvSpPr>
-            <a:spLocks noGrp="1"/>
-          </p:cNvSpPr>
-          <p:nvPr>
-            <p:ph type="title"/>
-          </p:nvPr>
-        </p:nvSpPr>
-        <p:spPr/>
-        <p:txBody>
-          <a:bodyPr/>
-          <a:lstStyle/>
-          <a:p>
-            <a:r>
-              <a:rPr lang="fr-FR" dirty="0"/>
-              <a:t>Principe d’un ETL </a:t>
-            </a:r>
-          </a:p>
-        </p:txBody>
-      </p:sp>
-      <p:sp>
-        <p:nvSpPr>
-          <p:cNvPr id="4" name="Espace réservé du numéro de diapositive 3">
-            <a:extLst>
-              <a:ext uri="{FF2B5EF4-FFF2-40B4-BE49-F238E27FC236}">
-                <a16:creationId xmlns:a16="http://schemas.microsoft.com/office/drawing/2014/main" id="{69A29549-FF65-056B-D496-AD34A060B26F}"/>
-              </a:ext>
-            </a:extLst>
-          </p:cNvPr>
-          <p:cNvSpPr>
-            <a:spLocks noGrp="1"/>
-          </p:cNvSpPr>
-          <p:nvPr>
-            <p:ph type="sldNum" sz="quarter" idx="12"/>
-          </p:nvPr>
-        </p:nvSpPr>
-        <p:spPr/>
-        <p:txBody>
-          <a:bodyPr/>
-          <a:lstStyle/>
-          <a:p>
-            <a:fld id="{88FE7EFB-6DB8-4D46-9CAF-8E19AD46CF5F}" type="slidenum">
-              <a:rPr lang="fr-FR" smtClean="0"/>
-              <a:t>3</a:t>
-            </a:fld>
-            <a:endParaRPr lang="fr-FR"/>
-          </a:p>
-        </p:txBody>
-      </p:sp>
-      <p:sp>
-        <p:nvSpPr>
-          <p:cNvPr id="3" name="Espace réservé du contenu 2">
-            <a:extLst>
-              <a:ext uri="{FF2B5EF4-FFF2-40B4-BE49-F238E27FC236}">
-                <a16:creationId xmlns:a16="http://schemas.microsoft.com/office/drawing/2014/main" id="{F89C44C8-63CF-949F-8F7C-C6226B6761E7}"/>
-              </a:ext>
-            </a:extLst>
-          </p:cNvPr>
-          <p:cNvSpPr>
-            <a:spLocks noGrp="1"/>
-          </p:cNvSpPr>
-          <p:nvPr>
-            <p:ph idx="1"/>
-          </p:nvPr>
-        </p:nvSpPr>
-        <p:spPr/>
-        <p:txBody>
-          <a:bodyPr/>
-          <a:lstStyle/>
-          <a:p>
-            <a:endParaRPr lang="fr-FR"/>
-          </a:p>
-        </p:txBody>
-      </p:sp>
-      <p:pic>
-        <p:nvPicPr>
-          <p:cNvPr id="6" name="Picture 2" descr="What is ETL? (Extract Transform Load) | Informatica">
-            <a:extLst>
-              <a:ext uri="{FF2B5EF4-FFF2-40B4-BE49-F238E27FC236}">
-                <a16:creationId xmlns:a16="http://schemas.microsoft.com/office/drawing/2014/main" id="{1F8C6496-36F8-7E68-AF5E-9168A490CB0D}"/>
-              </a:ext>
-            </a:extLst>
-          </p:cNvPr>
-          <p:cNvPicPr>
-            <a:picLocks noChangeAspect="1" noChangeArrowheads="1"/>
-          </p:cNvPicPr>
-          <p:nvPr/>
-        </p:nvPicPr>
-        <p:blipFill>
-          <a:blip r:embed="rId3">
-            <a:extLst>
-              <a:ext uri="{28A0092B-C50C-407E-A947-70E740481C1C}">
-                <a14:useLocalDpi xmlns:a14="http://schemas.microsoft.com/office/drawing/2010/main" val="0"/>
-              </a:ext>
-            </a:extLst>
-          </a:blip>
-          <a:srcRect/>
-          <a:stretch>
-            <a:fillRect/>
-          </a:stretch>
-        </p:blipFill>
-        <p:spPr bwMode="auto">
-          <a:xfrm>
-            <a:off x="1160989" y="1844016"/>
-            <a:ext cx="9870021" cy="4844792"/>
-          </a:xfrm>
-          <a:prstGeom prst="rect">
-            <a:avLst/>
-          </a:prstGeom>
-          <a:noFill/>
-          <a:extLst>
-            <a:ext uri="{909E8E84-426E-40DD-AFC4-6F175D3DCCD1}">
-              <a14:hiddenFill xmlns:a14="http://schemas.microsoft.com/office/drawing/2010/main">
-                <a:solidFill>
-                  <a:srgbClr val="FFFFFF"/>
-                </a:solidFill>
-              </a14:hiddenFill>
-            </a:ext>
-          </a:extLst>
-        </p:spPr>
-      </p:pic>
-    </p:spTree>
-    <p:extLst>
-      <p:ext uri="{BB962C8B-B14F-4D97-AF65-F5344CB8AC3E}">
-        <p14:creationId xmlns:p14="http://schemas.microsoft.com/office/powerpoint/2010/main" val="3173080129"/>
-      </p:ext>
-    </p:extLst>
-  </p:cSld>
-  <p:clrMapOvr>
-    <a:masterClrMapping/>
-  </p:clrMapOvr>
-  <mc:AlternateContent xmlns:mc="http://schemas.openxmlformats.org/markup-compatibility/2006">
-    <mc:Choice xmlns:p159="http://schemas.microsoft.com/office/powerpoint/2015/09/main" Requires="p159">
-      <p:transition xmlns:p14="http://schemas.microsoft.com/office/powerpoint/2010/main" spd="slow" p14:dur="2000">
-        <p159:morph option="byObject"/>
-      </p:transition>
-    </mc:Choice>
-    <mc:Fallback>
-      <p:transition spd="slow">
-        <p:fade/>
-      </p:transition>
-    </mc:Fallback>
-  </mc:AlternateContent>
-</p:sld>
-</file>
-
-<file path=ppt/slides/slide4.xml><?xml version="1.0" encoding="utf-8"?>
-<p:sld xmlns:a="http://schemas.openxmlformats.org/drawingml/2006/main" xmlns:r="http://schemas.openxmlformats.org/officeDocument/2006/relationships" xmlns:p="http://schemas.openxmlformats.org/presentationml/2006/main">
-  <p:cSld>
-    <p:spTree>
-      <p:nvGrpSpPr>
-        <p:cNvPr id="1" name=""/>
-        <p:cNvGrpSpPr/>
-        <p:nvPr/>
-      </p:nvGrpSpPr>
-      <p:grpSpPr>
-        <a:xfrm>
-          <a:off x="0" y="0"/>
-          <a:ext cx="0" cy="0"/>
-          <a:chOff x="0" y="0"/>
-          <a:chExt cx="0" cy="0"/>
-        </a:xfrm>
-      </p:grpSpPr>
-      <p:sp>
-        <p:nvSpPr>
-          <p:cNvPr id="2" name="Titre 1">
-            <a:extLst>
-              <a:ext uri="{FF2B5EF4-FFF2-40B4-BE49-F238E27FC236}">
-                <a16:creationId xmlns:a16="http://schemas.microsoft.com/office/drawing/2014/main" id="{4A7D28F8-E21D-75FC-049B-56E9581FADB9}"/>
-              </a:ext>
-            </a:extLst>
-          </p:cNvPr>
-          <p:cNvSpPr>
-            <a:spLocks noGrp="1"/>
-          </p:cNvSpPr>
-          <p:nvPr>
-            <p:ph type="title"/>
-          </p:nvPr>
-        </p:nvSpPr>
-        <p:spPr/>
-        <p:txBody>
-          <a:bodyPr/>
-          <a:lstStyle/>
-          <a:p>
-            <a:r>
-              <a:rPr lang="fr-FR" dirty="0" err="1"/>
-              <a:t>Extract</a:t>
-            </a:r>
-            <a:endParaRPr lang="fr-FR" dirty="0"/>
-          </a:p>
-        </p:txBody>
-      </p:sp>
-      <p:sp>
-        <p:nvSpPr>
-          <p:cNvPr id="4" name="Espace réservé du numéro de diapositive 3">
-            <a:extLst>
-              <a:ext uri="{FF2B5EF4-FFF2-40B4-BE49-F238E27FC236}">
-                <a16:creationId xmlns:a16="http://schemas.microsoft.com/office/drawing/2014/main" id="{7AB60960-906E-ABA4-5F64-273DFAA0804B}"/>
-              </a:ext>
-            </a:extLst>
-          </p:cNvPr>
-          <p:cNvSpPr>
-            <a:spLocks noGrp="1"/>
-          </p:cNvSpPr>
-          <p:nvPr>
-            <p:ph type="sldNum" sz="quarter" idx="12"/>
-          </p:nvPr>
-        </p:nvSpPr>
-        <p:spPr/>
-        <p:txBody>
-          <a:bodyPr/>
-          <a:lstStyle/>
-          <a:p>
-            <a:fld id="{88FE7EFB-6DB8-4D46-9CAF-8E19AD46CF5F}" type="slidenum">
-              <a:rPr lang="fr-FR" smtClean="0"/>
-              <a:t>4</a:t>
-            </a:fld>
-            <a:endParaRPr lang="fr-FR"/>
-          </a:p>
-        </p:txBody>
-      </p:sp>
-      <p:pic>
-        <p:nvPicPr>
-          <p:cNvPr id="1026" name="Picture 2" descr="What is ETL? (Extract Transform Load) | Informatica">
-            <a:extLst>
-              <a:ext uri="{FF2B5EF4-FFF2-40B4-BE49-F238E27FC236}">
-                <a16:creationId xmlns:a16="http://schemas.microsoft.com/office/drawing/2014/main" id="{14E495F6-1980-6492-7542-BC0C39CA19CD}"/>
-              </a:ext>
-            </a:extLst>
-          </p:cNvPr>
-          <p:cNvPicPr>
-            <a:picLocks noGrp="1" noChangeAspect="1" noChangeArrowheads="1"/>
-          </p:cNvPicPr>
-          <p:nvPr>
-            <p:ph idx="1"/>
-          </p:nvPr>
-        </p:nvPicPr>
-        <p:blipFill rotWithShape="1">
-          <a:blip r:embed="rId3">
-            <a:extLst>
-              <a:ext uri="{28A0092B-C50C-407E-A947-70E740481C1C}">
-                <a14:useLocalDpi xmlns:a14="http://schemas.microsoft.com/office/drawing/2010/main" val="0"/>
-              </a:ext>
-            </a:extLst>
-          </a:blip>
-          <a:srcRect l="2825" t="28069" r="72098" b="19169"/>
-          <a:stretch/>
-        </p:blipFill>
-        <p:spPr bwMode="auto">
-          <a:xfrm>
-            <a:off x="4009696" y="2060027"/>
-            <a:ext cx="4172608" cy="4309242"/>
-          </a:xfrm>
-          <a:prstGeom prst="rect">
-            <a:avLst/>
-          </a:prstGeom>
-          <a:noFill/>
-          <a:extLst>
-            <a:ext uri="{909E8E84-426E-40DD-AFC4-6F175D3DCCD1}">
-              <a14:hiddenFill xmlns:a14="http://schemas.microsoft.com/office/drawing/2010/main">
-                <a:solidFill>
-                  <a:srgbClr val="FFFFFF"/>
-                </a:solidFill>
-              </a14:hiddenFill>
-            </a:ext>
-          </a:extLst>
-        </p:spPr>
-      </p:pic>
-      <p:sp>
-        <p:nvSpPr>
-          <p:cNvPr id="5" name="ZoneTexte 4">
-            <a:extLst>
-              <a:ext uri="{FF2B5EF4-FFF2-40B4-BE49-F238E27FC236}">
-                <a16:creationId xmlns:a16="http://schemas.microsoft.com/office/drawing/2014/main" id="{4607C58E-046C-A40D-D012-7127ACF12D5A}"/>
-              </a:ext>
-            </a:extLst>
-          </p:cNvPr>
-          <p:cNvSpPr txBox="1"/>
-          <p:nvPr/>
-        </p:nvSpPr>
-        <p:spPr>
-          <a:xfrm>
-            <a:off x="564496" y="2440481"/>
-            <a:ext cx="3221119" cy="830997"/>
-          </a:xfrm>
-          <a:prstGeom prst="rect">
-            <a:avLst/>
-          </a:prstGeom>
-          <a:noFill/>
-        </p:spPr>
-        <p:txBody>
-          <a:bodyPr wrap="square" rtlCol="0">
-            <a:spAutoFit/>
-          </a:bodyPr>
-          <a:lstStyle/>
-          <a:p>
-            <a:r>
-              <a:rPr lang="fr-FR" sz="2400" b="0" i="0" dirty="0">
-                <a:effectLst/>
-                <a:latin typeface="Source Sans Pro" panose="020B0503030403020204" pitchFamily="34" charset="0"/>
-              </a:rPr>
-              <a:t>Bases de données existantes</a:t>
-            </a:r>
-          </a:p>
-        </p:txBody>
-      </p:sp>
-      <p:sp>
-        <p:nvSpPr>
-          <p:cNvPr id="6" name="ZoneTexte 5">
-            <a:extLst>
-              <a:ext uri="{FF2B5EF4-FFF2-40B4-BE49-F238E27FC236}">
-                <a16:creationId xmlns:a16="http://schemas.microsoft.com/office/drawing/2014/main" id="{346866EA-708B-7BC9-50AD-C5481F9E008B}"/>
-              </a:ext>
-            </a:extLst>
-          </p:cNvPr>
-          <p:cNvSpPr txBox="1"/>
-          <p:nvPr/>
-        </p:nvSpPr>
-        <p:spPr>
-          <a:xfrm>
-            <a:off x="564497" y="3877794"/>
-            <a:ext cx="3221119" cy="1200329"/>
-          </a:xfrm>
-          <a:prstGeom prst="rect">
-            <a:avLst/>
-          </a:prstGeom>
-          <a:noFill/>
-        </p:spPr>
-        <p:txBody>
-          <a:bodyPr wrap="square" rtlCol="0">
-            <a:spAutoFit/>
-          </a:bodyPr>
-          <a:lstStyle/>
-          <a:p>
-            <a:pPr algn="l"/>
-            <a:r>
-              <a:rPr lang="fr-FR" sz="2400" b="0" i="0" dirty="0">
-                <a:effectLst/>
-                <a:latin typeface="Source Sans Pro" panose="020B0503030403020204" pitchFamily="34" charset="0"/>
-              </a:rPr>
-              <a:t>Logs d'activité (trafic réseau, rapports d'erreurs, etc.)</a:t>
-            </a:r>
-          </a:p>
-        </p:txBody>
-      </p:sp>
-      <p:sp>
-        <p:nvSpPr>
-          <p:cNvPr id="8" name="ZoneTexte 7">
-            <a:extLst>
-              <a:ext uri="{FF2B5EF4-FFF2-40B4-BE49-F238E27FC236}">
-                <a16:creationId xmlns:a16="http://schemas.microsoft.com/office/drawing/2014/main" id="{1B22CC72-9DAB-11FF-3F1D-1372ED3FA7E2}"/>
-              </a:ext>
-            </a:extLst>
-          </p:cNvPr>
-          <p:cNvSpPr txBox="1"/>
-          <p:nvPr/>
-        </p:nvSpPr>
-        <p:spPr>
-          <a:xfrm>
-            <a:off x="8406384" y="2213590"/>
-            <a:ext cx="3419927" cy="1569660"/>
-          </a:xfrm>
-          <a:prstGeom prst="rect">
-            <a:avLst/>
-          </a:prstGeom>
-          <a:noFill/>
-        </p:spPr>
-        <p:txBody>
-          <a:bodyPr wrap="square">
-            <a:spAutoFit/>
-          </a:bodyPr>
-          <a:lstStyle/>
-          <a:p>
-            <a:pPr algn="l"/>
-            <a:r>
-              <a:rPr lang="fr-FR" sz="2400" b="0" i="0" dirty="0">
-                <a:effectLst/>
-                <a:latin typeface="Source Sans Pro" panose="020B0503030403020204" pitchFamily="34" charset="0"/>
-              </a:rPr>
-              <a:t>Comportement, performances et anomalies des applications</a:t>
-            </a:r>
-          </a:p>
-        </p:txBody>
-      </p:sp>
-      <p:sp>
-        <p:nvSpPr>
-          <p:cNvPr id="10" name="ZoneTexte 9">
-            <a:extLst>
-              <a:ext uri="{FF2B5EF4-FFF2-40B4-BE49-F238E27FC236}">
-                <a16:creationId xmlns:a16="http://schemas.microsoft.com/office/drawing/2014/main" id="{46BBD410-17A9-215B-11CC-805EF30596BB}"/>
-              </a:ext>
-            </a:extLst>
-          </p:cNvPr>
-          <p:cNvSpPr txBox="1"/>
-          <p:nvPr/>
-        </p:nvSpPr>
-        <p:spPr>
-          <a:xfrm>
-            <a:off x="8406384" y="4162674"/>
-            <a:ext cx="2710289" cy="830997"/>
-          </a:xfrm>
-          <a:prstGeom prst="rect">
-            <a:avLst/>
-          </a:prstGeom>
-          <a:noFill/>
-        </p:spPr>
-        <p:txBody>
-          <a:bodyPr wrap="square">
-            <a:spAutoFit/>
-          </a:bodyPr>
-          <a:lstStyle/>
-          <a:p>
-            <a:pPr algn="l"/>
-            <a:r>
-              <a:rPr lang="fr-FR" sz="2400" b="0" i="0" dirty="0">
-                <a:effectLst/>
-                <a:latin typeface="Source Sans Pro" panose="020B0503030403020204" pitchFamily="34" charset="0"/>
-              </a:rPr>
-              <a:t>Événements de sécurité</a:t>
-            </a:r>
-          </a:p>
-        </p:txBody>
-      </p:sp>
-      <p:sp>
-        <p:nvSpPr>
-          <p:cNvPr id="12" name="ZoneTexte 11">
-            <a:extLst>
-              <a:ext uri="{FF2B5EF4-FFF2-40B4-BE49-F238E27FC236}">
-                <a16:creationId xmlns:a16="http://schemas.microsoft.com/office/drawing/2014/main" id="{A86F8769-DEA9-EF79-A9A8-6DD8C85CB58F}"/>
-              </a:ext>
-            </a:extLst>
-          </p:cNvPr>
-          <p:cNvSpPr txBox="1"/>
-          <p:nvPr/>
-        </p:nvSpPr>
-        <p:spPr>
-          <a:xfrm>
-            <a:off x="8406384" y="5168940"/>
-            <a:ext cx="3593046" cy="1200329"/>
-          </a:xfrm>
-          <a:prstGeom prst="rect">
-            <a:avLst/>
-          </a:prstGeom>
-          <a:noFill/>
-        </p:spPr>
-        <p:txBody>
-          <a:bodyPr wrap="square">
-            <a:spAutoFit/>
-          </a:bodyPr>
-          <a:lstStyle/>
-          <a:p>
-            <a:pPr algn="l"/>
-            <a:r>
-              <a:rPr lang="fr-FR" sz="2400" b="0" i="0" dirty="0">
-                <a:effectLst/>
-                <a:latin typeface="Source Sans Pro" panose="020B0503030403020204" pitchFamily="34" charset="0"/>
-              </a:rPr>
-              <a:t>Autres opérations qui doivent être décrites aux fins de conformité</a:t>
-            </a:r>
-          </a:p>
-        </p:txBody>
-      </p:sp>
-    </p:spTree>
-    <p:extLst>
-      <p:ext uri="{BB962C8B-B14F-4D97-AF65-F5344CB8AC3E}">
-        <p14:creationId xmlns:p14="http://schemas.microsoft.com/office/powerpoint/2010/main" val="342061685"/>
-      </p:ext>
-    </p:extLst>
-  </p:cSld>
-  <p:clrMapOvr>
-    <a:masterClrMapping/>
-  </p:clrMapOvr>
-  <mc:AlternateContent xmlns:mc="http://schemas.openxmlformats.org/markup-compatibility/2006">
-    <mc:Choice xmlns:p159="http://schemas.microsoft.com/office/powerpoint/2015/09/main" Requires="p159">
-      <p:transition xmlns:p14="http://schemas.microsoft.com/office/powerpoint/2010/main" spd="slow" p14:dur="2000">
-        <p159:morph option="byObject"/>
-      </p:transition>
-    </mc:Choice>
-    <mc:Fallback>
-      <p:transition spd="slow">
-        <p:fade/>
-      </p:transition>
-    </mc:Fallback>
-  </mc:AlternateContent>
-  <p:timing>
-    <p:tnLst>
-      <p:par>
-        <p:cTn id="1" dur="indefinite" restart="never" nodeType="tmRoot">
-          <p:childTnLst>
-            <p:seq concurrent="1" nextAc="seek">
-              <p:cTn id="2" dur="indefinite" nodeType="mainSeq">
-                <p:childTnLst>
-                  <p:par>
-                    <p:cTn id="3" fill="hold">
-                      <p:stCondLst>
-                        <p:cond delay="indefinite"/>
-                      </p:stCondLst>
-                      <p:childTnLst>
-                        <p:par>
-                          <p:cTn id="4" fill="hold">
-                            <p:stCondLst>
-                              <p:cond delay="0"/>
-                            </p:stCondLst>
-                            <p:childTnLst>
-                              <p:par>
-                                <p:cTn id="5" presetID="1" presetClass="entr" presetSubtype="0" fill="hold" grpId="0" nodeType="clickEffect">
-                                  <p:stCondLst>
-                                    <p:cond delay="0"/>
-                                  </p:stCondLst>
-                                  <p:childTnLst>
-                                    <p:set>
-                                      <p:cBhvr>
-                                        <p:cTn id="6" dur="1" fill="hold">
-                                          <p:stCondLst>
-                                            <p:cond delay="0"/>
-                                          </p:stCondLst>
-                                        </p:cTn>
-                                        <p:tgtEl>
-                                          <p:spTgt spid="5"/>
-                                        </p:tgtEl>
-                                        <p:attrNameLst>
-                                          <p:attrName>style.visibility</p:attrName>
-                                        </p:attrNameLst>
-                                      </p:cBhvr>
-                                      <p:to>
-                                        <p:strVal val="visible"/>
-                                      </p:to>
-                                    </p:set>
-                                  </p:childTnLst>
-                                </p:cTn>
-                              </p:par>
-                            </p:childTnLst>
-                          </p:cTn>
-                        </p:par>
-                      </p:childTnLst>
-                    </p:cTn>
-                  </p:par>
-                  <p:par>
-                    <p:cTn id="7" fill="hold">
-                      <p:stCondLst>
-                        <p:cond delay="indefinite"/>
-                      </p:stCondLst>
-                      <p:childTnLst>
-                        <p:par>
-                          <p:cTn id="8" fill="hold">
-                            <p:stCondLst>
-                              <p:cond delay="0"/>
-                            </p:stCondLst>
-                            <p:childTnLst>
-                              <p:par>
-                                <p:cTn id="9" presetID="1" presetClass="entr" presetSubtype="0" fill="hold" grpId="0" nodeType="clickEffect">
-                                  <p:stCondLst>
-                                    <p:cond delay="0"/>
-                                  </p:stCondLst>
-                                  <p:childTnLst>
-                                    <p:set>
-                                      <p:cBhvr>
-                                        <p:cTn id="10" dur="1" fill="hold">
-                                          <p:stCondLst>
-                                            <p:cond delay="0"/>
-                                          </p:stCondLst>
-                                        </p:cTn>
-                                        <p:tgtEl>
-                                          <p:spTgt spid="6"/>
-                                        </p:tgtEl>
-                                        <p:attrNameLst>
-                                          <p:attrName>style.visibility</p:attrName>
-                                        </p:attrNameLst>
-                                      </p:cBhvr>
-                                      <p:to>
-                                        <p:strVal val="visible"/>
-                                      </p:to>
-                                    </p:set>
-                                  </p:childTnLst>
-                                </p:cTn>
-                              </p:par>
-                            </p:childTnLst>
-                          </p:cTn>
-                        </p:par>
-                      </p:childTnLst>
-                    </p:cTn>
-                  </p:par>
-                  <p:par>
-                    <p:cTn id="11" fill="hold">
-                      <p:stCondLst>
-                        <p:cond delay="indefinite"/>
-                      </p:stCondLst>
-                      <p:childTnLst>
-                        <p:par>
-                          <p:cTn id="12" fill="hold">
-                            <p:stCondLst>
-                              <p:cond delay="0"/>
-                            </p:stCondLst>
-                            <p:childTnLst>
-                              <p:par>
-                                <p:cTn id="13" presetID="1" presetClass="entr" presetSubtype="0" fill="hold" grpId="0" nodeType="clickEffect">
-                                  <p:stCondLst>
-                                    <p:cond delay="0"/>
-                                  </p:stCondLst>
-                                  <p:childTnLst>
-                                    <p:set>
-                                      <p:cBhvr>
-                                        <p:cTn id="14" dur="1" fill="hold">
-                                          <p:stCondLst>
-                                            <p:cond delay="0"/>
-                                          </p:stCondLst>
-                                        </p:cTn>
-                                        <p:tgtEl>
-                                          <p:spTgt spid="8"/>
-                                        </p:tgtEl>
-                                        <p:attrNameLst>
-                                          <p:attrName>style.visibility</p:attrName>
-                                        </p:attrNameLst>
-                                      </p:cBhvr>
-                                      <p:to>
-                                        <p:strVal val="visible"/>
-                                      </p:to>
-                                    </p:set>
-                                  </p:childTnLst>
-                                </p:cTn>
-                              </p:par>
-                            </p:childTnLst>
-                          </p:cTn>
-                        </p:par>
-                      </p:childTnLst>
-                    </p:cTn>
-                  </p:par>
-                  <p:par>
-                    <p:cTn id="15" fill="hold">
-                      <p:stCondLst>
-                        <p:cond delay="indefinite"/>
-                      </p:stCondLst>
-                      <p:childTnLst>
-                        <p:par>
-                          <p:cTn id="16" fill="hold">
-                            <p:stCondLst>
-                              <p:cond delay="0"/>
-                            </p:stCondLst>
-                            <p:childTnLst>
-                              <p:par>
-                                <p:cTn id="17" presetID="1" presetClass="entr" presetSubtype="0" fill="hold" grpId="0" nodeType="clickEffect">
-                                  <p:stCondLst>
-                                    <p:cond delay="0"/>
-                                  </p:stCondLst>
-                                  <p:childTnLst>
-                                    <p:set>
-                                      <p:cBhvr>
-                                        <p:cTn id="18" dur="1" fill="hold">
-                                          <p:stCondLst>
-                                            <p:cond delay="0"/>
-                                          </p:stCondLst>
-                                        </p:cTn>
-                                        <p:tgtEl>
-                                          <p:spTgt spid="10"/>
-                                        </p:tgtEl>
-                                        <p:attrNameLst>
-                                          <p:attrName>style.visibility</p:attrName>
-                                        </p:attrNameLst>
-                                      </p:cBhvr>
-                                      <p:to>
-                                        <p:strVal val="visible"/>
-                                      </p:to>
-                                    </p:set>
-                                  </p:childTnLst>
-                                </p:cTn>
-                              </p:par>
-                            </p:childTnLst>
-                          </p:cTn>
-                        </p:par>
-                      </p:childTnLst>
-                    </p:cTn>
-                  </p:par>
-                  <p:par>
-                    <p:cTn id="19" fill="hold">
-                      <p:stCondLst>
-                        <p:cond delay="indefinite"/>
-                      </p:stCondLst>
-                      <p:childTnLst>
-                        <p:par>
-                          <p:cTn id="20" fill="hold">
-                            <p:stCondLst>
-                              <p:cond delay="0"/>
-                            </p:stCondLst>
-                            <p:childTnLst>
-                              <p:par>
-                                <p:cTn id="21" presetID="1" presetClass="entr" presetSubtype="0" fill="hold" grpId="0" nodeType="clickEffect">
-                                  <p:stCondLst>
-                                    <p:cond delay="0"/>
-                                  </p:stCondLst>
-                                  <p:childTnLst>
-                                    <p:set>
-                                      <p:cBhvr>
-                                        <p:cTn id="22" dur="1" fill="hold">
-                                          <p:stCondLst>
-                                            <p:cond delay="0"/>
-                                          </p:stCondLst>
-                                        </p:cTn>
-                                        <p:tgtEl>
-                                          <p:spTgt spid="12"/>
-                                        </p:tgtEl>
-                                        <p:attrNameLst>
-                                          <p:attrName>style.visibility</p:attrName>
-                                        </p:attrNameLst>
-                                      </p:cBhvr>
-                                      <p:to>
-                                        <p:strVal val="visible"/>
-                                      </p:to>
-                                    </p:set>
-                                  </p:childTnLst>
-                                </p:cTn>
-                              </p:par>
-                            </p:childTnLst>
-                          </p:cTn>
-                        </p:par>
-                      </p:childTnLst>
-                    </p:cTn>
-                  </p:par>
-                </p:childTnLst>
-              </p:cTn>
-              <p:prevCondLst>
-                <p:cond evt="onPrev" delay="0">
-                  <p:tgtEl>
-                    <p:sldTgt/>
-                  </p:tgtEl>
-                </p:cond>
-              </p:prevCondLst>
-              <p:nextCondLst>
-                <p:cond evt="onNext" delay="0">
-                  <p:tgtEl>
-                    <p:sldTgt/>
-                  </p:tgtEl>
-                </p:cond>
-              </p:nextCondLst>
-            </p:seq>
-          </p:childTnLst>
-        </p:cTn>
-      </p:par>
-    </p:tnLst>
-    <p:bldLst>
-      <p:bldP spid="5" grpId="0"/>
-      <p:bldP spid="6" grpId="0"/>
-      <p:bldP spid="8" grpId="0"/>
-      <p:bldP spid="10" grpId="0"/>
-      <p:bldP spid="12" grpId="0"/>
-    </p:bldLst>
-  </p:timing>
-</p:sld>
-</file>
-
-<file path=ppt/slides/slide5.xml><?xml version="1.0" encoding="utf-8"?>
-<p:sld xmlns:a="http://schemas.openxmlformats.org/drawingml/2006/main" xmlns:r="http://schemas.openxmlformats.org/officeDocument/2006/relationships" xmlns:p="http://schemas.openxmlformats.org/presentationml/2006/main">
-  <p:cSld>
-    <p:spTree>
-      <p:nvGrpSpPr>
-        <p:cNvPr id="1" name=""/>
-        <p:cNvGrpSpPr/>
-        <p:nvPr/>
-      </p:nvGrpSpPr>
-      <p:grpSpPr>
-        <a:xfrm>
-          <a:off x="0" y="0"/>
-          <a:ext cx="0" cy="0"/>
-          <a:chOff x="0" y="0"/>
-          <a:chExt cx="0" cy="0"/>
-        </a:xfrm>
-      </p:grpSpPr>
-      <p:sp>
-        <p:nvSpPr>
-          <p:cNvPr id="2" name="Titre 1">
-            <a:extLst>
-              <a:ext uri="{FF2B5EF4-FFF2-40B4-BE49-F238E27FC236}">
-                <a16:creationId xmlns:a16="http://schemas.microsoft.com/office/drawing/2014/main" id="{4A7D28F8-E21D-75FC-049B-56E9581FADB9}"/>
-              </a:ext>
-            </a:extLst>
-          </p:cNvPr>
-          <p:cNvSpPr>
-            <a:spLocks noGrp="1"/>
-          </p:cNvSpPr>
-          <p:nvPr>
-            <p:ph type="title"/>
-          </p:nvPr>
-        </p:nvSpPr>
-        <p:spPr/>
-        <p:txBody>
-          <a:bodyPr/>
-          <a:lstStyle/>
-          <a:p>
-            <a:r>
-              <a:rPr lang="fr-FR" dirty="0" err="1"/>
-              <a:t>Transform</a:t>
-            </a:r>
-            <a:endParaRPr lang="fr-FR" dirty="0"/>
-          </a:p>
-        </p:txBody>
-      </p:sp>
-      <p:sp>
-        <p:nvSpPr>
-          <p:cNvPr id="4" name="Espace réservé du numéro de diapositive 3">
-            <a:extLst>
-              <a:ext uri="{FF2B5EF4-FFF2-40B4-BE49-F238E27FC236}">
-                <a16:creationId xmlns:a16="http://schemas.microsoft.com/office/drawing/2014/main" id="{7AB60960-906E-ABA4-5F64-273DFAA0804B}"/>
-              </a:ext>
-            </a:extLst>
-          </p:cNvPr>
-          <p:cNvSpPr>
-            <a:spLocks noGrp="1"/>
-          </p:cNvSpPr>
-          <p:nvPr>
-            <p:ph type="sldNum" sz="quarter" idx="12"/>
-          </p:nvPr>
-        </p:nvSpPr>
-        <p:spPr/>
-        <p:txBody>
-          <a:bodyPr/>
-          <a:lstStyle/>
-          <a:p>
-            <a:fld id="{88FE7EFB-6DB8-4D46-9CAF-8E19AD46CF5F}" type="slidenum">
-              <a:rPr lang="fr-FR" smtClean="0"/>
-              <a:t>5</a:t>
-            </a:fld>
-            <a:endParaRPr lang="fr-FR"/>
-          </a:p>
-        </p:txBody>
-      </p:sp>
-      <p:pic>
-        <p:nvPicPr>
-          <p:cNvPr id="5" name="Picture 2" descr="What is ETL? (Extract Transform Load) | Informatica">
-            <a:extLst>
-              <a:ext uri="{FF2B5EF4-FFF2-40B4-BE49-F238E27FC236}">
-                <a16:creationId xmlns:a16="http://schemas.microsoft.com/office/drawing/2014/main" id="{473B6B44-E3C1-F0FD-16B6-85896FA67252}"/>
-              </a:ext>
-            </a:extLst>
-          </p:cNvPr>
-          <p:cNvPicPr>
-            <a:picLocks noGrp="1" noChangeAspect="1" noChangeArrowheads="1"/>
-          </p:cNvPicPr>
-          <p:nvPr>
-            <p:ph idx="1"/>
-          </p:nvPr>
-        </p:nvPicPr>
-        <p:blipFill rotWithShape="1">
-          <a:blip r:embed="rId3">
-            <a:extLst>
-              <a:ext uri="{28A0092B-C50C-407E-A947-70E740481C1C}">
-                <a14:useLocalDpi xmlns:a14="http://schemas.microsoft.com/office/drawing/2010/main" val="0"/>
-              </a:ext>
-            </a:extLst>
-          </a:blip>
-          <a:srcRect l="35213" t="25311" r="37407" b="19493"/>
-          <a:stretch/>
-        </p:blipFill>
-        <p:spPr bwMode="auto">
-          <a:xfrm>
-            <a:off x="3741681" y="1986456"/>
-            <a:ext cx="4876801" cy="4825734"/>
-          </a:xfrm>
-          <a:prstGeom prst="rect">
-            <a:avLst/>
-          </a:prstGeom>
-          <a:noFill/>
-          <a:extLst>
-            <a:ext uri="{909E8E84-426E-40DD-AFC4-6F175D3DCCD1}">
-              <a14:hiddenFill xmlns:a14="http://schemas.microsoft.com/office/drawing/2010/main">
-                <a:solidFill>
-                  <a:srgbClr val="FFFFFF"/>
-                </a:solidFill>
-              </a14:hiddenFill>
-            </a:ext>
-          </a:extLst>
-        </p:spPr>
-      </p:pic>
-      <p:sp>
-        <p:nvSpPr>
-          <p:cNvPr id="7" name="ZoneTexte 6">
-            <a:extLst>
-              <a:ext uri="{FF2B5EF4-FFF2-40B4-BE49-F238E27FC236}">
-                <a16:creationId xmlns:a16="http://schemas.microsoft.com/office/drawing/2014/main" id="{3ECB6443-7230-EFBE-17CB-7C38B324FA7F}"/>
-              </a:ext>
-            </a:extLst>
-          </p:cNvPr>
-          <p:cNvSpPr txBox="1"/>
-          <p:nvPr/>
-        </p:nvSpPr>
-        <p:spPr>
-          <a:xfrm>
-            <a:off x="438281" y="2474893"/>
-            <a:ext cx="3086276" cy="523220"/>
-          </a:xfrm>
-          <a:prstGeom prst="rect">
-            <a:avLst/>
-          </a:prstGeom>
-          <a:noFill/>
-        </p:spPr>
-        <p:txBody>
-          <a:bodyPr wrap="square">
-            <a:spAutoFit/>
-          </a:bodyPr>
-          <a:lstStyle/>
-          <a:p>
-            <a:r>
-              <a:rPr lang="fr-FR" sz="2800" b="1" i="0" dirty="0">
-                <a:effectLst/>
-                <a:latin typeface="Source Sans Pro" panose="020B0503030403020204" pitchFamily="34" charset="0"/>
-              </a:rPr>
-              <a:t>Standardisation</a:t>
-            </a:r>
-            <a:endParaRPr lang="fr-FR" sz="2800" dirty="0"/>
-          </a:p>
-        </p:txBody>
-      </p:sp>
-      <p:sp>
-        <p:nvSpPr>
-          <p:cNvPr id="9" name="ZoneTexte 8">
-            <a:extLst>
-              <a:ext uri="{FF2B5EF4-FFF2-40B4-BE49-F238E27FC236}">
-                <a16:creationId xmlns:a16="http://schemas.microsoft.com/office/drawing/2014/main" id="{6BEEA555-1569-1843-D52B-E818F74D6A9F}"/>
-              </a:ext>
-            </a:extLst>
-          </p:cNvPr>
-          <p:cNvSpPr txBox="1"/>
-          <p:nvPr/>
-        </p:nvSpPr>
-        <p:spPr>
-          <a:xfrm>
-            <a:off x="438281" y="4625809"/>
-            <a:ext cx="2389632" cy="523220"/>
-          </a:xfrm>
-          <a:prstGeom prst="rect">
-            <a:avLst/>
-          </a:prstGeom>
-          <a:noFill/>
-        </p:spPr>
-        <p:txBody>
-          <a:bodyPr wrap="square">
-            <a:spAutoFit/>
-          </a:bodyPr>
-          <a:lstStyle/>
-          <a:p>
-            <a:r>
-              <a:rPr lang="fr-FR" sz="2800" b="1" i="0" dirty="0">
-                <a:effectLst/>
-                <a:latin typeface="Source Sans Pro" panose="020B0503030403020204" pitchFamily="34" charset="0"/>
-              </a:rPr>
-              <a:t>Déduplication</a:t>
-            </a:r>
-            <a:endParaRPr lang="fr-FR" sz="2800" dirty="0"/>
-          </a:p>
-        </p:txBody>
-      </p:sp>
-      <p:sp>
-        <p:nvSpPr>
-          <p:cNvPr id="11" name="ZoneTexte 10">
-            <a:extLst>
-              <a:ext uri="{FF2B5EF4-FFF2-40B4-BE49-F238E27FC236}">
-                <a16:creationId xmlns:a16="http://schemas.microsoft.com/office/drawing/2014/main" id="{E31577EA-A122-814D-6DCA-D38685D76D66}"/>
-              </a:ext>
-            </a:extLst>
-          </p:cNvPr>
-          <p:cNvSpPr txBox="1"/>
-          <p:nvPr/>
-        </p:nvSpPr>
-        <p:spPr>
-          <a:xfrm>
-            <a:off x="8835606" y="2639568"/>
-            <a:ext cx="2649258" cy="523220"/>
-          </a:xfrm>
-          <a:prstGeom prst="rect">
-            <a:avLst/>
-          </a:prstGeom>
-          <a:noFill/>
-        </p:spPr>
-        <p:txBody>
-          <a:bodyPr wrap="square">
-            <a:spAutoFit/>
-          </a:bodyPr>
-          <a:lstStyle/>
-          <a:p>
-            <a:r>
-              <a:rPr lang="fr-FR" sz="2800" b="1" i="0" dirty="0">
-                <a:effectLst/>
-                <a:latin typeface="Source Sans Pro" panose="020B0503030403020204" pitchFamily="34" charset="0"/>
-              </a:rPr>
-              <a:t>Vérification</a:t>
-            </a:r>
-            <a:endParaRPr lang="fr-FR" sz="2800" dirty="0"/>
-          </a:p>
-        </p:txBody>
-      </p:sp>
-      <p:sp>
-        <p:nvSpPr>
-          <p:cNvPr id="13" name="ZoneTexte 12">
-            <a:extLst>
-              <a:ext uri="{FF2B5EF4-FFF2-40B4-BE49-F238E27FC236}">
-                <a16:creationId xmlns:a16="http://schemas.microsoft.com/office/drawing/2014/main" id="{E5ED6788-8134-30DA-24B9-DB2CEC06D879}"/>
-              </a:ext>
-            </a:extLst>
-          </p:cNvPr>
-          <p:cNvSpPr txBox="1"/>
-          <p:nvPr/>
-        </p:nvSpPr>
-        <p:spPr>
-          <a:xfrm>
-            <a:off x="9129283" y="4256477"/>
-            <a:ext cx="782813" cy="523220"/>
-          </a:xfrm>
-          <a:prstGeom prst="rect">
-            <a:avLst/>
-          </a:prstGeom>
-          <a:noFill/>
-        </p:spPr>
-        <p:txBody>
-          <a:bodyPr wrap="square">
-            <a:spAutoFit/>
-          </a:bodyPr>
-          <a:lstStyle/>
-          <a:p>
-            <a:r>
-              <a:rPr lang="fr-FR" sz="2800" b="1" i="0" dirty="0">
-                <a:effectLst/>
-                <a:latin typeface="Source Sans Pro" panose="020B0503030403020204" pitchFamily="34" charset="0"/>
-              </a:rPr>
-              <a:t>Tri</a:t>
-            </a:r>
-            <a:r>
-              <a:rPr lang="fr-FR" sz="2800" b="0" i="0" dirty="0">
-                <a:effectLst/>
-                <a:latin typeface="Source Sans Pro" panose="020B0503030403020204" pitchFamily="34" charset="0"/>
-              </a:rPr>
-              <a:t> </a:t>
-            </a:r>
-            <a:endParaRPr lang="fr-FR" sz="2800" dirty="0"/>
-          </a:p>
-        </p:txBody>
-      </p:sp>
-      <p:sp>
-        <p:nvSpPr>
-          <p:cNvPr id="15" name="ZoneTexte 14">
-            <a:extLst>
-              <a:ext uri="{FF2B5EF4-FFF2-40B4-BE49-F238E27FC236}">
-                <a16:creationId xmlns:a16="http://schemas.microsoft.com/office/drawing/2014/main" id="{B46C16DB-16B8-2597-A30B-95A6ABC8EE04}"/>
-              </a:ext>
-            </a:extLst>
-          </p:cNvPr>
-          <p:cNvSpPr txBox="1"/>
-          <p:nvPr/>
-        </p:nvSpPr>
-        <p:spPr>
-          <a:xfrm>
-            <a:off x="8835606" y="5735440"/>
-            <a:ext cx="2454186" cy="523220"/>
-          </a:xfrm>
-          <a:prstGeom prst="rect">
-            <a:avLst/>
-          </a:prstGeom>
-          <a:noFill/>
-        </p:spPr>
-        <p:txBody>
-          <a:bodyPr wrap="square">
-            <a:spAutoFit/>
-          </a:bodyPr>
-          <a:lstStyle/>
-          <a:p>
-            <a:r>
-              <a:rPr lang="fr-FR" sz="2800" b="1" i="0" dirty="0">
-                <a:effectLst/>
-                <a:latin typeface="Source Sans Pro" panose="020B0503030403020204" pitchFamily="34" charset="0"/>
-              </a:rPr>
-              <a:t>Autres tâches</a:t>
-            </a:r>
-            <a:r>
-              <a:rPr lang="fr-FR" sz="2800" b="0" i="0" dirty="0">
-                <a:effectLst/>
-                <a:latin typeface="Source Sans Pro" panose="020B0503030403020204" pitchFamily="34" charset="0"/>
-              </a:rPr>
-              <a:t> </a:t>
-            </a:r>
-            <a:endParaRPr lang="fr-FR" sz="2800" dirty="0"/>
-          </a:p>
-        </p:txBody>
-      </p:sp>
-    </p:spTree>
-    <p:extLst>
-      <p:ext uri="{BB962C8B-B14F-4D97-AF65-F5344CB8AC3E}">
-        <p14:creationId xmlns:p14="http://schemas.microsoft.com/office/powerpoint/2010/main" val="711108823"/>
-      </p:ext>
-    </p:extLst>
-  </p:cSld>
-  <p:clrMapOvr>
-    <a:masterClrMapping/>
-  </p:clrMapOvr>
-  <mc:AlternateContent xmlns:mc="http://schemas.openxmlformats.org/markup-compatibility/2006">
-    <mc:Choice xmlns:p159="http://schemas.microsoft.com/office/powerpoint/2015/09/main" Requires="p159">
-      <p:transition xmlns:p14="http://schemas.microsoft.com/office/powerpoint/2010/main" spd="slow" p14:dur="2000">
-        <p159:morph option="byObject"/>
-      </p:transition>
-    </mc:Choice>
-    <mc:Fallback>
-      <p:transition spd="slow">
-        <p:fade/>
-      </p:transition>
-    </mc:Fallback>
-  </mc:AlternateContent>
-  <p:timing>
-    <p:tnLst>
-      <p:par>
-        <p:cTn id="1" dur="indefinite" restart="never" nodeType="tmRoot">
-          <p:childTnLst>
-            <p:seq concurrent="1" nextAc="seek">
-              <p:cTn id="2" dur="indefinite" nodeType="mainSeq">
-                <p:childTnLst>
-                  <p:par>
-                    <p:cTn id="3" fill="hold">
-                      <p:stCondLst>
-                        <p:cond delay="indefinite"/>
-                      </p:stCondLst>
-                      <p:childTnLst>
-                        <p:par>
-                          <p:cTn id="4" fill="hold">
-                            <p:stCondLst>
-                              <p:cond delay="0"/>
-                            </p:stCondLst>
-                            <p:childTnLst>
-                              <p:par>
-                                <p:cTn id="5" presetID="1" presetClass="entr" presetSubtype="0" fill="hold" grpId="0" nodeType="clickEffect">
-                                  <p:stCondLst>
-                                    <p:cond delay="0"/>
-                                  </p:stCondLst>
-                                  <p:childTnLst>
-                                    <p:set>
-                                      <p:cBhvr>
-                                        <p:cTn id="6" dur="1" fill="hold">
-                                          <p:stCondLst>
-                                            <p:cond delay="0"/>
-                                          </p:stCondLst>
-                                        </p:cTn>
-                                        <p:tgtEl>
-                                          <p:spTgt spid="7"/>
-                                        </p:tgtEl>
-                                        <p:attrNameLst>
-                                          <p:attrName>style.visibility</p:attrName>
-                                        </p:attrNameLst>
-                                      </p:cBhvr>
-                                      <p:to>
-                                        <p:strVal val="visible"/>
-                                      </p:to>
-                                    </p:set>
-                                  </p:childTnLst>
-                                </p:cTn>
-                              </p:par>
-                            </p:childTnLst>
-                          </p:cTn>
-                        </p:par>
-                      </p:childTnLst>
-                    </p:cTn>
-                  </p:par>
-                  <p:par>
-                    <p:cTn id="7" fill="hold">
-                      <p:stCondLst>
-                        <p:cond delay="indefinite"/>
-                      </p:stCondLst>
-                      <p:childTnLst>
-                        <p:par>
-                          <p:cTn id="8" fill="hold">
-                            <p:stCondLst>
-                              <p:cond delay="0"/>
-                            </p:stCondLst>
-                            <p:childTnLst>
-                              <p:par>
-                                <p:cTn id="9" presetID="1" presetClass="entr" presetSubtype="0" fill="hold" grpId="0" nodeType="clickEffect">
-                                  <p:stCondLst>
-                                    <p:cond delay="0"/>
-                                  </p:stCondLst>
-                                  <p:childTnLst>
-                                    <p:set>
-                                      <p:cBhvr>
-                                        <p:cTn id="10" dur="1" fill="hold">
-                                          <p:stCondLst>
-                                            <p:cond delay="0"/>
-                                          </p:stCondLst>
-                                        </p:cTn>
-                                        <p:tgtEl>
-                                          <p:spTgt spid="9"/>
-                                        </p:tgtEl>
-                                        <p:attrNameLst>
-                                          <p:attrName>style.visibility</p:attrName>
-                                        </p:attrNameLst>
-                                      </p:cBhvr>
-                                      <p:to>
-                                        <p:strVal val="visible"/>
-                                      </p:to>
-                                    </p:set>
-                                  </p:childTnLst>
-                                </p:cTn>
-                              </p:par>
-                            </p:childTnLst>
-                          </p:cTn>
-                        </p:par>
-                      </p:childTnLst>
-                    </p:cTn>
-                  </p:par>
-                  <p:par>
-                    <p:cTn id="11" fill="hold">
-                      <p:stCondLst>
-                        <p:cond delay="indefinite"/>
-                      </p:stCondLst>
-                      <p:childTnLst>
-                        <p:par>
-                          <p:cTn id="12" fill="hold">
-                            <p:stCondLst>
-                              <p:cond delay="0"/>
-                            </p:stCondLst>
-                            <p:childTnLst>
-                              <p:par>
-                                <p:cTn id="13" presetID="1" presetClass="entr" presetSubtype="0" fill="hold" grpId="0" nodeType="clickEffect">
-                                  <p:stCondLst>
-                                    <p:cond delay="0"/>
-                                  </p:stCondLst>
-                                  <p:childTnLst>
-                                    <p:set>
-                                      <p:cBhvr>
-                                        <p:cTn id="14" dur="1" fill="hold">
-                                          <p:stCondLst>
-                                            <p:cond delay="0"/>
-                                          </p:stCondLst>
-                                        </p:cTn>
-                                        <p:tgtEl>
-                                          <p:spTgt spid="11"/>
-                                        </p:tgtEl>
-                                        <p:attrNameLst>
-                                          <p:attrName>style.visibility</p:attrName>
-                                        </p:attrNameLst>
-                                      </p:cBhvr>
-                                      <p:to>
-                                        <p:strVal val="visible"/>
-                                      </p:to>
-                                    </p:set>
-                                  </p:childTnLst>
-                                </p:cTn>
-                              </p:par>
-                            </p:childTnLst>
-                          </p:cTn>
-                        </p:par>
-                      </p:childTnLst>
-                    </p:cTn>
-                  </p:par>
-                  <p:par>
-                    <p:cTn id="15" fill="hold">
-                      <p:stCondLst>
-                        <p:cond delay="indefinite"/>
-                      </p:stCondLst>
-                      <p:childTnLst>
-                        <p:par>
-                          <p:cTn id="16" fill="hold">
-                            <p:stCondLst>
-                              <p:cond delay="0"/>
-                            </p:stCondLst>
-                            <p:childTnLst>
-                              <p:par>
-                                <p:cTn id="17" presetID="1" presetClass="entr" presetSubtype="0" fill="hold" grpId="0" nodeType="clickEffect">
-                                  <p:stCondLst>
-                                    <p:cond delay="0"/>
-                                  </p:stCondLst>
-                                  <p:childTnLst>
-                                    <p:set>
-                                      <p:cBhvr>
-                                        <p:cTn id="18" dur="1" fill="hold">
-                                          <p:stCondLst>
-                                            <p:cond delay="0"/>
-                                          </p:stCondLst>
-                                        </p:cTn>
-                                        <p:tgtEl>
-                                          <p:spTgt spid="13"/>
-                                        </p:tgtEl>
-                                        <p:attrNameLst>
-                                          <p:attrName>style.visibility</p:attrName>
-                                        </p:attrNameLst>
-                                      </p:cBhvr>
-                                      <p:to>
-                                        <p:strVal val="visible"/>
-                                      </p:to>
-                                    </p:set>
-                                  </p:childTnLst>
-                                </p:cTn>
-                              </p:par>
-                            </p:childTnLst>
-                          </p:cTn>
-                        </p:par>
-                      </p:childTnLst>
-                    </p:cTn>
-                  </p:par>
-                  <p:par>
-                    <p:cTn id="19" fill="hold">
-                      <p:stCondLst>
-                        <p:cond delay="indefinite"/>
-                      </p:stCondLst>
-                      <p:childTnLst>
-                        <p:par>
-                          <p:cTn id="20" fill="hold">
-                            <p:stCondLst>
-                              <p:cond delay="0"/>
-                            </p:stCondLst>
-                            <p:childTnLst>
-                              <p:par>
-                                <p:cTn id="21" presetID="1" presetClass="entr" presetSubtype="0" fill="hold" grpId="0" nodeType="clickEffect">
-                                  <p:stCondLst>
-                                    <p:cond delay="0"/>
-                                  </p:stCondLst>
-                                  <p:childTnLst>
-                                    <p:set>
-                                      <p:cBhvr>
-                                        <p:cTn id="22" dur="1" fill="hold">
-                                          <p:stCondLst>
-                                            <p:cond delay="0"/>
-                                          </p:stCondLst>
-                                        </p:cTn>
-                                        <p:tgtEl>
-                                          <p:spTgt spid="15"/>
-                                        </p:tgtEl>
-                                        <p:attrNameLst>
-                                          <p:attrName>style.visibility</p:attrName>
-                                        </p:attrNameLst>
-                                      </p:cBhvr>
-                                      <p:to>
-                                        <p:strVal val="visible"/>
-                                      </p:to>
-                                    </p:set>
-                                  </p:childTnLst>
-                                </p:cTn>
-                              </p:par>
-                            </p:childTnLst>
-                          </p:cTn>
-                        </p:par>
-                      </p:childTnLst>
-                    </p:cTn>
-                  </p:par>
-                </p:childTnLst>
-              </p:cTn>
-              <p:prevCondLst>
-                <p:cond evt="onPrev" delay="0">
-                  <p:tgtEl>
-                    <p:sldTgt/>
-                  </p:tgtEl>
-                </p:cond>
-              </p:prevCondLst>
-              <p:nextCondLst>
-                <p:cond evt="onNext" delay="0">
-                  <p:tgtEl>
-                    <p:sldTgt/>
-                  </p:tgtEl>
-                </p:cond>
-              </p:nextCondLst>
-            </p:seq>
-          </p:childTnLst>
-        </p:cTn>
-      </p:par>
-    </p:tnLst>
-    <p:bldLst>
-      <p:bldP spid="7" grpId="0"/>
-      <p:bldP spid="9" grpId="0"/>
-      <p:bldP spid="11" grpId="0"/>
-      <p:bldP spid="13" grpId="0"/>
-      <p:bldP spid="15" grpId="0"/>
-    </p:bldLst>
-  </p:timing>
-</p:sld>
-</file>
-
-<file path=ppt/slides/slide6.xml><?xml version="1.0" encoding="utf-8"?>
-<p:sld xmlns:a="http://schemas.openxmlformats.org/drawingml/2006/main" xmlns:r="http://schemas.openxmlformats.org/officeDocument/2006/relationships" xmlns:p="http://schemas.openxmlformats.org/presentationml/2006/main">
-  <p:cSld>
-    <p:spTree>
-      <p:nvGrpSpPr>
-        <p:cNvPr id="1" name=""/>
-        <p:cNvGrpSpPr/>
-        <p:nvPr/>
-      </p:nvGrpSpPr>
-      <p:grpSpPr>
-        <a:xfrm>
-          <a:off x="0" y="0"/>
-          <a:ext cx="0" cy="0"/>
-          <a:chOff x="0" y="0"/>
-          <a:chExt cx="0" cy="0"/>
-        </a:xfrm>
-      </p:grpSpPr>
-      <p:sp>
-        <p:nvSpPr>
-          <p:cNvPr id="2" name="Titre 1">
-            <a:extLst>
-              <a:ext uri="{FF2B5EF4-FFF2-40B4-BE49-F238E27FC236}">
-                <a16:creationId xmlns:a16="http://schemas.microsoft.com/office/drawing/2014/main" id="{4A7D28F8-E21D-75FC-049B-56E9581FADB9}"/>
-              </a:ext>
-            </a:extLst>
-          </p:cNvPr>
-          <p:cNvSpPr>
-            <a:spLocks noGrp="1"/>
-          </p:cNvSpPr>
-          <p:nvPr>
-            <p:ph type="title"/>
-          </p:nvPr>
-        </p:nvSpPr>
-        <p:spPr/>
-        <p:txBody>
-          <a:bodyPr/>
-          <a:lstStyle/>
-          <a:p>
-            <a:r>
-              <a:rPr lang="fr-FR" dirty="0" err="1"/>
-              <a:t>Load</a:t>
-            </a:r>
-            <a:r>
-              <a:rPr lang="fr-FR" dirty="0"/>
-              <a:t> </a:t>
-            </a:r>
-          </a:p>
-        </p:txBody>
-      </p:sp>
-      <p:sp>
-        <p:nvSpPr>
-          <p:cNvPr id="4" name="Espace réservé du numéro de diapositive 3">
-            <a:extLst>
-              <a:ext uri="{FF2B5EF4-FFF2-40B4-BE49-F238E27FC236}">
-                <a16:creationId xmlns:a16="http://schemas.microsoft.com/office/drawing/2014/main" id="{7AB60960-906E-ABA4-5F64-273DFAA0804B}"/>
-              </a:ext>
-            </a:extLst>
-          </p:cNvPr>
-          <p:cNvSpPr>
-            <a:spLocks noGrp="1"/>
-          </p:cNvSpPr>
-          <p:nvPr>
-            <p:ph type="sldNum" sz="quarter" idx="12"/>
-          </p:nvPr>
-        </p:nvSpPr>
-        <p:spPr/>
-        <p:txBody>
-          <a:bodyPr/>
-          <a:lstStyle/>
-          <a:p>
-            <a:fld id="{88FE7EFB-6DB8-4D46-9CAF-8E19AD46CF5F}" type="slidenum">
-              <a:rPr lang="fr-FR" smtClean="0"/>
-              <a:t>6</a:t>
-            </a:fld>
-            <a:endParaRPr lang="fr-FR"/>
-          </a:p>
-        </p:txBody>
-      </p:sp>
-      <p:pic>
-        <p:nvPicPr>
-          <p:cNvPr id="5" name="Picture 2" descr="What is ETL? (Extract Transform Load) | Informatica">
-            <a:extLst>
-              <a:ext uri="{FF2B5EF4-FFF2-40B4-BE49-F238E27FC236}">
-                <a16:creationId xmlns:a16="http://schemas.microsoft.com/office/drawing/2014/main" id="{535BDCBB-E838-5C60-C6BC-5BC9A0D64B1B}"/>
-              </a:ext>
-            </a:extLst>
-          </p:cNvPr>
-          <p:cNvPicPr>
-            <a:picLocks noGrp="1" noChangeAspect="1" noChangeArrowheads="1"/>
-          </p:cNvPicPr>
-          <p:nvPr>
-            <p:ph idx="1"/>
-          </p:nvPr>
-        </p:nvPicPr>
-        <p:blipFill rotWithShape="1">
-          <a:blip r:embed="rId3">
-            <a:extLst>
-              <a:ext uri="{28A0092B-C50C-407E-A947-70E740481C1C}">
-                <a14:useLocalDpi xmlns:a14="http://schemas.microsoft.com/office/drawing/2010/main" val="0"/>
-              </a:ext>
-            </a:extLst>
-          </a:blip>
-          <a:srcRect l="71097" t="25521" r="4625" b="18920"/>
-          <a:stretch/>
-        </p:blipFill>
-        <p:spPr bwMode="auto">
-          <a:xfrm>
-            <a:off x="4084320" y="2121408"/>
-            <a:ext cx="4023360" cy="4519388"/>
-          </a:xfrm>
-          <a:prstGeom prst="rect">
-            <a:avLst/>
-          </a:prstGeom>
-          <a:noFill/>
-          <a:extLst>
-            <a:ext uri="{909E8E84-426E-40DD-AFC4-6F175D3DCCD1}">
-              <a14:hiddenFill xmlns:a14="http://schemas.microsoft.com/office/drawing/2010/main">
-                <a:solidFill>
-                  <a:srgbClr val="FFFFFF"/>
-                </a:solidFill>
-              </a14:hiddenFill>
-            </a:ext>
-          </a:extLst>
-        </p:spPr>
-      </p:pic>
-    </p:spTree>
-    <p:extLst>
-      <p:ext uri="{BB962C8B-B14F-4D97-AF65-F5344CB8AC3E}">
-        <p14:creationId xmlns:p14="http://schemas.microsoft.com/office/powerpoint/2010/main" val="2183212925"/>
-      </p:ext>
-    </p:extLst>
-  </p:cSld>
-  <p:clrMapOvr>
-    <a:masterClrMapping/>
-  </p:clrMapOvr>
-  <mc:AlternateContent xmlns:mc="http://schemas.openxmlformats.org/markup-compatibility/2006">
-    <mc:Choice xmlns:p159="http://schemas.microsoft.com/office/powerpoint/2015/09/main" Requires="p159">
-      <p:transition xmlns:p14="http://schemas.microsoft.com/office/powerpoint/2010/main" spd="slow" p14:dur="2000">
-        <p159:morph option="byObject"/>
-      </p:transition>
-    </mc:Choice>
-    <mc:Fallback>
-      <p:transition spd="slow">
-        <p:fade/>
-      </p:transition>
-    </mc:Fallback>
-  </mc:AlternateContent>
-</p:sld>
-</file>
-
-<file path=ppt/slides/slide7.xml><?xml version="1.0" encoding="utf-8"?>
-<p:sld xmlns:a="http://schemas.openxmlformats.org/drawingml/2006/main" xmlns:r="http://schemas.openxmlformats.org/officeDocument/2006/relationships" xmlns:p="http://schemas.openxmlformats.org/presentationml/2006/main">
-  <p:cSld>
-    <p:spTree>
-      <p:nvGrpSpPr>
-        <p:cNvPr id="1" name=""/>
-        <p:cNvGrpSpPr/>
-        <p:nvPr/>
-      </p:nvGrpSpPr>
-      <p:grpSpPr>
-        <a:xfrm>
-          <a:off x="0" y="0"/>
-          <a:ext cx="0" cy="0"/>
-          <a:chOff x="0" y="0"/>
-          <a:chExt cx="0" cy="0"/>
-        </a:xfrm>
-      </p:grpSpPr>
-      <p:sp>
-        <p:nvSpPr>
-          <p:cNvPr id="2" name="Titre 1">
-            <a:extLst>
-              <a:ext uri="{FF2B5EF4-FFF2-40B4-BE49-F238E27FC236}">
                 <a16:creationId xmlns:a16="http://schemas.microsoft.com/office/drawing/2014/main" id="{AE9C674A-ED9F-F5A0-6990-8B9306AFC0CC}"/>
               </a:ext>
             </a:extLst>
@@ -14739,7 +11362,7 @@
           <a:p>
             <a:fld id="{88FE7EFB-6DB8-4D46-9CAF-8E19AD46CF5F}" type="slidenum">
               <a:rPr lang="fr-FR" smtClean="0"/>
-              <a:t>7</a:t>
+              <a:t>3</a:t>
             </a:fld>
             <a:endParaRPr lang="fr-FR"/>
           </a:p>
@@ -14802,13 +11425,13 @@
   <p:clrMapOvr>
     <a:masterClrMapping/>
   </p:clrMapOvr>
-  <mc:AlternateContent xmlns:mc="http://schemas.openxmlformats.org/markup-compatibility/2006">
-    <mc:Choice xmlns:p159="http://schemas.microsoft.com/office/powerpoint/2015/09/main" Requires="p159">
+  <mc:AlternateContent xmlns:mc="http://schemas.openxmlformats.org/markup-compatibility/2006" xmlns:p159="http://schemas.microsoft.com/office/powerpoint/2015/09/main">
+    <mc:Choice Requires="p159">
       <p:transition xmlns:p14="http://schemas.microsoft.com/office/powerpoint/2010/main" spd="slow" p14:dur="2000">
         <p159:morph option="byObject"/>
       </p:transition>
     </mc:Choice>
-    <mc:Fallback>
+    <mc:Fallback xmlns="">
       <p:transition spd="slow">
         <p:fade/>
       </p:transition>
@@ -14817,7 +11440,7 @@
 </p:sld>
 </file>
 
-<file path=ppt/slides/slide8.xml><?xml version="1.0" encoding="utf-8"?>
+<file path=ppt/slides/slide4.xml><?xml version="1.0" encoding="utf-8"?>
 <p:sld xmlns:a="http://schemas.openxmlformats.org/drawingml/2006/main" xmlns:r="http://schemas.openxmlformats.org/officeDocument/2006/relationships" xmlns:p="http://schemas.openxmlformats.org/presentationml/2006/main">
   <p:cSld>
     <p:spTree>
@@ -14836,6 +11459,31 @@
       </p:grpSpPr>
       <p:sp>
         <p:nvSpPr>
+          <p:cNvPr id="5" name="Titre 4">
+            <a:extLst>
+              <a:ext uri="{FF2B5EF4-FFF2-40B4-BE49-F238E27FC236}">
+                <a16:creationId xmlns:a16="http://schemas.microsoft.com/office/drawing/2014/main" id="{616F663D-08D6-75FF-2C2D-5F25B9DF7C9F}"/>
+              </a:ext>
+            </a:extLst>
+          </p:cNvPr>
+          <p:cNvSpPr>
+            <a:spLocks noGrp="1"/>
+          </p:cNvSpPr>
+          <p:nvPr>
+            <p:ph type="title"/>
+          </p:nvPr>
+        </p:nvSpPr>
+        <p:spPr/>
+        <p:txBody>
+          <a:bodyPr/>
+          <a:lstStyle/>
+          <a:p>
+            <a:endParaRPr lang="fr-FR"/>
+          </a:p>
+        </p:txBody>
+      </p:sp>
+      <p:sp>
+        <p:nvSpPr>
           <p:cNvPr id="3" name="Espace réservé du numéro de diapositive 2">
             <a:extLst>
               <a:ext uri="{FF2B5EF4-FFF2-40B4-BE49-F238E27FC236}">
@@ -14857,7 +11505,7 @@
           <a:p>
             <a:fld id="{88FE7EFB-6DB8-4D46-9CAF-8E19AD46CF5F}" type="slidenum">
               <a:rPr lang="fr-FR" smtClean="0"/>
-              <a:t>8</a:t>
+              <a:t>4</a:t>
             </a:fld>
             <a:endParaRPr lang="fr-FR"/>
           </a:p>
@@ -14912,31 +11560,6 @@
       </p:pic>
       <p:sp>
         <p:nvSpPr>
-          <p:cNvPr id="5" name="Titre 4">
-            <a:extLst>
-              <a:ext uri="{FF2B5EF4-FFF2-40B4-BE49-F238E27FC236}">
-                <a16:creationId xmlns:a16="http://schemas.microsoft.com/office/drawing/2014/main" id="{616F663D-08D6-75FF-2C2D-5F25B9DF7C9F}"/>
-              </a:ext>
-            </a:extLst>
-          </p:cNvPr>
-          <p:cNvSpPr>
-            <a:spLocks noGrp="1"/>
-          </p:cNvSpPr>
-          <p:nvPr>
-            <p:ph type="title"/>
-          </p:nvPr>
-        </p:nvSpPr>
-        <p:spPr/>
-        <p:txBody>
-          <a:bodyPr/>
-          <a:lstStyle/>
-          <a:p>
-            <a:endParaRPr lang="fr-FR"/>
-          </a:p>
-        </p:txBody>
-      </p:sp>
-      <p:sp>
-        <p:nvSpPr>
           <p:cNvPr id="7" name="ZoneTexte 6">
             <a:extLst>
               <a:ext uri="{FF2B5EF4-FFF2-40B4-BE49-F238E27FC236}">
@@ -15040,13 +11663,13 @@
   <p:clrMapOvr>
     <a:masterClrMapping/>
   </p:clrMapOvr>
-  <mc:AlternateContent xmlns:mc="http://schemas.openxmlformats.org/markup-compatibility/2006">
-    <mc:Choice xmlns:p159="http://schemas.microsoft.com/office/powerpoint/2015/09/main" Requires="p159">
+  <mc:AlternateContent xmlns:mc="http://schemas.openxmlformats.org/markup-compatibility/2006" xmlns:p159="http://schemas.microsoft.com/office/powerpoint/2015/09/main">
+    <mc:Choice Requires="p159">
       <p:transition xmlns:p14="http://schemas.microsoft.com/office/powerpoint/2010/main" spd="slow" p14:dur="2000">
         <p159:morph option="byObject"/>
       </p:transition>
     </mc:Choice>
-    <mc:Fallback>
+    <mc:Fallback xmlns="">
       <p:transition spd="slow">
         <p:fade/>
       </p:transition>
@@ -15055,7 +11678,7 @@
 </p:sld>
 </file>
 
-<file path=ppt/slides/slide9.xml><?xml version="1.0" encoding="utf-8"?>
+<file path=ppt/slides/slide5.xml><?xml version="1.0" encoding="utf-8"?>
 <p:sld xmlns:a="http://schemas.openxmlformats.org/drawingml/2006/main" xmlns:r="http://schemas.openxmlformats.org/officeDocument/2006/relationships" xmlns:p="http://schemas.openxmlformats.org/presentationml/2006/main">
   <p:cSld>
     <p:spTree>
@@ -15074,6 +11697,31 @@
       </p:grpSpPr>
       <p:sp>
         <p:nvSpPr>
+          <p:cNvPr id="5" name="Titre 4">
+            <a:extLst>
+              <a:ext uri="{FF2B5EF4-FFF2-40B4-BE49-F238E27FC236}">
+                <a16:creationId xmlns:a16="http://schemas.microsoft.com/office/drawing/2014/main" id="{616F663D-08D6-75FF-2C2D-5F25B9DF7C9F}"/>
+              </a:ext>
+            </a:extLst>
+          </p:cNvPr>
+          <p:cNvSpPr>
+            <a:spLocks noGrp="1"/>
+          </p:cNvSpPr>
+          <p:nvPr>
+            <p:ph type="title"/>
+          </p:nvPr>
+        </p:nvSpPr>
+        <p:spPr/>
+        <p:txBody>
+          <a:bodyPr/>
+          <a:lstStyle/>
+          <a:p>
+            <a:endParaRPr lang="fr-FR"/>
+          </a:p>
+        </p:txBody>
+      </p:sp>
+      <p:sp>
+        <p:nvSpPr>
           <p:cNvPr id="3" name="Espace réservé du numéro de diapositive 2">
             <a:extLst>
               <a:ext uri="{FF2B5EF4-FFF2-40B4-BE49-F238E27FC236}">
@@ -15095,7 +11743,7 @@
           <a:p>
             <a:fld id="{88FE7EFB-6DB8-4D46-9CAF-8E19AD46CF5F}" type="slidenum">
               <a:rPr lang="fr-FR" smtClean="0"/>
-              <a:t>9</a:t>
+              <a:t>5</a:t>
             </a:fld>
             <a:endParaRPr lang="fr-FR"/>
           </a:p>
@@ -15150,31 +11798,6 @@
       </p:pic>
       <p:sp>
         <p:nvSpPr>
-          <p:cNvPr id="5" name="Titre 4">
-            <a:extLst>
-              <a:ext uri="{FF2B5EF4-FFF2-40B4-BE49-F238E27FC236}">
-                <a16:creationId xmlns:a16="http://schemas.microsoft.com/office/drawing/2014/main" id="{616F663D-08D6-75FF-2C2D-5F25B9DF7C9F}"/>
-              </a:ext>
-            </a:extLst>
-          </p:cNvPr>
-          <p:cNvSpPr>
-            <a:spLocks noGrp="1"/>
-          </p:cNvSpPr>
-          <p:nvPr>
-            <p:ph type="title"/>
-          </p:nvPr>
-        </p:nvSpPr>
-        <p:spPr/>
-        <p:txBody>
-          <a:bodyPr/>
-          <a:lstStyle/>
-          <a:p>
-            <a:endParaRPr lang="fr-FR"/>
-          </a:p>
-        </p:txBody>
-      </p:sp>
-      <p:sp>
-        <p:nvSpPr>
           <p:cNvPr id="7" name="ZoneTexte 6">
             <a:extLst>
               <a:ext uri="{FF2B5EF4-FFF2-40B4-BE49-F238E27FC236}">
@@ -15228,13 +11851,819 @@
   <p:clrMapOvr>
     <a:masterClrMapping/>
   </p:clrMapOvr>
-  <mc:AlternateContent xmlns:mc="http://schemas.openxmlformats.org/markup-compatibility/2006">
-    <mc:Choice xmlns:p159="http://schemas.microsoft.com/office/powerpoint/2015/09/main" Requires="p159">
+  <mc:AlternateContent xmlns:mc="http://schemas.openxmlformats.org/markup-compatibility/2006" xmlns:p159="http://schemas.microsoft.com/office/powerpoint/2015/09/main">
+    <mc:Choice Requires="p159">
       <p:transition xmlns:p14="http://schemas.microsoft.com/office/powerpoint/2010/main" spd="slow" p14:dur="2000">
         <p159:morph option="byObject"/>
       </p:transition>
     </mc:Choice>
-    <mc:Fallback>
+    <mc:Fallback xmlns="">
+      <p:transition spd="slow">
+        <p:fade/>
+      </p:transition>
+    </mc:Fallback>
+  </mc:AlternateContent>
+</p:sld>
+</file>
+
+<file path=ppt/slides/slide6.xml><?xml version="1.0" encoding="utf-8"?>
+<p:sld xmlns:a="http://schemas.openxmlformats.org/drawingml/2006/main" xmlns:r="http://schemas.openxmlformats.org/officeDocument/2006/relationships" xmlns:p="http://schemas.openxmlformats.org/presentationml/2006/main">
+  <p:cSld>
+    <p:spTree>
+      <p:nvGrpSpPr>
+        <p:cNvPr id="1" name=""/>
+        <p:cNvGrpSpPr/>
+        <p:nvPr/>
+      </p:nvGrpSpPr>
+      <p:grpSpPr>
+        <a:xfrm>
+          <a:off x="0" y="0"/>
+          <a:ext cx="0" cy="0"/>
+          <a:chOff x="0" y="0"/>
+          <a:chExt cx="0" cy="0"/>
+        </a:xfrm>
+      </p:grpSpPr>
+      <p:sp>
+        <p:nvSpPr>
+          <p:cNvPr id="2" name="Titre 1">
+            <a:extLst>
+              <a:ext uri="{FF2B5EF4-FFF2-40B4-BE49-F238E27FC236}">
+                <a16:creationId xmlns:a16="http://schemas.microsoft.com/office/drawing/2014/main" id="{3DE18839-0FB5-5A96-8CB5-D55DA22AB161}"/>
+              </a:ext>
+            </a:extLst>
+          </p:cNvPr>
+          <p:cNvSpPr>
+            <a:spLocks noGrp="1"/>
+          </p:cNvSpPr>
+          <p:nvPr>
+            <p:ph type="title"/>
+          </p:nvPr>
+        </p:nvSpPr>
+        <p:spPr/>
+        <p:txBody>
+          <a:bodyPr/>
+          <a:lstStyle/>
+          <a:p>
+            <a:r>
+              <a:rPr lang="fr-FR" dirty="0"/>
+              <a:t>Approche du projet : Technologies utilisés </a:t>
+            </a:r>
+          </a:p>
+        </p:txBody>
+      </p:sp>
+      <p:sp>
+        <p:nvSpPr>
+          <p:cNvPr id="3" name="Espace réservé du numéro de diapositive 2">
+            <a:extLst>
+              <a:ext uri="{FF2B5EF4-FFF2-40B4-BE49-F238E27FC236}">
+                <a16:creationId xmlns:a16="http://schemas.microsoft.com/office/drawing/2014/main" id="{3B54D47C-2D59-60B6-ED58-34D73C7B56DF}"/>
+              </a:ext>
+            </a:extLst>
+          </p:cNvPr>
+          <p:cNvSpPr>
+            <a:spLocks noGrp="1"/>
+          </p:cNvSpPr>
+          <p:nvPr>
+            <p:ph type="sldNum" sz="quarter" idx="12"/>
+          </p:nvPr>
+        </p:nvSpPr>
+        <p:spPr/>
+        <p:txBody>
+          <a:bodyPr/>
+          <a:lstStyle/>
+          <a:p>
+            <a:fld id="{88FE7EFB-6DB8-4D46-9CAF-8E19AD46CF5F}" type="slidenum">
+              <a:rPr lang="fr-FR" smtClean="0"/>
+              <a:t>6</a:t>
+            </a:fld>
+            <a:endParaRPr lang="fr-FR"/>
+          </a:p>
+        </p:txBody>
+      </p:sp>
+      <p:pic>
+        <p:nvPicPr>
+          <p:cNvPr id="2052" name="Picture 4" descr="Notre expertise Django Python à votre service| Ubidreams">
+            <a:extLst>
+              <a:ext uri="{FF2B5EF4-FFF2-40B4-BE49-F238E27FC236}">
+                <a16:creationId xmlns:a16="http://schemas.microsoft.com/office/drawing/2014/main" id="{8330A9BF-D416-E4F5-C955-405CA1B48BAB}"/>
+              </a:ext>
+            </a:extLst>
+          </p:cNvPr>
+          <p:cNvPicPr>
+            <a:picLocks noChangeAspect="1" noChangeArrowheads="1"/>
+          </p:cNvPicPr>
+          <p:nvPr/>
+        </p:nvPicPr>
+        <p:blipFill>
+          <a:blip r:embed="rId2">
+            <a:extLst>
+              <a:ext uri="{28A0092B-C50C-407E-A947-70E740481C1C}">
+                <a14:useLocalDpi xmlns:a14="http://schemas.microsoft.com/office/drawing/2010/main" val="0"/>
+              </a:ext>
+            </a:extLst>
+          </a:blip>
+          <a:srcRect/>
+          <a:stretch>
+            <a:fillRect/>
+          </a:stretch>
+        </p:blipFill>
+        <p:spPr bwMode="auto">
+          <a:xfrm>
+            <a:off x="3609975" y="1756760"/>
+            <a:ext cx="4972050" cy="3267075"/>
+          </a:xfrm>
+          <a:prstGeom prst="rect">
+            <a:avLst/>
+          </a:prstGeom>
+          <a:noFill/>
+          <a:extLst>
+            <a:ext uri="{909E8E84-426E-40DD-AFC4-6F175D3DCCD1}">
+              <a14:hiddenFill xmlns:a14="http://schemas.microsoft.com/office/drawing/2010/main">
+                <a:solidFill>
+                  <a:srgbClr val="FFFFFF"/>
+                </a:solidFill>
+              </a14:hiddenFill>
+            </a:ext>
+          </a:extLst>
+        </p:spPr>
+      </p:pic>
+      <p:sp>
+        <p:nvSpPr>
+          <p:cNvPr id="4" name="ZoneTexte 3">
+            <a:extLst>
+              <a:ext uri="{FF2B5EF4-FFF2-40B4-BE49-F238E27FC236}">
+                <a16:creationId xmlns:a16="http://schemas.microsoft.com/office/drawing/2014/main" id="{791C8225-33F2-416D-C0DA-20EF127A9649}"/>
+              </a:ext>
+            </a:extLst>
+          </p:cNvPr>
+          <p:cNvSpPr txBox="1"/>
+          <p:nvPr/>
+        </p:nvSpPr>
+        <p:spPr>
+          <a:xfrm>
+            <a:off x="368191" y="4799054"/>
+            <a:ext cx="1899879" cy="769441"/>
+          </a:xfrm>
+          <a:prstGeom prst="rect">
+            <a:avLst/>
+          </a:prstGeom>
+          <a:noFill/>
+        </p:spPr>
+        <p:txBody>
+          <a:bodyPr wrap="none" rtlCol="0">
+            <a:spAutoFit/>
+          </a:bodyPr>
+          <a:lstStyle/>
+          <a:p>
+            <a:r>
+              <a:rPr lang="fr-FR" sz="4400" dirty="0"/>
+              <a:t>MODEL</a:t>
+            </a:r>
+          </a:p>
+        </p:txBody>
+      </p:sp>
+      <p:sp>
+        <p:nvSpPr>
+          <p:cNvPr id="5" name="ZoneTexte 4">
+            <a:extLst>
+              <a:ext uri="{FF2B5EF4-FFF2-40B4-BE49-F238E27FC236}">
+                <a16:creationId xmlns:a16="http://schemas.microsoft.com/office/drawing/2014/main" id="{61C3D10D-8E01-191A-1C70-07F4FBAC92E7}"/>
+              </a:ext>
+            </a:extLst>
+          </p:cNvPr>
+          <p:cNvSpPr txBox="1"/>
+          <p:nvPr/>
+        </p:nvSpPr>
+        <p:spPr>
+          <a:xfrm>
+            <a:off x="5369706" y="4803523"/>
+            <a:ext cx="1457450" cy="769441"/>
+          </a:xfrm>
+          <a:prstGeom prst="rect">
+            <a:avLst/>
+          </a:prstGeom>
+          <a:noFill/>
+        </p:spPr>
+        <p:txBody>
+          <a:bodyPr wrap="none" rtlCol="0">
+            <a:spAutoFit/>
+          </a:bodyPr>
+          <a:lstStyle/>
+          <a:p>
+            <a:r>
+              <a:rPr lang="fr-FR" sz="4400" dirty="0"/>
+              <a:t>VIEW</a:t>
+            </a:r>
+          </a:p>
+        </p:txBody>
+      </p:sp>
+      <p:sp>
+        <p:nvSpPr>
+          <p:cNvPr id="7" name="Rectangle : coins arrondis 6">
+            <a:extLst>
+              <a:ext uri="{FF2B5EF4-FFF2-40B4-BE49-F238E27FC236}">
+                <a16:creationId xmlns:a16="http://schemas.microsoft.com/office/drawing/2014/main" id="{0278258D-35A9-8392-4AF1-0DB1B6499F9F}"/>
+              </a:ext>
+            </a:extLst>
+          </p:cNvPr>
+          <p:cNvSpPr/>
+          <p:nvPr/>
+        </p:nvSpPr>
+        <p:spPr>
+          <a:xfrm>
+            <a:off x="10669657" y="2003957"/>
+            <a:ext cx="1154152" cy="4279392"/>
+          </a:xfrm>
+          <a:prstGeom prst="roundRect">
+            <a:avLst>
+              <a:gd name="adj" fmla="val 7357"/>
+            </a:avLst>
+          </a:prstGeom>
+        </p:spPr>
+        <p:style>
+          <a:lnRef idx="2">
+            <a:schemeClr val="accent1">
+              <a:shade val="50000"/>
+            </a:schemeClr>
+          </a:lnRef>
+          <a:fillRef idx="1">
+            <a:schemeClr val="accent1"/>
+          </a:fillRef>
+          <a:effectRef idx="0">
+            <a:schemeClr val="accent1"/>
+          </a:effectRef>
+          <a:fontRef idx="minor">
+            <a:schemeClr val="lt1"/>
+          </a:fontRef>
+        </p:style>
+        <p:txBody>
+          <a:bodyPr rtlCol="0" anchor="ctr"/>
+          <a:lstStyle/>
+          <a:p>
+            <a:pPr algn="ctr"/>
+            <a:endParaRPr lang="fr-FR"/>
+          </a:p>
+        </p:txBody>
+      </p:sp>
+      <p:sp>
+        <p:nvSpPr>
+          <p:cNvPr id="6" name="ZoneTexte 5">
+            <a:extLst>
+              <a:ext uri="{FF2B5EF4-FFF2-40B4-BE49-F238E27FC236}">
+                <a16:creationId xmlns:a16="http://schemas.microsoft.com/office/drawing/2014/main" id="{D045FA9C-B8F1-0F99-25DD-E3A32ABF3AFB}"/>
+              </a:ext>
+            </a:extLst>
+          </p:cNvPr>
+          <p:cNvSpPr txBox="1"/>
+          <p:nvPr/>
+        </p:nvSpPr>
+        <p:spPr>
+          <a:xfrm>
+            <a:off x="9022316" y="4799055"/>
+            <a:ext cx="2928815" cy="769441"/>
+          </a:xfrm>
+          <a:prstGeom prst="rect">
+            <a:avLst/>
+          </a:prstGeom>
+          <a:noFill/>
+        </p:spPr>
+        <p:txBody>
+          <a:bodyPr wrap="none" rtlCol="0">
+            <a:spAutoFit/>
+          </a:bodyPr>
+          <a:lstStyle/>
+          <a:p>
+            <a:r>
+              <a:rPr lang="fr-FR" sz="4400" dirty="0"/>
+              <a:t>TEMPALTES</a:t>
+            </a:r>
+          </a:p>
+        </p:txBody>
+      </p:sp>
+    </p:spTree>
+    <p:extLst>
+      <p:ext uri="{BB962C8B-B14F-4D97-AF65-F5344CB8AC3E}">
+        <p14:creationId xmlns:p14="http://schemas.microsoft.com/office/powerpoint/2010/main" val="735825576"/>
+      </p:ext>
+    </p:extLst>
+  </p:cSld>
+  <p:clrMapOvr>
+    <a:masterClrMapping/>
+  </p:clrMapOvr>
+  <mc:AlternateContent xmlns:mc="http://schemas.openxmlformats.org/markup-compatibility/2006" xmlns:p159="http://schemas.microsoft.com/office/powerpoint/2015/09/main">
+    <mc:Choice Requires="p159">
+      <p:transition xmlns:p14="http://schemas.microsoft.com/office/powerpoint/2010/main" spd="slow" p14:dur="2000">
+        <p159:morph option="byObject"/>
+      </p:transition>
+    </mc:Choice>
+    <mc:Fallback xmlns="">
+      <p:transition spd="slow">
+        <p:fade/>
+      </p:transition>
+    </mc:Fallback>
+  </mc:AlternateContent>
+</p:sld>
+</file>
+
+<file path=ppt/slides/slide7.xml><?xml version="1.0" encoding="utf-8"?>
+<p:sld xmlns:a="http://schemas.openxmlformats.org/drawingml/2006/main" xmlns:r="http://schemas.openxmlformats.org/officeDocument/2006/relationships" xmlns:p="http://schemas.openxmlformats.org/presentationml/2006/main">
+  <p:cSld>
+    <p:spTree>
+      <p:nvGrpSpPr>
+        <p:cNvPr id="1" name=""/>
+        <p:cNvGrpSpPr/>
+        <p:nvPr/>
+      </p:nvGrpSpPr>
+      <p:grpSpPr>
+        <a:xfrm>
+          <a:off x="0" y="0"/>
+          <a:ext cx="0" cy="0"/>
+          <a:chOff x="0" y="0"/>
+          <a:chExt cx="0" cy="0"/>
+        </a:xfrm>
+      </p:grpSpPr>
+      <p:sp>
+        <p:nvSpPr>
+          <p:cNvPr id="2" name="Titre 1">
+            <a:extLst>
+              <a:ext uri="{FF2B5EF4-FFF2-40B4-BE49-F238E27FC236}">
+                <a16:creationId xmlns:a16="http://schemas.microsoft.com/office/drawing/2014/main" id="{3DE18839-0FB5-5A96-8CB5-D55DA22AB161}"/>
+              </a:ext>
+            </a:extLst>
+          </p:cNvPr>
+          <p:cNvSpPr>
+            <a:spLocks noGrp="1"/>
+          </p:cNvSpPr>
+          <p:nvPr>
+            <p:ph type="title"/>
+          </p:nvPr>
+        </p:nvSpPr>
+        <p:spPr/>
+        <p:txBody>
+          <a:bodyPr/>
+          <a:lstStyle/>
+          <a:p>
+            <a:r>
+              <a:rPr lang="fr-FR" dirty="0"/>
+              <a:t>Approche du projet : Technologies utilisés </a:t>
+            </a:r>
+          </a:p>
+        </p:txBody>
+      </p:sp>
+      <p:sp>
+        <p:nvSpPr>
+          <p:cNvPr id="3" name="Espace réservé du numéro de diapositive 2">
+            <a:extLst>
+              <a:ext uri="{FF2B5EF4-FFF2-40B4-BE49-F238E27FC236}">
+                <a16:creationId xmlns:a16="http://schemas.microsoft.com/office/drawing/2014/main" id="{3B54D47C-2D59-60B6-ED58-34D73C7B56DF}"/>
+              </a:ext>
+            </a:extLst>
+          </p:cNvPr>
+          <p:cNvSpPr>
+            <a:spLocks noGrp="1"/>
+          </p:cNvSpPr>
+          <p:nvPr>
+            <p:ph type="sldNum" sz="quarter" idx="12"/>
+          </p:nvPr>
+        </p:nvSpPr>
+        <p:spPr/>
+        <p:txBody>
+          <a:bodyPr/>
+          <a:lstStyle/>
+          <a:p>
+            <a:fld id="{88FE7EFB-6DB8-4D46-9CAF-8E19AD46CF5F}" type="slidenum">
+              <a:rPr lang="fr-FR" smtClean="0"/>
+              <a:t>7</a:t>
+            </a:fld>
+            <a:endParaRPr lang="fr-FR"/>
+          </a:p>
+        </p:txBody>
+      </p:sp>
+      <p:sp>
+        <p:nvSpPr>
+          <p:cNvPr id="8" name="Rectangle : coins arrondis 7">
+            <a:extLst>
+              <a:ext uri="{FF2B5EF4-FFF2-40B4-BE49-F238E27FC236}">
+                <a16:creationId xmlns:a16="http://schemas.microsoft.com/office/drawing/2014/main" id="{1326C156-0161-0737-A150-B3A11395B758}"/>
+              </a:ext>
+            </a:extLst>
+          </p:cNvPr>
+          <p:cNvSpPr/>
+          <p:nvPr/>
+        </p:nvSpPr>
+        <p:spPr>
+          <a:xfrm>
+            <a:off x="196728" y="2174645"/>
+            <a:ext cx="1571111" cy="4279392"/>
+          </a:xfrm>
+          <a:prstGeom prst="roundRect">
+            <a:avLst>
+              <a:gd name="adj" fmla="val 7357"/>
+            </a:avLst>
+          </a:prstGeom>
+        </p:spPr>
+        <p:style>
+          <a:lnRef idx="2">
+            <a:schemeClr val="accent1">
+              <a:shade val="50000"/>
+            </a:schemeClr>
+          </a:lnRef>
+          <a:fillRef idx="1">
+            <a:schemeClr val="accent1"/>
+          </a:fillRef>
+          <a:effectRef idx="0">
+            <a:schemeClr val="accent1"/>
+          </a:effectRef>
+          <a:fontRef idx="minor">
+            <a:schemeClr val="lt1"/>
+          </a:fontRef>
+        </p:style>
+        <p:txBody>
+          <a:bodyPr rtlCol="0" anchor="ctr"/>
+          <a:lstStyle/>
+          <a:p>
+            <a:pPr algn="ctr"/>
+            <a:endParaRPr lang="fr-FR"/>
+          </a:p>
+        </p:txBody>
+      </p:sp>
+      <p:sp>
+        <p:nvSpPr>
+          <p:cNvPr id="10" name="ZoneTexte 9">
+            <a:extLst>
+              <a:ext uri="{FF2B5EF4-FFF2-40B4-BE49-F238E27FC236}">
+                <a16:creationId xmlns:a16="http://schemas.microsoft.com/office/drawing/2014/main" id="{6C3602CB-74FB-8392-4F32-5F5DA022CC08}"/>
+              </a:ext>
+            </a:extLst>
+          </p:cNvPr>
+          <p:cNvSpPr txBox="1"/>
+          <p:nvPr/>
+        </p:nvSpPr>
+        <p:spPr>
+          <a:xfrm>
+            <a:off x="3212591" y="2746772"/>
+            <a:ext cx="1694688" cy="1200329"/>
+          </a:xfrm>
+          <a:prstGeom prst="rect">
+            <a:avLst/>
+          </a:prstGeom>
+          <a:noFill/>
+        </p:spPr>
+        <p:txBody>
+          <a:bodyPr wrap="square" rtlCol="0">
+            <a:spAutoFit/>
+          </a:bodyPr>
+          <a:lstStyle/>
+          <a:p>
+            <a:r>
+              <a:rPr lang="fr-FR" sz="7200" dirty="0"/>
+              <a:t>API</a:t>
+            </a:r>
+          </a:p>
+        </p:txBody>
+      </p:sp>
+      <p:sp>
+        <p:nvSpPr>
+          <p:cNvPr id="11" name="ZoneTexte 10">
+            <a:extLst>
+              <a:ext uri="{FF2B5EF4-FFF2-40B4-BE49-F238E27FC236}">
+                <a16:creationId xmlns:a16="http://schemas.microsoft.com/office/drawing/2014/main" id="{871EE78B-5344-6AA6-85D7-7FCDBCAE3AA2}"/>
+              </a:ext>
+            </a:extLst>
+          </p:cNvPr>
+          <p:cNvSpPr txBox="1"/>
+          <p:nvPr/>
+        </p:nvSpPr>
+        <p:spPr>
+          <a:xfrm>
+            <a:off x="6352032" y="2746772"/>
+            <a:ext cx="5531574" cy="1200329"/>
+          </a:xfrm>
+          <a:prstGeom prst="rect">
+            <a:avLst/>
+          </a:prstGeom>
+          <a:noFill/>
+        </p:spPr>
+        <p:txBody>
+          <a:bodyPr wrap="square" rtlCol="0">
+            <a:spAutoFit/>
+          </a:bodyPr>
+          <a:lstStyle/>
+          <a:p>
+            <a:r>
+              <a:rPr lang="fr-FR" sz="7200" dirty="0"/>
+              <a:t>FORMULAIRE</a:t>
+            </a:r>
+          </a:p>
+        </p:txBody>
+      </p:sp>
+    </p:spTree>
+    <p:extLst>
+      <p:ext uri="{BB962C8B-B14F-4D97-AF65-F5344CB8AC3E}">
+        <p14:creationId xmlns:p14="http://schemas.microsoft.com/office/powerpoint/2010/main" val="2840530214"/>
+      </p:ext>
+    </p:extLst>
+  </p:cSld>
+  <p:clrMapOvr>
+    <a:masterClrMapping/>
+  </p:clrMapOvr>
+  <mc:AlternateContent xmlns:mc="http://schemas.openxmlformats.org/markup-compatibility/2006" xmlns:p159="http://schemas.microsoft.com/office/powerpoint/2015/09/main">
+    <mc:Choice Requires="p159">
+      <p:transition xmlns:p14="http://schemas.microsoft.com/office/powerpoint/2010/main" spd="slow" p14:dur="2000">
+        <p159:morph option="byObject"/>
+      </p:transition>
+    </mc:Choice>
+    <mc:Fallback xmlns="">
+      <p:transition spd="slow">
+        <p:fade/>
+      </p:transition>
+    </mc:Fallback>
+  </mc:AlternateContent>
+</p:sld>
+</file>
+
+<file path=ppt/slides/slide8.xml><?xml version="1.0" encoding="utf-8"?>
+<p:sld xmlns:a="http://schemas.openxmlformats.org/drawingml/2006/main" xmlns:r="http://schemas.openxmlformats.org/officeDocument/2006/relationships" xmlns:p="http://schemas.openxmlformats.org/presentationml/2006/main">
+  <p:cSld>
+    <p:spTree>
+      <p:nvGrpSpPr>
+        <p:cNvPr id="1" name=""/>
+        <p:cNvGrpSpPr/>
+        <p:nvPr/>
+      </p:nvGrpSpPr>
+      <p:grpSpPr>
+        <a:xfrm>
+          <a:off x="0" y="0"/>
+          <a:ext cx="0" cy="0"/>
+          <a:chOff x="0" y="0"/>
+          <a:chExt cx="0" cy="0"/>
+        </a:xfrm>
+      </p:grpSpPr>
+      <p:sp>
+        <p:nvSpPr>
+          <p:cNvPr id="2" name="Titre 1">
+            <a:extLst>
+              <a:ext uri="{FF2B5EF4-FFF2-40B4-BE49-F238E27FC236}">
+                <a16:creationId xmlns:a16="http://schemas.microsoft.com/office/drawing/2014/main" id="{E3BDEE17-F99C-3799-EE2A-114013FFA7AC}"/>
+              </a:ext>
+            </a:extLst>
+          </p:cNvPr>
+          <p:cNvSpPr>
+            <a:spLocks noGrp="1"/>
+          </p:cNvSpPr>
+          <p:nvPr>
+            <p:ph type="title"/>
+          </p:nvPr>
+        </p:nvSpPr>
+        <p:spPr/>
+        <p:txBody>
+          <a:bodyPr/>
+          <a:lstStyle/>
+          <a:p>
+            <a:r>
+              <a:rPr lang="fr-FR" dirty="0"/>
+              <a:t>Approche du projet : Base de données</a:t>
+            </a:r>
+          </a:p>
+        </p:txBody>
+      </p:sp>
+      <p:sp>
+        <p:nvSpPr>
+          <p:cNvPr id="3" name="Espace réservé du numéro de diapositive 2">
+            <a:extLst>
+              <a:ext uri="{FF2B5EF4-FFF2-40B4-BE49-F238E27FC236}">
+                <a16:creationId xmlns:a16="http://schemas.microsoft.com/office/drawing/2014/main" id="{9E8B0A4A-3516-A6A2-F71E-80E8DD70F712}"/>
+              </a:ext>
+            </a:extLst>
+          </p:cNvPr>
+          <p:cNvSpPr>
+            <a:spLocks noGrp="1"/>
+          </p:cNvSpPr>
+          <p:nvPr>
+            <p:ph type="sldNum" sz="quarter" idx="12"/>
+          </p:nvPr>
+        </p:nvSpPr>
+        <p:spPr/>
+        <p:txBody>
+          <a:bodyPr/>
+          <a:lstStyle/>
+          <a:p>
+            <a:fld id="{88FE7EFB-6DB8-4D46-9CAF-8E19AD46CF5F}" type="slidenum">
+              <a:rPr lang="fr-FR" smtClean="0"/>
+              <a:t>8</a:t>
+            </a:fld>
+            <a:endParaRPr lang="fr-FR"/>
+          </a:p>
+        </p:txBody>
+      </p:sp>
+      <p:sp>
+        <p:nvSpPr>
+          <p:cNvPr id="4" name="Rectangle : coins arrondis 3">
+            <a:extLst>
+              <a:ext uri="{FF2B5EF4-FFF2-40B4-BE49-F238E27FC236}">
+                <a16:creationId xmlns:a16="http://schemas.microsoft.com/office/drawing/2014/main" id="{D37F5BB2-5383-4A47-D51C-BE36BEABFEAC}"/>
+              </a:ext>
+            </a:extLst>
+          </p:cNvPr>
+          <p:cNvSpPr/>
+          <p:nvPr/>
+        </p:nvSpPr>
+        <p:spPr>
+          <a:xfrm>
+            <a:off x="189804" y="5880847"/>
+            <a:ext cx="11812392" cy="223925"/>
+          </a:xfrm>
+          <a:prstGeom prst="roundRect">
+            <a:avLst>
+              <a:gd name="adj" fmla="val 7357"/>
+            </a:avLst>
+          </a:prstGeom>
+        </p:spPr>
+        <p:style>
+          <a:lnRef idx="2">
+            <a:schemeClr val="accent1">
+              <a:shade val="50000"/>
+            </a:schemeClr>
+          </a:lnRef>
+          <a:fillRef idx="1">
+            <a:schemeClr val="accent1"/>
+          </a:fillRef>
+          <a:effectRef idx="0">
+            <a:schemeClr val="accent1"/>
+          </a:effectRef>
+          <a:fontRef idx="minor">
+            <a:schemeClr val="lt1"/>
+          </a:fontRef>
+        </p:style>
+        <p:txBody>
+          <a:bodyPr rtlCol="0" anchor="ctr"/>
+          <a:lstStyle/>
+          <a:p>
+            <a:pPr algn="ctr"/>
+            <a:endParaRPr lang="fr-FR"/>
+          </a:p>
+        </p:txBody>
+      </p:sp>
+      <p:pic>
+        <p:nvPicPr>
+          <p:cNvPr id="6" name="Image 5">
+            <a:extLst>
+              <a:ext uri="{FF2B5EF4-FFF2-40B4-BE49-F238E27FC236}">
+                <a16:creationId xmlns:a16="http://schemas.microsoft.com/office/drawing/2014/main" id="{076AC808-4397-95DA-9EC7-642D6B2BC4D8}"/>
+              </a:ext>
+            </a:extLst>
+          </p:cNvPr>
+          <p:cNvPicPr>
+            <a:picLocks noChangeAspect="1"/>
+          </p:cNvPicPr>
+          <p:nvPr/>
+        </p:nvPicPr>
+        <p:blipFill>
+          <a:blip r:embed="rId3">
+            <a:extLst>
+              <a:ext uri="{28A0092B-C50C-407E-A947-70E740481C1C}">
+                <a14:useLocalDpi xmlns:a14="http://schemas.microsoft.com/office/drawing/2010/main" val="0"/>
+              </a:ext>
+            </a:extLst>
+          </a:blip>
+          <a:stretch>
+            <a:fillRect/>
+          </a:stretch>
+        </p:blipFill>
+        <p:spPr>
+          <a:xfrm>
+            <a:off x="2157412" y="2493835"/>
+            <a:ext cx="7877175" cy="2943225"/>
+          </a:xfrm>
+          <a:prstGeom prst="rect">
+            <a:avLst/>
+          </a:prstGeom>
+        </p:spPr>
+      </p:pic>
+    </p:spTree>
+    <p:extLst>
+      <p:ext uri="{BB962C8B-B14F-4D97-AF65-F5344CB8AC3E}">
+        <p14:creationId xmlns:p14="http://schemas.microsoft.com/office/powerpoint/2010/main" val="868911435"/>
+      </p:ext>
+    </p:extLst>
+  </p:cSld>
+  <p:clrMapOvr>
+    <a:masterClrMapping/>
+  </p:clrMapOvr>
+  <mc:AlternateContent xmlns:mc="http://schemas.openxmlformats.org/markup-compatibility/2006" xmlns:p159="http://schemas.microsoft.com/office/powerpoint/2015/09/main">
+    <mc:Choice Requires="p159">
+      <p:transition xmlns:p14="http://schemas.microsoft.com/office/powerpoint/2010/main" spd="slow" p14:dur="2000">
+        <p159:morph option="byObject"/>
+      </p:transition>
+    </mc:Choice>
+    <mc:Fallback xmlns="">
+      <p:transition spd="slow">
+        <p:fade/>
+      </p:transition>
+    </mc:Fallback>
+  </mc:AlternateContent>
+</p:sld>
+</file>
+
+<file path=ppt/slides/slide9.xml><?xml version="1.0" encoding="utf-8"?>
+<p:sld xmlns:a="http://schemas.openxmlformats.org/drawingml/2006/main" xmlns:r="http://schemas.openxmlformats.org/officeDocument/2006/relationships" xmlns:p="http://schemas.openxmlformats.org/presentationml/2006/main">
+  <p:cSld>
+    <p:spTree>
+      <p:nvGrpSpPr>
+        <p:cNvPr id="1" name=""/>
+        <p:cNvGrpSpPr/>
+        <p:nvPr/>
+      </p:nvGrpSpPr>
+      <p:grpSpPr>
+        <a:xfrm>
+          <a:off x="0" y="0"/>
+          <a:ext cx="0" cy="0"/>
+          <a:chOff x="0" y="0"/>
+          <a:chExt cx="0" cy="0"/>
+        </a:xfrm>
+      </p:grpSpPr>
+      <p:sp>
+        <p:nvSpPr>
+          <p:cNvPr id="3" name="Espace réservé du numéro de diapositive 2">
+            <a:extLst>
+              <a:ext uri="{FF2B5EF4-FFF2-40B4-BE49-F238E27FC236}">
+                <a16:creationId xmlns:a16="http://schemas.microsoft.com/office/drawing/2014/main" id="{3EEC5B5C-5AC6-CB65-F0BD-E3C9CF82D224}"/>
+              </a:ext>
+            </a:extLst>
+          </p:cNvPr>
+          <p:cNvSpPr>
+            <a:spLocks noGrp="1"/>
+          </p:cNvSpPr>
+          <p:nvPr>
+            <p:ph type="sldNum" sz="quarter" idx="12"/>
+          </p:nvPr>
+        </p:nvSpPr>
+        <p:spPr/>
+        <p:txBody>
+          <a:bodyPr/>
+          <a:lstStyle/>
+          <a:p>
+            <a:fld id="{88FE7EFB-6DB8-4D46-9CAF-8E19AD46CF5F}" type="slidenum">
+              <a:rPr lang="fr-FR" smtClean="0"/>
+              <a:t>9</a:t>
+            </a:fld>
+            <a:endParaRPr lang="fr-FR"/>
+          </a:p>
+        </p:txBody>
+      </p:sp>
+      <p:pic>
+        <p:nvPicPr>
+          <p:cNvPr id="5" name="Image 4">
+            <a:extLst>
+              <a:ext uri="{FF2B5EF4-FFF2-40B4-BE49-F238E27FC236}">
+                <a16:creationId xmlns:a16="http://schemas.microsoft.com/office/drawing/2014/main" id="{5F1B1BD0-E4A2-326F-8F7C-AF6D44AA37AD}"/>
+              </a:ext>
+            </a:extLst>
+          </p:cNvPr>
+          <p:cNvPicPr>
+            <a:picLocks noChangeAspect="1"/>
+          </p:cNvPicPr>
+          <p:nvPr/>
+        </p:nvPicPr>
+        <p:blipFill>
+          <a:blip r:embed="rId2">
+            <a:extLst>
+              <a:ext uri="{28A0092B-C50C-407E-A947-70E740481C1C}">
+                <a14:useLocalDpi xmlns:a14="http://schemas.microsoft.com/office/drawing/2010/main" val="0"/>
+              </a:ext>
+            </a:extLst>
+          </a:blip>
+          <a:stretch>
+            <a:fillRect/>
+          </a:stretch>
+        </p:blipFill>
+        <p:spPr>
+          <a:xfrm>
+            <a:off x="4016327" y="0"/>
+            <a:ext cx="4159346" cy="6858000"/>
+          </a:xfrm>
+          <a:prstGeom prst="rect">
+            <a:avLst/>
+          </a:prstGeom>
+        </p:spPr>
+      </p:pic>
+    </p:spTree>
+    <p:extLst>
+      <p:ext uri="{BB962C8B-B14F-4D97-AF65-F5344CB8AC3E}">
+        <p14:creationId xmlns:p14="http://schemas.microsoft.com/office/powerpoint/2010/main" val="4077144885"/>
+      </p:ext>
+    </p:extLst>
+  </p:cSld>
+  <p:clrMapOvr>
+    <a:masterClrMapping/>
+  </p:clrMapOvr>
+  <mc:AlternateContent xmlns:mc="http://schemas.openxmlformats.org/markup-compatibility/2006" xmlns:p159="http://schemas.microsoft.com/office/powerpoint/2015/09/main">
+    <mc:Choice Requires="p159">
+      <p:transition xmlns:p14="http://schemas.microsoft.com/office/powerpoint/2010/main" spd="slow" p14:dur="2000">
+        <p159:morph option="byObject"/>
+      </p:transition>
+    </mc:Choice>
+    <mc:Fallback xmlns="">
       <p:transition spd="slow">
         <p:fade/>
       </p:transition>
@@ -15246,42 +12675,42 @@
 <file path=ppt/theme/theme1.xml><?xml version="1.0" encoding="utf-8"?>
 <a:theme xmlns:a="http://schemas.openxmlformats.org/drawingml/2006/main" name="Berlin">
   <a:themeElements>
-    <a:clrScheme name="Berlin">
+    <a:clrScheme name="Palissade">
       <a:dk1>
-        <a:sysClr val="windowText" lastClr="000000"/>
+        <a:srgbClr val="000000"/>
       </a:dk1>
       <a:lt1>
         <a:sysClr val="window" lastClr="FFFFFF"/>
       </a:lt1>
       <a:dk2>
-        <a:srgbClr val="9D360E"/>
+        <a:srgbClr val="5E5E5E"/>
       </a:dk2>
       <a:lt2>
-        <a:srgbClr val="E7E6E6"/>
+        <a:srgbClr val="DDDDDD"/>
       </a:lt2>
       <a:accent1>
-        <a:srgbClr val="F09415"/>
+        <a:srgbClr val="418AB3"/>
       </a:accent1>
       <a:accent2>
-        <a:srgbClr val="C1B56B"/>
+        <a:srgbClr val="A6B727"/>
       </a:accent2>
       <a:accent3>
-        <a:srgbClr val="4BAF73"/>
+        <a:srgbClr val="F69200"/>
       </a:accent3>
       <a:accent4>
-        <a:srgbClr val="5AA6C0"/>
+        <a:srgbClr val="838383"/>
       </a:accent4>
       <a:accent5>
-        <a:srgbClr val="D17DF9"/>
+        <a:srgbClr val="FEC306"/>
       </a:accent5>
       <a:accent6>
-        <a:srgbClr val="FA7E5C"/>
+        <a:srgbClr val="DF5327"/>
       </a:accent6>
       <a:hlink>
-        <a:srgbClr val="FFAE3E"/>
+        <a:srgbClr val="F59E00"/>
       </a:hlink>
       <a:folHlink>
-        <a:srgbClr val="FCC77E"/>
+        <a:srgbClr val="B2B2B2"/>
       </a:folHlink>
     </a:clrScheme>
     <a:fontScheme name="Berlin">
@@ -15460,7 +12889,7 @@
               <a:schemeClr val="phClr">
                 <a:tint val="96000"/>
                 <a:shade val="100000"/>
-                <a:hueMod val="270000"/>
+                <a:hueMod val="92000"/>
                 <a:satMod val="200000"/>
                 <a:lumMod val="128000"/>
               </a:schemeClr>
@@ -15476,8 +12905,8 @@
             <a:gs pos="100000">
               <a:schemeClr val="phClr">
                 <a:shade val="78000"/>
-                <a:hueMod val="44000"/>
-                <a:satMod val="200000"/>
+                <a:hueMod val="118000"/>
+                <a:satMod val="120000"/>
                 <a:lumMod val="69000"/>
               </a:schemeClr>
             </a:gs>
@@ -15491,7 +12920,7 @@
   <a:extraClrSchemeLst/>
   <a:extLst>
     <a:ext uri="{05A4C25C-085E-4340-85A3-A5531E510DB2}">
-      <thm15:themeFamily xmlns:thm15="http://schemas.microsoft.com/office/thememl/2012/main" name="Berlin" id="{7B5DBA9E-B069-418E-9360-A61BDD0615A4}" vid="{C0CBE056-4EF4-4D92-969E-947779DA7AAA}"/>
+      <thm15:themeFamily xmlns:thm15="http://schemas.microsoft.com/office/thememl/2012/main" name="Berlin" id="{7B5DBA9E-B069-418E-9360-A61BDD0615A4}" vid="{C7DC10E3-4FF5-456B-A359-A0F378C1E5FB}"/>
     </a:ext>
   </a:extLst>
 </a:theme>
